--- a/SF Python SpreadsheetDoesWhat.pptx
+++ b/SF Python SpreadsheetDoesWhat.pptx
@@ -4,8 +4,22 @@
   <p:sldMasterIdLst>
     <p:sldMasterId id="2147483648" r:id="rId1"/>
   </p:sldMasterIdLst>
+  <p:notesMasterIdLst>
+    <p:notesMasterId r:id="rId14"/>
+  </p:notesMasterIdLst>
   <p:sldIdLst>
     <p:sldId id="258" r:id="rId2"/>
+    <p:sldId id="259" r:id="rId3"/>
+    <p:sldId id="261" r:id="rId4"/>
+    <p:sldId id="262" r:id="rId5"/>
+    <p:sldId id="263" r:id="rId6"/>
+    <p:sldId id="260" r:id="rId7"/>
+    <p:sldId id="265" r:id="rId8"/>
+    <p:sldId id="264" r:id="rId9"/>
+    <p:sldId id="266" r:id="rId10"/>
+    <p:sldId id="267" r:id="rId11"/>
+    <p:sldId id="268" r:id="rId12"/>
+    <p:sldId id="269" r:id="rId13"/>
   </p:sldIdLst>
   <p:sldSz cx="12192000" cy="6858000"/>
   <p:notesSz cx="6858000" cy="9144000"/>
@@ -112,6 +126,355 @@
 </p:presentation>
 </file>
 
+<file path=ppt/notesMasters/notesMaster1.xml><?xml version="1.0" encoding="utf-8"?>
+<p:notesMaster xmlns:a="http://schemas.openxmlformats.org/drawingml/2006/main" xmlns:r="http://schemas.openxmlformats.org/officeDocument/2006/relationships" xmlns:p="http://schemas.openxmlformats.org/presentationml/2006/main">
+  <p:cSld>
+    <p:bg>
+      <p:bgRef idx="1001">
+        <a:schemeClr val="bg1"/>
+      </p:bgRef>
+    </p:bg>
+    <p:spTree>
+      <p:nvGrpSpPr>
+        <p:cNvPr id="1" name=""/>
+        <p:cNvGrpSpPr/>
+        <p:nvPr/>
+      </p:nvGrpSpPr>
+      <p:grpSpPr>
+        <a:xfrm>
+          <a:off x="0" y="0"/>
+          <a:ext cx="0" cy="0"/>
+          <a:chOff x="0" y="0"/>
+          <a:chExt cx="0" cy="0"/>
+        </a:xfrm>
+      </p:grpSpPr>
+      <p:sp>
+        <p:nvSpPr>
+          <p:cNvPr id="2" name="Header Placeholder 1"/>
+          <p:cNvSpPr>
+            <a:spLocks noGrp="1"/>
+          </p:cNvSpPr>
+          <p:nvPr>
+            <p:ph type="hdr" sz="quarter"/>
+          </p:nvPr>
+        </p:nvSpPr>
+        <p:spPr>
+          <a:xfrm>
+            <a:off x="0" y="0"/>
+            <a:ext cx="2971800" cy="458788"/>
+          </a:xfrm>
+          <a:prstGeom prst="rect">
+            <a:avLst/>
+          </a:prstGeom>
+        </p:spPr>
+        <p:txBody>
+          <a:bodyPr vert="horz" lIns="91440" tIns="45720" rIns="91440" bIns="45720" rtlCol="0"/>
+          <a:lstStyle>
+            <a:lvl1pPr algn="l">
+              <a:defRPr sz="1200"/>
+            </a:lvl1pPr>
+          </a:lstStyle>
+          <a:p>
+            <a:endParaRPr lang="en-US"/>
+          </a:p>
+        </p:txBody>
+      </p:sp>
+      <p:sp>
+        <p:nvSpPr>
+          <p:cNvPr id="3" name="Date Placeholder 2"/>
+          <p:cNvSpPr>
+            <a:spLocks noGrp="1"/>
+          </p:cNvSpPr>
+          <p:nvPr>
+            <p:ph type="dt" idx="1"/>
+          </p:nvPr>
+        </p:nvSpPr>
+        <p:spPr>
+          <a:xfrm>
+            <a:off x="3884613" y="0"/>
+            <a:ext cx="2971800" cy="458788"/>
+          </a:xfrm>
+          <a:prstGeom prst="rect">
+            <a:avLst/>
+          </a:prstGeom>
+        </p:spPr>
+        <p:txBody>
+          <a:bodyPr vert="horz" lIns="91440" tIns="45720" rIns="91440" bIns="45720" rtlCol="0"/>
+          <a:lstStyle>
+            <a:lvl1pPr algn="r">
+              <a:defRPr sz="1200"/>
+            </a:lvl1pPr>
+          </a:lstStyle>
+          <a:p>
+            <a:fld id="{325C3803-6E2E-477E-8D2A-62949CA41793}" type="datetimeFigureOut">
+              <a:rPr lang="en-US" smtClean="0"/>
+              <a:t>3/13/2024</a:t>
+            </a:fld>
+            <a:endParaRPr lang="en-US"/>
+          </a:p>
+        </p:txBody>
+      </p:sp>
+      <p:sp>
+        <p:nvSpPr>
+          <p:cNvPr id="4" name="Slide Image Placeholder 3"/>
+          <p:cNvSpPr>
+            <a:spLocks noGrp="1" noRot="1" noChangeAspect="1"/>
+          </p:cNvSpPr>
+          <p:nvPr>
+            <p:ph type="sldImg" idx="2"/>
+          </p:nvPr>
+        </p:nvSpPr>
+        <p:spPr>
+          <a:xfrm>
+            <a:off x="685800" y="1143000"/>
+            <a:ext cx="5486400" cy="3086100"/>
+          </a:xfrm>
+          <a:prstGeom prst="rect">
+            <a:avLst/>
+          </a:prstGeom>
+          <a:noFill/>
+          <a:ln w="12700">
+            <a:solidFill>
+              <a:prstClr val="black"/>
+            </a:solidFill>
+          </a:ln>
+        </p:spPr>
+        <p:txBody>
+          <a:bodyPr vert="horz" lIns="91440" tIns="45720" rIns="91440" bIns="45720" rtlCol="0" anchor="ctr"/>
+          <a:lstStyle/>
+          <a:p>
+            <a:endParaRPr lang="en-US"/>
+          </a:p>
+        </p:txBody>
+      </p:sp>
+      <p:sp>
+        <p:nvSpPr>
+          <p:cNvPr id="5" name="Notes Placeholder 4"/>
+          <p:cNvSpPr>
+            <a:spLocks noGrp="1"/>
+          </p:cNvSpPr>
+          <p:nvPr>
+            <p:ph type="body" sz="quarter" idx="3"/>
+          </p:nvPr>
+        </p:nvSpPr>
+        <p:spPr>
+          <a:xfrm>
+            <a:off x="685800" y="4400550"/>
+            <a:ext cx="5486400" cy="3600450"/>
+          </a:xfrm>
+          <a:prstGeom prst="rect">
+            <a:avLst/>
+          </a:prstGeom>
+        </p:spPr>
+        <p:txBody>
+          <a:bodyPr vert="horz" lIns="91440" tIns="45720" rIns="91440" bIns="45720" rtlCol="0"/>
+          <a:lstStyle/>
+          <a:p>
+            <a:pPr lvl="0"/>
+            <a:r>
+              <a:rPr lang="en-US"/>
+              <a:t>Click to edit Master text styles</a:t>
+            </a:r>
+          </a:p>
+          <a:p>
+            <a:pPr lvl="1"/>
+            <a:r>
+              <a:rPr lang="en-US"/>
+              <a:t>Second level</a:t>
+            </a:r>
+          </a:p>
+          <a:p>
+            <a:pPr lvl="2"/>
+            <a:r>
+              <a:rPr lang="en-US"/>
+              <a:t>Third level</a:t>
+            </a:r>
+          </a:p>
+          <a:p>
+            <a:pPr lvl="3"/>
+            <a:r>
+              <a:rPr lang="en-US"/>
+              <a:t>Fourth level</a:t>
+            </a:r>
+          </a:p>
+          <a:p>
+            <a:pPr lvl="4"/>
+            <a:r>
+              <a:rPr lang="en-US"/>
+              <a:t>Fifth level</a:t>
+            </a:r>
+          </a:p>
+        </p:txBody>
+      </p:sp>
+      <p:sp>
+        <p:nvSpPr>
+          <p:cNvPr id="6" name="Footer Placeholder 5"/>
+          <p:cNvSpPr>
+            <a:spLocks noGrp="1"/>
+          </p:cNvSpPr>
+          <p:nvPr>
+            <p:ph type="ftr" sz="quarter" idx="4"/>
+          </p:nvPr>
+        </p:nvSpPr>
+        <p:spPr>
+          <a:xfrm>
+            <a:off x="0" y="8685213"/>
+            <a:ext cx="2971800" cy="458787"/>
+          </a:xfrm>
+          <a:prstGeom prst="rect">
+            <a:avLst/>
+          </a:prstGeom>
+        </p:spPr>
+        <p:txBody>
+          <a:bodyPr vert="horz" lIns="91440" tIns="45720" rIns="91440" bIns="45720" rtlCol="0" anchor="b"/>
+          <a:lstStyle>
+            <a:lvl1pPr algn="l">
+              <a:defRPr sz="1200"/>
+            </a:lvl1pPr>
+          </a:lstStyle>
+          <a:p>
+            <a:endParaRPr lang="en-US"/>
+          </a:p>
+        </p:txBody>
+      </p:sp>
+      <p:sp>
+        <p:nvSpPr>
+          <p:cNvPr id="7" name="Slide Number Placeholder 6"/>
+          <p:cNvSpPr>
+            <a:spLocks noGrp="1"/>
+          </p:cNvSpPr>
+          <p:nvPr>
+            <p:ph type="sldNum" sz="quarter" idx="5"/>
+          </p:nvPr>
+        </p:nvSpPr>
+        <p:spPr>
+          <a:xfrm>
+            <a:off x="3884613" y="8685213"/>
+            <a:ext cx="2971800" cy="458787"/>
+          </a:xfrm>
+          <a:prstGeom prst="rect">
+            <a:avLst/>
+          </a:prstGeom>
+        </p:spPr>
+        <p:txBody>
+          <a:bodyPr vert="horz" lIns="91440" tIns="45720" rIns="91440" bIns="45720" rtlCol="0" anchor="b"/>
+          <a:lstStyle>
+            <a:lvl1pPr algn="r">
+              <a:defRPr sz="1200"/>
+            </a:lvl1pPr>
+          </a:lstStyle>
+          <a:p>
+            <a:fld id="{67D50083-60BE-4A73-9715-BB83CEB87C65}" type="slidenum">
+              <a:rPr lang="en-US" smtClean="0"/>
+              <a:t>‹#›</a:t>
+            </a:fld>
+            <a:endParaRPr lang="en-US"/>
+          </a:p>
+        </p:txBody>
+      </p:sp>
+    </p:spTree>
+    <p:extLst>
+      <p:ext uri="{BB962C8B-B14F-4D97-AF65-F5344CB8AC3E}">
+        <p14:creationId xmlns:p14="http://schemas.microsoft.com/office/powerpoint/2010/main" val="2312091392"/>
+      </p:ext>
+    </p:extLst>
+  </p:cSld>
+  <p:clrMap bg1="lt1" tx1="dk1" bg2="lt2" tx2="dk2" accent1="accent1" accent2="accent2" accent3="accent3" accent4="accent4" accent5="accent5" accent6="accent6" hlink="hlink" folHlink="folHlink"/>
+  <p:notesStyle>
+    <a:lvl1pPr marL="0" algn="l" defTabSz="914400" rtl="0" eaLnBrk="1" latinLnBrk="0" hangingPunct="1">
+      <a:defRPr sz="1200" kern="1200">
+        <a:solidFill>
+          <a:schemeClr val="tx1"/>
+        </a:solidFill>
+        <a:latin typeface="+mn-lt"/>
+        <a:ea typeface="+mn-ea"/>
+        <a:cs typeface="+mn-cs"/>
+      </a:defRPr>
+    </a:lvl1pPr>
+    <a:lvl2pPr marL="457200" algn="l" defTabSz="914400" rtl="0" eaLnBrk="1" latinLnBrk="0" hangingPunct="1">
+      <a:defRPr sz="1200" kern="1200">
+        <a:solidFill>
+          <a:schemeClr val="tx1"/>
+        </a:solidFill>
+        <a:latin typeface="+mn-lt"/>
+        <a:ea typeface="+mn-ea"/>
+        <a:cs typeface="+mn-cs"/>
+      </a:defRPr>
+    </a:lvl2pPr>
+    <a:lvl3pPr marL="914400" algn="l" defTabSz="914400" rtl="0" eaLnBrk="1" latinLnBrk="0" hangingPunct="1">
+      <a:defRPr sz="1200" kern="1200">
+        <a:solidFill>
+          <a:schemeClr val="tx1"/>
+        </a:solidFill>
+        <a:latin typeface="+mn-lt"/>
+        <a:ea typeface="+mn-ea"/>
+        <a:cs typeface="+mn-cs"/>
+      </a:defRPr>
+    </a:lvl3pPr>
+    <a:lvl4pPr marL="1371600" algn="l" defTabSz="914400" rtl="0" eaLnBrk="1" latinLnBrk="0" hangingPunct="1">
+      <a:defRPr sz="1200" kern="1200">
+        <a:solidFill>
+          <a:schemeClr val="tx1"/>
+        </a:solidFill>
+        <a:latin typeface="+mn-lt"/>
+        <a:ea typeface="+mn-ea"/>
+        <a:cs typeface="+mn-cs"/>
+      </a:defRPr>
+    </a:lvl4pPr>
+    <a:lvl5pPr marL="1828800" algn="l" defTabSz="914400" rtl="0" eaLnBrk="1" latinLnBrk="0" hangingPunct="1">
+      <a:defRPr sz="1200" kern="1200">
+        <a:solidFill>
+          <a:schemeClr val="tx1"/>
+        </a:solidFill>
+        <a:latin typeface="+mn-lt"/>
+        <a:ea typeface="+mn-ea"/>
+        <a:cs typeface="+mn-cs"/>
+      </a:defRPr>
+    </a:lvl5pPr>
+    <a:lvl6pPr marL="2286000" algn="l" defTabSz="914400" rtl="0" eaLnBrk="1" latinLnBrk="0" hangingPunct="1">
+      <a:defRPr sz="1200" kern="1200">
+        <a:solidFill>
+          <a:schemeClr val="tx1"/>
+        </a:solidFill>
+        <a:latin typeface="+mn-lt"/>
+        <a:ea typeface="+mn-ea"/>
+        <a:cs typeface="+mn-cs"/>
+      </a:defRPr>
+    </a:lvl6pPr>
+    <a:lvl7pPr marL="2743200" algn="l" defTabSz="914400" rtl="0" eaLnBrk="1" latinLnBrk="0" hangingPunct="1">
+      <a:defRPr sz="1200" kern="1200">
+        <a:solidFill>
+          <a:schemeClr val="tx1"/>
+        </a:solidFill>
+        <a:latin typeface="+mn-lt"/>
+        <a:ea typeface="+mn-ea"/>
+        <a:cs typeface="+mn-cs"/>
+      </a:defRPr>
+    </a:lvl7pPr>
+    <a:lvl8pPr marL="3200400" algn="l" defTabSz="914400" rtl="0" eaLnBrk="1" latinLnBrk="0" hangingPunct="1">
+      <a:defRPr sz="1200" kern="1200">
+        <a:solidFill>
+          <a:schemeClr val="tx1"/>
+        </a:solidFill>
+        <a:latin typeface="+mn-lt"/>
+        <a:ea typeface="+mn-ea"/>
+        <a:cs typeface="+mn-cs"/>
+      </a:defRPr>
+    </a:lvl8pPr>
+    <a:lvl9pPr marL="3657600" algn="l" defTabSz="914400" rtl="0" eaLnBrk="1" latinLnBrk="0" hangingPunct="1">
+      <a:defRPr sz="1200" kern="1200">
+        <a:solidFill>
+          <a:schemeClr val="tx1"/>
+        </a:solidFill>
+        <a:latin typeface="+mn-lt"/>
+        <a:ea typeface="+mn-ea"/>
+        <a:cs typeface="+mn-cs"/>
+      </a:defRPr>
+    </a:lvl9pPr>
+  </p:notesStyle>
+</p:notesMaster>
+</file>
+
 <file path=ppt/slideLayouts/slideLayout1.xml><?xml version="1.0" encoding="utf-8"?>
 <p:sldLayout xmlns:a="http://schemas.openxmlformats.org/drawingml/2006/main" xmlns:r="http://schemas.openxmlformats.org/officeDocument/2006/relationships" xmlns:p="http://schemas.openxmlformats.org/presentationml/2006/main" type="title" preserve="1">
   <p:cSld name="Title Slide">
@@ -257,7 +620,7 @@
           <a:bodyPr/>
           <a:lstStyle/>
           <a:p>
-            <a:fld id="{FB838DF9-EEA4-480F-85FD-4CF74198C489}" type="datetimeFigureOut">
+            <a:fld id="{4C112D99-EDAD-4515-BF08-B11898039F69}" type="datetime1">
               <a:rPr lang="en-US" smtClean="0"/>
               <a:t>3/13/2024</a:t>
             </a:fld>
@@ -286,7 +649,10 @@
           <a:bodyPr/>
           <a:lstStyle/>
           <a:p>
-            <a:endParaRPr lang="en-US"/>
+            <a:r>
+              <a:rPr lang="en-US" dirty="0"/>
+              <a:t>https://github.com/jamesabel/spreadsheetdoeswhat</a:t>
+            </a:r>
           </a:p>
         </p:txBody>
       </p:sp>
@@ -455,7 +821,7 @@
           <a:bodyPr/>
           <a:lstStyle/>
           <a:p>
-            <a:fld id="{FB838DF9-EEA4-480F-85FD-4CF74198C489}" type="datetimeFigureOut">
+            <a:fld id="{A7409926-455E-4E91-B058-F5306706F6D7}" type="datetime1">
               <a:rPr lang="en-US" smtClean="0"/>
               <a:t>3/13/2024</a:t>
             </a:fld>
@@ -484,7 +850,10 @@
           <a:bodyPr/>
           <a:lstStyle/>
           <a:p>
-            <a:endParaRPr lang="en-US"/>
+            <a:r>
+              <a:rPr lang="en-US"/>
+              <a:t>https://github.com/jamesabel/spreadsheetdoeswhat</a:t>
+            </a:r>
           </a:p>
         </p:txBody>
       </p:sp>
@@ -663,7 +1032,7 @@
           <a:bodyPr/>
           <a:lstStyle/>
           <a:p>
-            <a:fld id="{FB838DF9-EEA4-480F-85FD-4CF74198C489}" type="datetimeFigureOut">
+            <a:fld id="{DBB94F9B-ADF7-40FD-874E-981E204D9F34}" type="datetime1">
               <a:rPr lang="en-US" smtClean="0"/>
               <a:t>3/13/2024</a:t>
             </a:fld>
@@ -692,7 +1061,10 @@
           <a:bodyPr/>
           <a:lstStyle/>
           <a:p>
-            <a:endParaRPr lang="en-US"/>
+            <a:r>
+              <a:rPr lang="en-US"/>
+              <a:t>https://github.com/jamesabel/spreadsheetdoeswhat</a:t>
+            </a:r>
           </a:p>
         </p:txBody>
       </p:sp>
@@ -861,7 +1233,7 @@
           <a:bodyPr/>
           <a:lstStyle/>
           <a:p>
-            <a:fld id="{FB838DF9-EEA4-480F-85FD-4CF74198C489}" type="datetimeFigureOut">
+            <a:fld id="{BF67D747-3B82-48FF-89EE-85E62773D70C}" type="datetime1">
               <a:rPr lang="en-US" smtClean="0"/>
               <a:t>3/13/2024</a:t>
             </a:fld>
@@ -890,7 +1262,10 @@
           <a:bodyPr/>
           <a:lstStyle/>
           <a:p>
-            <a:endParaRPr lang="en-US"/>
+            <a:r>
+              <a:rPr lang="en-US" dirty="0"/>
+              <a:t>https://github.com/jamesabel/spreadsheetdoeswhat</a:t>
+            </a:r>
           </a:p>
         </p:txBody>
       </p:sp>
@@ -1136,7 +1511,7 @@
           <a:bodyPr/>
           <a:lstStyle/>
           <a:p>
-            <a:fld id="{FB838DF9-EEA4-480F-85FD-4CF74198C489}" type="datetimeFigureOut">
+            <a:fld id="{BACF2F1E-FB40-4010-9BCF-32270B34FA08}" type="datetime1">
               <a:rPr lang="en-US" smtClean="0"/>
               <a:t>3/13/2024</a:t>
             </a:fld>
@@ -1165,7 +1540,10 @@
           <a:bodyPr/>
           <a:lstStyle/>
           <a:p>
-            <a:endParaRPr lang="en-US"/>
+            <a:r>
+              <a:rPr lang="en-US"/>
+              <a:t>https://github.com/jamesabel/spreadsheetdoeswhat</a:t>
+            </a:r>
           </a:p>
         </p:txBody>
       </p:sp>
@@ -1401,7 +1779,7 @@
           <a:bodyPr/>
           <a:lstStyle/>
           <a:p>
-            <a:fld id="{FB838DF9-EEA4-480F-85FD-4CF74198C489}" type="datetimeFigureOut">
+            <a:fld id="{47EB57BE-D287-4FCE-9155-E8A15B323FE1}" type="datetime1">
               <a:rPr lang="en-US" smtClean="0"/>
               <a:t>3/13/2024</a:t>
             </a:fld>
@@ -1430,7 +1808,10 @@
           <a:bodyPr/>
           <a:lstStyle/>
           <a:p>
-            <a:endParaRPr lang="en-US"/>
+            <a:r>
+              <a:rPr lang="en-US"/>
+              <a:t>https://github.com/jamesabel/spreadsheetdoeswhat</a:t>
+            </a:r>
           </a:p>
         </p:txBody>
       </p:sp>
@@ -1813,7 +2194,7 @@
           <a:bodyPr/>
           <a:lstStyle/>
           <a:p>
-            <a:fld id="{FB838DF9-EEA4-480F-85FD-4CF74198C489}" type="datetimeFigureOut">
+            <a:fld id="{E16BE111-6505-441E-832D-B2E869773FBE}" type="datetime1">
               <a:rPr lang="en-US" smtClean="0"/>
               <a:t>3/13/2024</a:t>
             </a:fld>
@@ -1842,7 +2223,10 @@
           <a:bodyPr/>
           <a:lstStyle/>
           <a:p>
-            <a:endParaRPr lang="en-US"/>
+            <a:r>
+              <a:rPr lang="en-US"/>
+              <a:t>https://github.com/jamesabel/spreadsheetdoeswhat</a:t>
+            </a:r>
           </a:p>
         </p:txBody>
       </p:sp>
@@ -1954,7 +2338,7 @@
           <a:bodyPr/>
           <a:lstStyle/>
           <a:p>
-            <a:fld id="{FB838DF9-EEA4-480F-85FD-4CF74198C489}" type="datetimeFigureOut">
+            <a:fld id="{79825AD2-5AC5-44F8-B2A7-AE4928440BB0}" type="datetime1">
               <a:rPr lang="en-US" smtClean="0"/>
               <a:t>3/13/2024</a:t>
             </a:fld>
@@ -1983,7 +2367,10 @@
           <a:bodyPr/>
           <a:lstStyle/>
           <a:p>
-            <a:endParaRPr lang="en-US"/>
+            <a:r>
+              <a:rPr lang="en-US"/>
+              <a:t>https://github.com/jamesabel/spreadsheetdoeswhat</a:t>
+            </a:r>
           </a:p>
         </p:txBody>
       </p:sp>
@@ -2067,7 +2454,7 @@
           <a:bodyPr/>
           <a:lstStyle/>
           <a:p>
-            <a:fld id="{FB838DF9-EEA4-480F-85FD-4CF74198C489}" type="datetimeFigureOut">
+            <a:fld id="{464DE74A-B0EA-4ABF-8CB5-5DE5A6C2DD85}" type="datetime1">
               <a:rPr lang="en-US" smtClean="0"/>
               <a:t>3/13/2024</a:t>
             </a:fld>
@@ -2096,7 +2483,10 @@
           <a:bodyPr/>
           <a:lstStyle/>
           <a:p>
-            <a:endParaRPr lang="en-US"/>
+            <a:r>
+              <a:rPr lang="en-US"/>
+              <a:t>https://github.com/jamesabel/spreadsheetdoeswhat</a:t>
+            </a:r>
           </a:p>
         </p:txBody>
       </p:sp>
@@ -2378,7 +2768,7 @@
           <a:bodyPr/>
           <a:lstStyle/>
           <a:p>
-            <a:fld id="{FB838DF9-EEA4-480F-85FD-4CF74198C489}" type="datetimeFigureOut">
+            <a:fld id="{59628684-E1C6-45A3-94D2-987C3635ECD3}" type="datetime1">
               <a:rPr lang="en-US" smtClean="0"/>
               <a:t>3/13/2024</a:t>
             </a:fld>
@@ -2407,7 +2797,10 @@
           <a:bodyPr/>
           <a:lstStyle/>
           <a:p>
-            <a:endParaRPr lang="en-US"/>
+            <a:r>
+              <a:rPr lang="en-US"/>
+              <a:t>https://github.com/jamesabel/spreadsheetdoeswhat</a:t>
+            </a:r>
           </a:p>
         </p:txBody>
       </p:sp>
@@ -2666,7 +3059,7 @@
           <a:bodyPr/>
           <a:lstStyle/>
           <a:p>
-            <a:fld id="{FB838DF9-EEA4-480F-85FD-4CF74198C489}" type="datetimeFigureOut">
+            <a:fld id="{F0FFE4C3-DA64-4EC9-A25E-FF9E54D7C62D}" type="datetime1">
               <a:rPr lang="en-US" smtClean="0"/>
               <a:t>3/13/2024</a:t>
             </a:fld>
@@ -2695,7 +3088,10 @@
           <a:bodyPr/>
           <a:lstStyle/>
           <a:p>
-            <a:endParaRPr lang="en-US"/>
+            <a:r>
+              <a:rPr lang="en-US"/>
+              <a:t>https://github.com/jamesabel/spreadsheetdoeswhat</a:t>
+            </a:r>
           </a:p>
         </p:txBody>
       </p:sp>
@@ -2907,7 +3303,7 @@
             </a:lvl1pPr>
           </a:lstStyle>
           <a:p>
-            <a:fld id="{FB838DF9-EEA4-480F-85FD-4CF74198C489}" type="datetimeFigureOut">
+            <a:fld id="{275AE8B8-10BA-4F69-BEA9-77201285FCD0}" type="datetime1">
               <a:rPr lang="en-US" smtClean="0"/>
               <a:t>3/13/2024</a:t>
             </a:fld>
@@ -2954,7 +3350,10 @@
             </a:lvl1pPr>
           </a:lstStyle>
           <a:p>
-            <a:endParaRPr lang="en-US"/>
+            <a:r>
+              <a:rPr lang="en-US" dirty="0"/>
+              <a:t>https://github.com/jamesabel/spreadsheetdoeswhat</a:t>
+            </a:r>
           </a:p>
         </p:txBody>
       </p:sp>
@@ -3026,6 +3425,7 @@
     <p:sldLayoutId id="2147483658" r:id="rId10"/>
     <p:sldLayoutId id="2147483659" r:id="rId11"/>
   </p:sldLayoutIdLst>
+  <p:hf hdr="0" dt="0"/>
   <p:txStyles>
     <p:titleStyle>
       <a:lvl1pPr algn="l" defTabSz="914400" rtl="0" eaLnBrk="1" latinLnBrk="0" hangingPunct="1">
@@ -3374,9 +3774,16 @@
             <p:ph type="subTitle" idx="1"/>
           </p:nvPr>
         </p:nvSpPr>
-        <p:spPr/>
-        <p:txBody>
-          <a:bodyPr/>
+        <p:spPr>
+          <a:xfrm>
+            <a:off x="1524000" y="3602037"/>
+            <a:ext cx="9144000" cy="2066173"/>
+          </a:xfrm>
+        </p:spPr>
+        <p:txBody>
+          <a:bodyPr>
+            <a:normAutofit fontScale="85000" lnSpcReduction="20000"/>
+          </a:bodyPr>
           <a:lstStyle/>
           <a:p>
             <a:r>
@@ -3398,12 +3805,92 @@
               <a:rPr lang="en-US" dirty="0">
                 <a:hlinkClick r:id="rId3"/>
               </a:rPr>
-              <a:t>https://github.com/jamesabel/spreadsheetsaywhat</a:t>
+              <a:t>https://github.com/jamesabel/spreadsheetdoeswhat</a:t>
             </a:r>
             <a:r>
               <a:rPr lang="en-US" dirty="0"/>
               <a:t> </a:t>
             </a:r>
+          </a:p>
+          <a:p>
+            <a:endParaRPr lang="en-US" dirty="0"/>
+          </a:p>
+          <a:p>
+            <a:endParaRPr lang="en-US" dirty="0"/>
+          </a:p>
+          <a:p>
+            <a:r>
+              <a:rPr lang="en-US" dirty="0"/>
+              <a:t>An homage to </a:t>
+            </a:r>
+            <a:r>
+              <a:rPr lang="en-US" dirty="0">
+                <a:hlinkClick r:id="rId4"/>
+              </a:rPr>
+              <a:t>https://www.pythondoeswhat.com</a:t>
+            </a:r>
+            <a:r>
+              <a:rPr lang="en-US" dirty="0"/>
+              <a:t> </a:t>
+            </a:r>
+          </a:p>
+        </p:txBody>
+      </p:sp>
+      <p:sp>
+        <p:nvSpPr>
+          <p:cNvPr id="4" name="Footer Placeholder 3">
+            <a:extLst>
+              <a:ext uri="{FF2B5EF4-FFF2-40B4-BE49-F238E27FC236}">
+                <a16:creationId xmlns:a16="http://schemas.microsoft.com/office/drawing/2014/main" id="{FCCEFEBC-558D-C174-6B23-AF145E2324E3}"/>
+              </a:ext>
+            </a:extLst>
+          </p:cNvPr>
+          <p:cNvSpPr>
+            <a:spLocks noGrp="1"/>
+          </p:cNvSpPr>
+          <p:nvPr>
+            <p:ph type="ftr" sz="quarter" idx="11"/>
+          </p:nvPr>
+        </p:nvSpPr>
+        <p:spPr/>
+        <p:txBody>
+          <a:bodyPr/>
+          <a:lstStyle/>
+          <a:p>
+            <a:r>
+              <a:rPr lang="en-US"/>
+              <a:t>https://github.com/jamesabel/spreadsheetdoeswhat</a:t>
+            </a:r>
+            <a:endParaRPr lang="en-US" dirty="0"/>
+          </a:p>
+        </p:txBody>
+      </p:sp>
+      <p:sp>
+        <p:nvSpPr>
+          <p:cNvPr id="5" name="Slide Number Placeholder 4">
+            <a:extLst>
+              <a:ext uri="{FF2B5EF4-FFF2-40B4-BE49-F238E27FC236}">
+                <a16:creationId xmlns:a16="http://schemas.microsoft.com/office/drawing/2014/main" id="{00282AF9-376F-463F-FB7C-76340610E3BA}"/>
+              </a:ext>
+            </a:extLst>
+          </p:cNvPr>
+          <p:cNvSpPr>
+            <a:spLocks noGrp="1"/>
+          </p:cNvSpPr>
+          <p:nvPr>
+            <p:ph type="sldNum" sz="quarter" idx="12"/>
+          </p:nvPr>
+        </p:nvSpPr>
+        <p:spPr/>
+        <p:txBody>
+          <a:bodyPr/>
+          <a:lstStyle/>
+          <a:p>
+            <a:fld id="{6480553B-0AA9-4774-8DA9-C49E531432C6}" type="slidenum">
+              <a:rPr lang="en-US" smtClean="0"/>
+              <a:t>1</a:t>
+            </a:fld>
+            <a:endParaRPr lang="en-US"/>
           </a:p>
         </p:txBody>
       </p:sp>
@@ -3411,6 +3898,4164 @@
     <p:extLst>
       <p:ext uri="{BB962C8B-B14F-4D97-AF65-F5344CB8AC3E}">
         <p14:creationId xmlns:p14="http://schemas.microsoft.com/office/powerpoint/2010/main" val="4274917206"/>
+      </p:ext>
+    </p:extLst>
+  </p:cSld>
+  <p:clrMapOvr>
+    <a:masterClrMapping/>
+  </p:clrMapOvr>
+</p:sld>
+</file>
+
+<file path=ppt/slides/slide10.xml><?xml version="1.0" encoding="utf-8"?>
+<p:sld xmlns:a="http://schemas.openxmlformats.org/drawingml/2006/main" xmlns:r="http://schemas.openxmlformats.org/officeDocument/2006/relationships" xmlns:p="http://schemas.openxmlformats.org/presentationml/2006/main">
+  <p:cSld>
+    <p:spTree>
+      <p:nvGrpSpPr>
+        <p:cNvPr id="1" name=""/>
+        <p:cNvGrpSpPr/>
+        <p:nvPr/>
+      </p:nvGrpSpPr>
+      <p:grpSpPr>
+        <a:xfrm>
+          <a:off x="0" y="0"/>
+          <a:ext cx="0" cy="0"/>
+          <a:chOff x="0" y="0"/>
+          <a:chExt cx="0" cy="0"/>
+        </a:xfrm>
+      </p:grpSpPr>
+      <p:sp>
+        <p:nvSpPr>
+          <p:cNvPr id="2" name="Title 1">
+            <a:extLst>
+              <a:ext uri="{FF2B5EF4-FFF2-40B4-BE49-F238E27FC236}">
+                <a16:creationId xmlns:a16="http://schemas.microsoft.com/office/drawing/2014/main" id="{69512E52-0266-943E-0605-22E71BFD7166}"/>
+              </a:ext>
+            </a:extLst>
+          </p:cNvPr>
+          <p:cNvSpPr>
+            <a:spLocks noGrp="1"/>
+          </p:cNvSpPr>
+          <p:nvPr>
+            <p:ph type="title"/>
+          </p:nvPr>
+        </p:nvSpPr>
+        <p:spPr>
+          <a:xfrm>
+            <a:off x="437148" y="60325"/>
+            <a:ext cx="10515600" cy="1325563"/>
+          </a:xfrm>
+        </p:spPr>
+        <p:txBody>
+          <a:bodyPr/>
+          <a:lstStyle/>
+          <a:p>
+            <a:r>
+              <a:rPr lang="en-US" dirty="0" err="1">
+                <a:latin typeface="Courier New" panose="02070309020205020404" pitchFamily="49" charset="0"/>
+                <a:cs typeface="Courier New" panose="02070309020205020404" pitchFamily="49" charset="0"/>
+              </a:rPr>
+              <a:t>tobool</a:t>
+            </a:r>
+            <a:r>
+              <a:rPr lang="en-US" dirty="0"/>
+              <a:t> to deal with Python’s truthiness</a:t>
+            </a:r>
+          </a:p>
+        </p:txBody>
+      </p:sp>
+      <p:sp>
+        <p:nvSpPr>
+          <p:cNvPr id="3" name="Content Placeholder 2">
+            <a:extLst>
+              <a:ext uri="{FF2B5EF4-FFF2-40B4-BE49-F238E27FC236}">
+                <a16:creationId xmlns:a16="http://schemas.microsoft.com/office/drawing/2014/main" id="{4F6819D2-915E-0D56-A442-95CE0CA7F4A0}"/>
+              </a:ext>
+            </a:extLst>
+          </p:cNvPr>
+          <p:cNvSpPr>
+            <a:spLocks noGrp="1"/>
+          </p:cNvSpPr>
+          <p:nvPr>
+            <p:ph idx="1"/>
+          </p:nvPr>
+        </p:nvSpPr>
+        <p:spPr>
+          <a:xfrm>
+            <a:off x="838200" y="1465179"/>
+            <a:ext cx="10515600" cy="4711784"/>
+          </a:xfrm>
+        </p:spPr>
+        <p:txBody>
+          <a:bodyPr>
+            <a:normAutofit fontScale="85000" lnSpcReduction="20000"/>
+          </a:bodyPr>
+          <a:lstStyle/>
+          <a:p>
+            <a:pPr marL="0" indent="0">
+              <a:buNone/>
+            </a:pPr>
+            <a:r>
+              <a:rPr lang="en-US" dirty="0">
+                <a:latin typeface="Courier New" panose="02070309020205020404" pitchFamily="49" charset="0"/>
+                <a:cs typeface="Courier New" panose="02070309020205020404" pitchFamily="49" charset="0"/>
+              </a:rPr>
+              <a:t>pip install </a:t>
+            </a:r>
+            <a:r>
+              <a:rPr lang="en-US" dirty="0" err="1">
+                <a:latin typeface="Courier New" panose="02070309020205020404" pitchFamily="49" charset="0"/>
+                <a:cs typeface="Courier New" panose="02070309020205020404" pitchFamily="49" charset="0"/>
+              </a:rPr>
+              <a:t>tobool</a:t>
+            </a:r>
+            <a:endParaRPr lang="en-US" dirty="0">
+              <a:latin typeface="Courier New" panose="02070309020205020404" pitchFamily="49" charset="0"/>
+              <a:cs typeface="Courier New" panose="02070309020205020404" pitchFamily="49" charset="0"/>
+            </a:endParaRPr>
+          </a:p>
+          <a:p>
+            <a:pPr marL="0" indent="0">
+              <a:buNone/>
+            </a:pPr>
+            <a:endParaRPr lang="en-US" dirty="0">
+              <a:latin typeface="Courier New" panose="02070309020205020404" pitchFamily="49" charset="0"/>
+              <a:cs typeface="Courier New" panose="02070309020205020404" pitchFamily="49" charset="0"/>
+            </a:endParaRPr>
+          </a:p>
+          <a:p>
+            <a:pPr marL="0" indent="0">
+              <a:buNone/>
+            </a:pPr>
+            <a:r>
+              <a:rPr lang="en-US" dirty="0">
+                <a:latin typeface="Courier New" panose="02070309020205020404" pitchFamily="49" charset="0"/>
+                <a:cs typeface="Courier New" panose="02070309020205020404" pitchFamily="49" charset="0"/>
+              </a:rPr>
+              <a:t>from </a:t>
+            </a:r>
+            <a:r>
+              <a:rPr lang="en-US" dirty="0" err="1">
+                <a:latin typeface="Courier New" panose="02070309020205020404" pitchFamily="49" charset="0"/>
+                <a:cs typeface="Courier New" panose="02070309020205020404" pitchFamily="49" charset="0"/>
+              </a:rPr>
+              <a:t>tobool</a:t>
+            </a:r>
+            <a:r>
+              <a:rPr lang="en-US" dirty="0">
+                <a:latin typeface="Courier New" panose="02070309020205020404" pitchFamily="49" charset="0"/>
+                <a:cs typeface="Courier New" panose="02070309020205020404" pitchFamily="49" charset="0"/>
+              </a:rPr>
+              <a:t> import </a:t>
+            </a:r>
+            <a:r>
+              <a:rPr lang="en-US" dirty="0" err="1">
+                <a:latin typeface="Courier New" panose="02070309020205020404" pitchFamily="49" charset="0"/>
+                <a:cs typeface="Courier New" panose="02070309020205020404" pitchFamily="49" charset="0"/>
+              </a:rPr>
+              <a:t>to_bool</a:t>
+            </a:r>
+            <a:endParaRPr lang="en-US" dirty="0">
+              <a:latin typeface="Courier New" panose="02070309020205020404" pitchFamily="49" charset="0"/>
+              <a:cs typeface="Courier New" panose="02070309020205020404" pitchFamily="49" charset="0"/>
+            </a:endParaRPr>
+          </a:p>
+          <a:p>
+            <a:pPr marL="0" indent="0">
+              <a:buNone/>
+            </a:pPr>
+            <a:endParaRPr lang="en-US" dirty="0">
+              <a:latin typeface="Courier New" panose="02070309020205020404" pitchFamily="49" charset="0"/>
+              <a:cs typeface="Courier New" panose="02070309020205020404" pitchFamily="49" charset="0"/>
+            </a:endParaRPr>
+          </a:p>
+          <a:p>
+            <a:pPr marL="0" indent="0">
+              <a:buNone/>
+            </a:pPr>
+            <a:r>
+              <a:rPr lang="en-US" dirty="0">
+                <a:latin typeface="Courier New" panose="02070309020205020404" pitchFamily="49" charset="0"/>
+                <a:cs typeface="Courier New" panose="02070309020205020404" pitchFamily="49" charset="0"/>
+              </a:rPr>
+              <a:t>bool(False)</a:t>
+            </a:r>
+          </a:p>
+          <a:p>
+            <a:pPr marL="0" indent="0">
+              <a:buNone/>
+            </a:pPr>
+            <a:r>
+              <a:rPr lang="en-US" dirty="0">
+                <a:latin typeface="Courier New" panose="02070309020205020404" pitchFamily="49" charset="0"/>
+                <a:cs typeface="Courier New" panose="02070309020205020404" pitchFamily="49" charset="0"/>
+              </a:rPr>
+              <a:t>False</a:t>
+            </a:r>
+          </a:p>
+          <a:p>
+            <a:pPr marL="0" indent="0">
+              <a:buNone/>
+            </a:pPr>
+            <a:r>
+              <a:rPr lang="en-US" dirty="0">
+                <a:latin typeface="Courier New" panose="02070309020205020404" pitchFamily="49" charset="0"/>
+                <a:cs typeface="Courier New" panose="02070309020205020404" pitchFamily="49" charset="0"/>
+              </a:rPr>
+              <a:t>bool("False")</a:t>
+            </a:r>
+          </a:p>
+          <a:p>
+            <a:pPr marL="0" indent="0">
+              <a:buNone/>
+            </a:pPr>
+            <a:r>
+              <a:rPr lang="en-US" dirty="0">
+                <a:latin typeface="Courier New" panose="02070309020205020404" pitchFamily="49" charset="0"/>
+                <a:cs typeface="Courier New" panose="02070309020205020404" pitchFamily="49" charset="0"/>
+              </a:rPr>
+              <a:t>True</a:t>
+            </a:r>
+          </a:p>
+          <a:p>
+            <a:pPr marL="0" indent="0">
+              <a:buNone/>
+            </a:pPr>
+            <a:r>
+              <a:rPr lang="en-US" dirty="0" err="1">
+                <a:latin typeface="Courier New" panose="02070309020205020404" pitchFamily="49" charset="0"/>
+                <a:cs typeface="Courier New" panose="02070309020205020404" pitchFamily="49" charset="0"/>
+              </a:rPr>
+              <a:t>to_bool</a:t>
+            </a:r>
+            <a:r>
+              <a:rPr lang="en-US" dirty="0">
+                <a:latin typeface="Courier New" panose="02070309020205020404" pitchFamily="49" charset="0"/>
+                <a:cs typeface="Courier New" panose="02070309020205020404" pitchFamily="49" charset="0"/>
+              </a:rPr>
+              <a:t>("False")</a:t>
+            </a:r>
+          </a:p>
+          <a:p>
+            <a:pPr marL="0" indent="0">
+              <a:buNone/>
+            </a:pPr>
+            <a:r>
+              <a:rPr lang="en-US" dirty="0">
+                <a:latin typeface="Courier New" panose="02070309020205020404" pitchFamily="49" charset="0"/>
+                <a:cs typeface="Courier New" panose="02070309020205020404" pitchFamily="49" charset="0"/>
+              </a:rPr>
+              <a:t>False</a:t>
+            </a:r>
+          </a:p>
+          <a:p>
+            <a:endParaRPr lang="en-US" dirty="0"/>
+          </a:p>
+          <a:p>
+            <a:pPr marL="0" indent="0">
+              <a:buNone/>
+            </a:pPr>
+            <a:r>
+              <a:rPr lang="en-US" dirty="0"/>
+              <a:t>(not only a CSV/Spreadsheet issue)</a:t>
+            </a:r>
+          </a:p>
+        </p:txBody>
+      </p:sp>
+      <p:sp>
+        <p:nvSpPr>
+          <p:cNvPr id="4" name="Footer Placeholder 3">
+            <a:extLst>
+              <a:ext uri="{FF2B5EF4-FFF2-40B4-BE49-F238E27FC236}">
+                <a16:creationId xmlns:a16="http://schemas.microsoft.com/office/drawing/2014/main" id="{85DAA5BE-DD1E-4F72-0E47-273187B1804D}"/>
+              </a:ext>
+            </a:extLst>
+          </p:cNvPr>
+          <p:cNvSpPr>
+            <a:spLocks noGrp="1"/>
+          </p:cNvSpPr>
+          <p:nvPr>
+            <p:ph type="ftr" sz="quarter" idx="11"/>
+          </p:nvPr>
+        </p:nvSpPr>
+        <p:spPr/>
+        <p:txBody>
+          <a:bodyPr/>
+          <a:lstStyle/>
+          <a:p>
+            <a:r>
+              <a:rPr lang="en-US"/>
+              <a:t>https://github.com/jamesabel/spreadsheetdoeswhat</a:t>
+            </a:r>
+            <a:endParaRPr lang="en-US" dirty="0"/>
+          </a:p>
+        </p:txBody>
+      </p:sp>
+      <p:sp>
+        <p:nvSpPr>
+          <p:cNvPr id="5" name="Slide Number Placeholder 4">
+            <a:extLst>
+              <a:ext uri="{FF2B5EF4-FFF2-40B4-BE49-F238E27FC236}">
+                <a16:creationId xmlns:a16="http://schemas.microsoft.com/office/drawing/2014/main" id="{8D8A9D43-EBCF-0614-49B6-DF5A548FF2D9}"/>
+              </a:ext>
+            </a:extLst>
+          </p:cNvPr>
+          <p:cNvSpPr>
+            <a:spLocks noGrp="1"/>
+          </p:cNvSpPr>
+          <p:nvPr>
+            <p:ph type="sldNum" sz="quarter" idx="12"/>
+          </p:nvPr>
+        </p:nvSpPr>
+        <p:spPr/>
+        <p:txBody>
+          <a:bodyPr/>
+          <a:lstStyle/>
+          <a:p>
+            <a:fld id="{6480553B-0AA9-4774-8DA9-C49E531432C6}" type="slidenum">
+              <a:rPr lang="en-US" smtClean="0"/>
+              <a:t>10</a:t>
+            </a:fld>
+            <a:endParaRPr lang="en-US"/>
+          </a:p>
+        </p:txBody>
+      </p:sp>
+    </p:spTree>
+    <p:extLst>
+      <p:ext uri="{BB962C8B-B14F-4D97-AF65-F5344CB8AC3E}">
+        <p14:creationId xmlns:p14="http://schemas.microsoft.com/office/powerpoint/2010/main" val="1688604153"/>
+      </p:ext>
+    </p:extLst>
+  </p:cSld>
+  <p:clrMapOvr>
+    <a:masterClrMapping/>
+  </p:clrMapOvr>
+</p:sld>
+</file>
+
+<file path=ppt/slides/slide11.xml><?xml version="1.0" encoding="utf-8"?>
+<p:sld xmlns:a="http://schemas.openxmlformats.org/drawingml/2006/main" xmlns:r="http://schemas.openxmlformats.org/officeDocument/2006/relationships" xmlns:p="http://schemas.openxmlformats.org/presentationml/2006/main">
+  <p:cSld>
+    <p:spTree>
+      <p:nvGrpSpPr>
+        <p:cNvPr id="1" name=""/>
+        <p:cNvGrpSpPr/>
+        <p:nvPr/>
+      </p:nvGrpSpPr>
+      <p:grpSpPr>
+        <a:xfrm>
+          <a:off x="0" y="0"/>
+          <a:ext cx="0" cy="0"/>
+          <a:chOff x="0" y="0"/>
+          <a:chExt cx="0" cy="0"/>
+        </a:xfrm>
+      </p:grpSpPr>
+      <p:sp>
+        <p:nvSpPr>
+          <p:cNvPr id="2" name="Title 1">
+            <a:extLst>
+              <a:ext uri="{FF2B5EF4-FFF2-40B4-BE49-F238E27FC236}">
+                <a16:creationId xmlns:a16="http://schemas.microsoft.com/office/drawing/2014/main" id="{4378DE26-57FC-31BA-280F-3A583A6F69DC}"/>
+              </a:ext>
+            </a:extLst>
+          </p:cNvPr>
+          <p:cNvSpPr>
+            <a:spLocks noGrp="1"/>
+          </p:cNvSpPr>
+          <p:nvPr>
+            <p:ph type="title"/>
+          </p:nvPr>
+        </p:nvSpPr>
+        <p:spPr/>
+        <p:txBody>
+          <a:bodyPr/>
+          <a:lstStyle/>
+          <a:p>
+            <a:r>
+              <a:rPr lang="en-US" dirty="0"/>
+              <a:t>Another example</a:t>
+            </a:r>
+          </a:p>
+        </p:txBody>
+      </p:sp>
+      <p:sp>
+        <p:nvSpPr>
+          <p:cNvPr id="3" name="Content Placeholder 2">
+            <a:extLst>
+              <a:ext uri="{FF2B5EF4-FFF2-40B4-BE49-F238E27FC236}">
+                <a16:creationId xmlns:a16="http://schemas.microsoft.com/office/drawing/2014/main" id="{AAA39538-9F87-62D9-8755-F63A40489D16}"/>
+              </a:ext>
+            </a:extLst>
+          </p:cNvPr>
+          <p:cNvSpPr>
+            <a:spLocks noGrp="1"/>
+          </p:cNvSpPr>
+          <p:nvPr>
+            <p:ph idx="1"/>
+          </p:nvPr>
+        </p:nvSpPr>
+        <p:spPr/>
+        <p:txBody>
+          <a:bodyPr/>
+          <a:lstStyle/>
+          <a:p>
+            <a:pPr marL="0" indent="0">
+              <a:buNone/>
+            </a:pPr>
+            <a:r>
+              <a:rPr lang="en-US" dirty="0">
+                <a:latin typeface="Courier New" panose="02070309020205020404" pitchFamily="49" charset="0"/>
+                <a:cs typeface="Courier New" panose="02070309020205020404" pitchFamily="49" charset="0"/>
+              </a:rPr>
+              <a:t>import pandas as pd</a:t>
+            </a:r>
+          </a:p>
+          <a:p>
+            <a:pPr marL="0" indent="0">
+              <a:buNone/>
+            </a:pPr>
+            <a:r>
+              <a:rPr lang="en-US" dirty="0" err="1">
+                <a:latin typeface="Courier New" panose="02070309020205020404" pitchFamily="49" charset="0"/>
+                <a:cs typeface="Courier New" panose="02070309020205020404" pitchFamily="49" charset="0"/>
+              </a:rPr>
+              <a:t>df</a:t>
+            </a:r>
+            <a:r>
+              <a:rPr lang="en-US" dirty="0">
+                <a:latin typeface="Courier New" panose="02070309020205020404" pitchFamily="49" charset="0"/>
+                <a:cs typeface="Courier New" panose="02070309020205020404" pitchFamily="49" charset="0"/>
+              </a:rPr>
+              <a:t> = </a:t>
+            </a:r>
+            <a:r>
+              <a:rPr lang="en-US" dirty="0" err="1">
+                <a:latin typeface="Courier New" panose="02070309020205020404" pitchFamily="49" charset="0"/>
+                <a:cs typeface="Courier New" panose="02070309020205020404" pitchFamily="49" charset="0"/>
+              </a:rPr>
+              <a:t>pd.read_excel</a:t>
+            </a:r>
+            <a:r>
+              <a:rPr lang="en-US" dirty="0">
+                <a:latin typeface="Courier New" panose="02070309020205020404" pitchFamily="49" charset="0"/>
+                <a:cs typeface="Courier New" panose="02070309020205020404" pitchFamily="49" charset="0"/>
+              </a:rPr>
+              <a:t>('pandas_example.xlsx')</a:t>
+            </a:r>
+          </a:p>
+          <a:p>
+            <a:pPr marL="0" indent="0">
+              <a:buNone/>
+            </a:pPr>
+            <a:r>
+              <a:rPr lang="en-US" dirty="0">
+                <a:latin typeface="Courier New" panose="02070309020205020404" pitchFamily="49" charset="0"/>
+                <a:cs typeface="Courier New" panose="02070309020205020404" pitchFamily="49" charset="0"/>
+              </a:rPr>
+              <a:t>print(</a:t>
+            </a:r>
+            <a:r>
+              <a:rPr lang="en-US" dirty="0" err="1">
+                <a:latin typeface="Courier New" panose="02070309020205020404" pitchFamily="49" charset="0"/>
+                <a:cs typeface="Courier New" panose="02070309020205020404" pitchFamily="49" charset="0"/>
+              </a:rPr>
+              <a:t>df</a:t>
+            </a:r>
+            <a:r>
+              <a:rPr lang="en-US" dirty="0">
+                <a:latin typeface="Courier New" panose="02070309020205020404" pitchFamily="49" charset="0"/>
+                <a:cs typeface="Courier New" panose="02070309020205020404" pitchFamily="49" charset="0"/>
+              </a:rPr>
+              <a:t>)</a:t>
+            </a:r>
+          </a:p>
+          <a:p>
+            <a:pPr marL="0" indent="0">
+              <a:buNone/>
+            </a:pPr>
+            <a:endParaRPr lang="en-US" dirty="0">
+              <a:latin typeface="Courier New" panose="02070309020205020404" pitchFamily="49" charset="0"/>
+              <a:cs typeface="Courier New" panose="02070309020205020404" pitchFamily="49" charset="0"/>
+            </a:endParaRPr>
+          </a:p>
+          <a:p>
+            <a:pPr marL="0" indent="0">
+              <a:buNone/>
+            </a:pPr>
+            <a:r>
+              <a:rPr lang="en-US" dirty="0">
+                <a:latin typeface="Courier New" panose="02070309020205020404" pitchFamily="49" charset="0"/>
+                <a:cs typeface="Courier New" panose="02070309020205020404" pitchFamily="49" charset="0"/>
+              </a:rPr>
+              <a:t>    2    1       </a:t>
+            </a:r>
+            <a:r>
+              <a:rPr lang="en-US" dirty="0">
+                <a:highlight>
+                  <a:srgbClr val="FFFF00"/>
+                </a:highlight>
+                <a:latin typeface="Courier New" panose="02070309020205020404" pitchFamily="49" charset="0"/>
+                <a:cs typeface="Courier New" panose="02070309020205020404" pitchFamily="49" charset="0"/>
+              </a:rPr>
+              <a:t>2.1</a:t>
+            </a:r>
+          </a:p>
+          <a:p>
+            <a:pPr marL="0" indent="0">
+              <a:buNone/>
+            </a:pPr>
+            <a:r>
+              <a:rPr lang="en-US" dirty="0">
+                <a:latin typeface="Courier New" panose="02070309020205020404" pitchFamily="49" charset="0"/>
+                <a:cs typeface="Courier New" panose="02070309020205020404" pitchFamily="49" charset="0"/>
+              </a:rPr>
+              <a:t>0   2  0.0       </a:t>
+            </a:r>
+            <a:r>
+              <a:rPr lang="en-US" dirty="0" err="1">
+                <a:latin typeface="Courier New" panose="02070309020205020404" pitchFamily="49" charset="0"/>
+                <a:cs typeface="Courier New" panose="02070309020205020404" pitchFamily="49" charset="0"/>
+              </a:rPr>
+              <a:t>NaN</a:t>
+            </a:r>
+            <a:endParaRPr lang="en-US" dirty="0">
+              <a:latin typeface="Courier New" panose="02070309020205020404" pitchFamily="49" charset="0"/>
+              <a:cs typeface="Courier New" panose="02070309020205020404" pitchFamily="49" charset="0"/>
+            </a:endParaRPr>
+          </a:p>
+          <a:p>
+            <a:pPr marL="0" indent="0">
+              <a:buNone/>
+            </a:pPr>
+            <a:r>
+              <a:rPr lang="en-US" dirty="0">
+                <a:latin typeface="Courier New" panose="02070309020205020404" pitchFamily="49" charset="0"/>
+                <a:cs typeface="Courier New" panose="02070309020205020404" pitchFamily="49" charset="0"/>
+              </a:rPr>
+              <a:t>1  42  </a:t>
+            </a:r>
+            <a:r>
+              <a:rPr lang="en-US" dirty="0" err="1">
+                <a:latin typeface="Courier New" panose="02070309020205020404" pitchFamily="49" charset="0"/>
+                <a:cs typeface="Courier New" panose="02070309020205020404" pitchFamily="49" charset="0"/>
+              </a:rPr>
+              <a:t>NaN</a:t>
+            </a:r>
+            <a:r>
+              <a:rPr lang="en-US" dirty="0">
+                <a:latin typeface="Courier New" panose="02070309020205020404" pitchFamily="49" charset="0"/>
+                <a:cs typeface="Courier New" panose="02070309020205020404" pitchFamily="49" charset="0"/>
+              </a:rPr>
+              <a:t>  airspeed</a:t>
+            </a:r>
+          </a:p>
+        </p:txBody>
+      </p:sp>
+      <p:sp>
+        <p:nvSpPr>
+          <p:cNvPr id="4" name="Footer Placeholder 3">
+            <a:extLst>
+              <a:ext uri="{FF2B5EF4-FFF2-40B4-BE49-F238E27FC236}">
+                <a16:creationId xmlns:a16="http://schemas.microsoft.com/office/drawing/2014/main" id="{05936E9F-86AA-0078-0597-38EA36AA1095}"/>
+              </a:ext>
+            </a:extLst>
+          </p:cNvPr>
+          <p:cNvSpPr>
+            <a:spLocks noGrp="1"/>
+          </p:cNvSpPr>
+          <p:nvPr>
+            <p:ph type="ftr" sz="quarter" idx="11"/>
+          </p:nvPr>
+        </p:nvSpPr>
+        <p:spPr/>
+        <p:txBody>
+          <a:bodyPr/>
+          <a:lstStyle/>
+          <a:p>
+            <a:r>
+              <a:rPr lang="en-US"/>
+              <a:t>https://github.com/jamesabel/spreadsheetdoeswhat</a:t>
+            </a:r>
+            <a:endParaRPr lang="en-US" dirty="0"/>
+          </a:p>
+        </p:txBody>
+      </p:sp>
+      <p:sp>
+        <p:nvSpPr>
+          <p:cNvPr id="5" name="Slide Number Placeholder 4">
+            <a:extLst>
+              <a:ext uri="{FF2B5EF4-FFF2-40B4-BE49-F238E27FC236}">
+                <a16:creationId xmlns:a16="http://schemas.microsoft.com/office/drawing/2014/main" id="{81005CE0-51FC-4167-1499-EEE50B6C5F09}"/>
+              </a:ext>
+            </a:extLst>
+          </p:cNvPr>
+          <p:cNvSpPr>
+            <a:spLocks noGrp="1"/>
+          </p:cNvSpPr>
+          <p:nvPr>
+            <p:ph type="sldNum" sz="quarter" idx="12"/>
+          </p:nvPr>
+        </p:nvSpPr>
+        <p:spPr/>
+        <p:txBody>
+          <a:bodyPr/>
+          <a:lstStyle/>
+          <a:p>
+            <a:fld id="{6480553B-0AA9-4774-8DA9-C49E531432C6}" type="slidenum">
+              <a:rPr lang="en-US" smtClean="0"/>
+              <a:t>11</a:t>
+            </a:fld>
+            <a:endParaRPr lang="en-US"/>
+          </a:p>
+        </p:txBody>
+      </p:sp>
+      <p:pic>
+        <p:nvPicPr>
+          <p:cNvPr id="11" name="Picture 10">
+            <a:extLst>
+              <a:ext uri="{FF2B5EF4-FFF2-40B4-BE49-F238E27FC236}">
+                <a16:creationId xmlns:a16="http://schemas.microsoft.com/office/drawing/2014/main" id="{6DDD8ACD-FAB1-BEED-020B-776EDD6C0394}"/>
+              </a:ext>
+            </a:extLst>
+          </p:cNvPr>
+          <p:cNvPicPr>
+            <a:picLocks noChangeAspect="1"/>
+          </p:cNvPicPr>
+          <p:nvPr/>
+        </p:nvPicPr>
+        <p:blipFill>
+          <a:blip r:embed="rId2"/>
+          <a:stretch>
+            <a:fillRect/>
+          </a:stretch>
+        </p:blipFill>
+        <p:spPr>
+          <a:xfrm>
+            <a:off x="6012228" y="3230061"/>
+            <a:ext cx="5560531" cy="2379329"/>
+          </a:xfrm>
+          <a:prstGeom prst="rect">
+            <a:avLst/>
+          </a:prstGeom>
+        </p:spPr>
+      </p:pic>
+    </p:spTree>
+    <p:extLst>
+      <p:ext uri="{BB962C8B-B14F-4D97-AF65-F5344CB8AC3E}">
+        <p14:creationId xmlns:p14="http://schemas.microsoft.com/office/powerpoint/2010/main" val="3534891793"/>
+      </p:ext>
+    </p:extLst>
+  </p:cSld>
+  <p:clrMapOvr>
+    <a:masterClrMapping/>
+  </p:clrMapOvr>
+</p:sld>
+</file>
+
+<file path=ppt/slides/slide12.xml><?xml version="1.0" encoding="utf-8"?>
+<p:sld xmlns:a="http://schemas.openxmlformats.org/drawingml/2006/main" xmlns:r="http://schemas.openxmlformats.org/officeDocument/2006/relationships" xmlns:p="http://schemas.openxmlformats.org/presentationml/2006/main">
+  <p:cSld>
+    <p:spTree>
+      <p:nvGrpSpPr>
+        <p:cNvPr id="1" name=""/>
+        <p:cNvGrpSpPr/>
+        <p:nvPr/>
+      </p:nvGrpSpPr>
+      <p:grpSpPr>
+        <a:xfrm>
+          <a:off x="0" y="0"/>
+          <a:ext cx="0" cy="0"/>
+          <a:chOff x="0" y="0"/>
+          <a:chExt cx="0" cy="0"/>
+        </a:xfrm>
+      </p:grpSpPr>
+      <p:sp>
+        <p:nvSpPr>
+          <p:cNvPr id="2" name="Title 1">
+            <a:extLst>
+              <a:ext uri="{FF2B5EF4-FFF2-40B4-BE49-F238E27FC236}">
+                <a16:creationId xmlns:a16="http://schemas.microsoft.com/office/drawing/2014/main" id="{82530FC6-2FDA-D36E-AFB9-72ED1DFF67D4}"/>
+              </a:ext>
+            </a:extLst>
+          </p:cNvPr>
+          <p:cNvSpPr>
+            <a:spLocks noGrp="1"/>
+          </p:cNvSpPr>
+          <p:nvPr>
+            <p:ph type="title"/>
+          </p:nvPr>
+        </p:nvSpPr>
+        <p:spPr>
+          <a:xfrm>
+            <a:off x="444420" y="918777"/>
+            <a:ext cx="10515600" cy="1325563"/>
+          </a:xfrm>
+        </p:spPr>
+        <p:txBody>
+          <a:bodyPr/>
+          <a:lstStyle/>
+          <a:p>
+            <a:r>
+              <a:rPr lang="en-US" dirty="0"/>
+              <a:t>Summary</a:t>
+            </a:r>
+          </a:p>
+        </p:txBody>
+      </p:sp>
+      <p:sp>
+        <p:nvSpPr>
+          <p:cNvPr id="3" name="Content Placeholder 2">
+            <a:extLst>
+              <a:ext uri="{FF2B5EF4-FFF2-40B4-BE49-F238E27FC236}">
+                <a16:creationId xmlns:a16="http://schemas.microsoft.com/office/drawing/2014/main" id="{033BCB67-C9D6-F2E1-1537-AC2A673CB699}"/>
+              </a:ext>
+            </a:extLst>
+          </p:cNvPr>
+          <p:cNvSpPr>
+            <a:spLocks noGrp="1"/>
+          </p:cNvSpPr>
+          <p:nvPr>
+            <p:ph idx="1"/>
+          </p:nvPr>
+        </p:nvSpPr>
+        <p:spPr>
+          <a:xfrm>
+            <a:off x="298116" y="2718816"/>
+            <a:ext cx="7407228" cy="3361894"/>
+          </a:xfrm>
+        </p:spPr>
+        <p:txBody>
+          <a:bodyPr/>
+          <a:lstStyle/>
+          <a:p>
+            <a:r>
+              <a:rPr lang="en-US" dirty="0"/>
+              <a:t>Always check data formats</a:t>
+            </a:r>
+          </a:p>
+          <a:p>
+            <a:r>
+              <a:rPr lang="en-US" dirty="0"/>
+              <a:t>Always sanity check answers</a:t>
+            </a:r>
+          </a:p>
+          <a:p>
+            <a:r>
+              <a:rPr lang="en-US" dirty="0"/>
+              <a:t>Always check calculations done in spreadsheets</a:t>
+            </a:r>
+          </a:p>
+          <a:p>
+            <a:r>
+              <a:rPr lang="en-US" dirty="0"/>
+              <a:t>Always check for irregular values such as </a:t>
+            </a:r>
+            <a:r>
+              <a:rPr lang="en-US" dirty="0" err="1"/>
+              <a:t>NaNs</a:t>
+            </a:r>
+            <a:endParaRPr lang="en-US" dirty="0"/>
+          </a:p>
+          <a:p>
+            <a:pPr lvl="1"/>
+            <a:r>
+              <a:rPr lang="en-US" dirty="0"/>
+              <a:t>Be careful when choosing default ‘NA’s and associated filters</a:t>
+            </a:r>
+          </a:p>
+        </p:txBody>
+      </p:sp>
+      <p:sp>
+        <p:nvSpPr>
+          <p:cNvPr id="4" name="Footer Placeholder 3">
+            <a:extLst>
+              <a:ext uri="{FF2B5EF4-FFF2-40B4-BE49-F238E27FC236}">
+                <a16:creationId xmlns:a16="http://schemas.microsoft.com/office/drawing/2014/main" id="{B1217FD5-A075-A232-424C-C4A4D2EEF544}"/>
+              </a:ext>
+            </a:extLst>
+          </p:cNvPr>
+          <p:cNvSpPr>
+            <a:spLocks noGrp="1"/>
+          </p:cNvSpPr>
+          <p:nvPr>
+            <p:ph type="ftr" sz="quarter" idx="11"/>
+          </p:nvPr>
+        </p:nvSpPr>
+        <p:spPr/>
+        <p:txBody>
+          <a:bodyPr/>
+          <a:lstStyle/>
+          <a:p>
+            <a:r>
+              <a:rPr lang="en-US"/>
+              <a:t>https://github.com/jamesabel/spreadsheetdoeswhat</a:t>
+            </a:r>
+            <a:endParaRPr lang="en-US" dirty="0"/>
+          </a:p>
+        </p:txBody>
+      </p:sp>
+      <p:sp>
+        <p:nvSpPr>
+          <p:cNvPr id="5" name="Slide Number Placeholder 4">
+            <a:extLst>
+              <a:ext uri="{FF2B5EF4-FFF2-40B4-BE49-F238E27FC236}">
+                <a16:creationId xmlns:a16="http://schemas.microsoft.com/office/drawing/2014/main" id="{45950092-D99D-71E1-EF1F-279DA63EFC86}"/>
+              </a:ext>
+            </a:extLst>
+          </p:cNvPr>
+          <p:cNvSpPr>
+            <a:spLocks noGrp="1"/>
+          </p:cNvSpPr>
+          <p:nvPr>
+            <p:ph type="sldNum" sz="quarter" idx="12"/>
+          </p:nvPr>
+        </p:nvSpPr>
+        <p:spPr>
+          <a:xfrm>
+            <a:off x="8610599" y="6356350"/>
+            <a:ext cx="1530575" cy="184657"/>
+          </a:xfrm>
+        </p:spPr>
+        <p:txBody>
+          <a:bodyPr/>
+          <a:lstStyle/>
+          <a:p>
+            <a:fld id="{6480553B-0AA9-4774-8DA9-C49E531432C6}" type="slidenum">
+              <a:rPr lang="en-US" smtClean="0"/>
+              <a:t>12</a:t>
+            </a:fld>
+            <a:endParaRPr lang="en-US"/>
+          </a:p>
+        </p:txBody>
+      </p:sp>
+      <p:pic>
+        <p:nvPicPr>
+          <p:cNvPr id="4098" name="Picture 2">
+            <a:extLst>
+              <a:ext uri="{FF2B5EF4-FFF2-40B4-BE49-F238E27FC236}">
+                <a16:creationId xmlns:a16="http://schemas.microsoft.com/office/drawing/2014/main" id="{29608BE7-1AC3-890B-A863-68EC1D935B83}"/>
+              </a:ext>
+            </a:extLst>
+          </p:cNvPr>
+          <p:cNvPicPr>
+            <a:picLocks noChangeAspect="1" noChangeArrowheads="1"/>
+          </p:cNvPicPr>
+          <p:nvPr/>
+        </p:nvPicPr>
+        <p:blipFill>
+          <a:blip r:embed="rId2">
+            <a:extLst>
+              <a:ext uri="{28A0092B-C50C-407E-A947-70E740481C1C}">
+                <a14:useLocalDpi xmlns:a14="http://schemas.microsoft.com/office/drawing/2010/main" val="0"/>
+              </a:ext>
+            </a:extLst>
+          </a:blip>
+          <a:srcRect/>
+          <a:stretch>
+            <a:fillRect/>
+          </a:stretch>
+        </p:blipFill>
+        <p:spPr bwMode="auto">
+          <a:xfrm>
+            <a:off x="6374882" y="144051"/>
+            <a:ext cx="4978918" cy="2744629"/>
+          </a:xfrm>
+          <a:prstGeom prst="rect">
+            <a:avLst/>
+          </a:prstGeom>
+          <a:noFill/>
+          <a:extLst>
+            <a:ext uri="{909E8E84-426E-40DD-AFC4-6F175D3DCCD1}">
+              <a14:hiddenFill xmlns:a14="http://schemas.microsoft.com/office/drawing/2010/main">
+                <a:solidFill>
+                  <a:srgbClr val="FFFFFF"/>
+                </a:solidFill>
+              </a14:hiddenFill>
+            </a:ext>
+          </a:extLst>
+        </p:spPr>
+      </p:pic>
+      <p:sp>
+        <p:nvSpPr>
+          <p:cNvPr id="6" name="TextBox 5">
+            <a:extLst>
+              <a:ext uri="{FF2B5EF4-FFF2-40B4-BE49-F238E27FC236}">
+                <a16:creationId xmlns:a16="http://schemas.microsoft.com/office/drawing/2014/main" id="{04C37F74-0A73-D4E1-D084-4F10C7DCC917}"/>
+              </a:ext>
+            </a:extLst>
+          </p:cNvPr>
+          <p:cNvSpPr txBox="1"/>
+          <p:nvPr/>
+        </p:nvSpPr>
+        <p:spPr>
+          <a:xfrm>
+            <a:off x="9272338" y="2820446"/>
+            <a:ext cx="2183162" cy="369332"/>
+          </a:xfrm>
+          <a:prstGeom prst="rect">
+            <a:avLst/>
+          </a:prstGeom>
+          <a:noFill/>
+        </p:spPr>
+        <p:txBody>
+          <a:bodyPr wrap="none" rtlCol="0">
+            <a:spAutoFit/>
+          </a:bodyPr>
+          <a:lstStyle/>
+          <a:p>
+            <a:r>
+              <a:rPr lang="en-US" dirty="0"/>
+              <a:t>Gorge of Eternal Peril</a:t>
+            </a:r>
+          </a:p>
+        </p:txBody>
+      </p:sp>
+      <p:pic>
+        <p:nvPicPr>
+          <p:cNvPr id="4100" name="Picture 4" descr="Welcome to 2023, the Year of the Rabbit! : r/montypython">
+            <a:extLst>
+              <a:ext uri="{FF2B5EF4-FFF2-40B4-BE49-F238E27FC236}">
+                <a16:creationId xmlns:a16="http://schemas.microsoft.com/office/drawing/2014/main" id="{74C70A14-DDA8-DF75-851C-439E0896C15C}"/>
+              </a:ext>
+            </a:extLst>
+          </p:cNvPr>
+          <p:cNvPicPr>
+            <a:picLocks noChangeAspect="1" noChangeArrowheads="1"/>
+          </p:cNvPicPr>
+          <p:nvPr/>
+        </p:nvPicPr>
+        <p:blipFill>
+          <a:blip r:embed="rId3">
+            <a:extLst>
+              <a:ext uri="{28A0092B-C50C-407E-A947-70E740481C1C}">
+                <a14:useLocalDpi xmlns:a14="http://schemas.microsoft.com/office/drawing/2010/main" val="0"/>
+              </a:ext>
+            </a:extLst>
+          </a:blip>
+          <a:srcRect/>
+          <a:stretch>
+            <a:fillRect/>
+          </a:stretch>
+        </p:blipFill>
+        <p:spPr bwMode="auto">
+          <a:xfrm>
+            <a:off x="7705344" y="3411371"/>
+            <a:ext cx="3913632" cy="2871213"/>
+          </a:xfrm>
+          <a:prstGeom prst="rect">
+            <a:avLst/>
+          </a:prstGeom>
+          <a:noFill/>
+          <a:extLst>
+            <a:ext uri="{909E8E84-426E-40DD-AFC4-6F175D3DCCD1}">
+              <a14:hiddenFill xmlns:a14="http://schemas.microsoft.com/office/drawing/2010/main">
+                <a:solidFill>
+                  <a:srgbClr val="FFFFFF"/>
+                </a:solidFill>
+              </a14:hiddenFill>
+            </a:ext>
+          </a:extLst>
+        </p:spPr>
+      </p:pic>
+      <p:sp>
+        <p:nvSpPr>
+          <p:cNvPr id="7" name="TextBox 6">
+            <a:extLst>
+              <a:ext uri="{FF2B5EF4-FFF2-40B4-BE49-F238E27FC236}">
+                <a16:creationId xmlns:a16="http://schemas.microsoft.com/office/drawing/2014/main" id="{F7406FEE-E235-06B0-1834-D4706E1BB04F}"/>
+              </a:ext>
+            </a:extLst>
+          </p:cNvPr>
+          <p:cNvSpPr txBox="1"/>
+          <p:nvPr/>
+        </p:nvSpPr>
+        <p:spPr>
+          <a:xfrm>
+            <a:off x="9624512" y="5850636"/>
+            <a:ext cx="915152" cy="261610"/>
+          </a:xfrm>
+          <a:prstGeom prst="rect">
+            <a:avLst/>
+          </a:prstGeom>
+          <a:solidFill>
+            <a:schemeClr val="bg1"/>
+          </a:solidFill>
+        </p:spPr>
+        <p:txBody>
+          <a:bodyPr wrap="square" rtlCol="0">
+            <a:spAutoFit/>
+          </a:bodyPr>
+          <a:lstStyle/>
+          <a:p>
+            <a:r>
+              <a:rPr lang="en-US" sz="1100" b="1" dirty="0"/>
+              <a:t>spreadsheet</a:t>
+            </a:r>
+          </a:p>
+        </p:txBody>
+      </p:sp>
+    </p:spTree>
+    <p:extLst>
+      <p:ext uri="{BB962C8B-B14F-4D97-AF65-F5344CB8AC3E}">
+        <p14:creationId xmlns:p14="http://schemas.microsoft.com/office/powerpoint/2010/main" val="2268015225"/>
+      </p:ext>
+    </p:extLst>
+  </p:cSld>
+  <p:clrMapOvr>
+    <a:masterClrMapping/>
+  </p:clrMapOvr>
+</p:sld>
+</file>
+
+<file path=ppt/slides/slide2.xml><?xml version="1.0" encoding="utf-8"?>
+<p:sld xmlns:a="http://schemas.openxmlformats.org/drawingml/2006/main" xmlns:r="http://schemas.openxmlformats.org/officeDocument/2006/relationships" xmlns:p="http://schemas.openxmlformats.org/presentationml/2006/main">
+  <p:cSld>
+    <p:spTree>
+      <p:nvGrpSpPr>
+        <p:cNvPr id="1" name=""/>
+        <p:cNvGrpSpPr/>
+        <p:nvPr/>
+      </p:nvGrpSpPr>
+      <p:grpSpPr>
+        <a:xfrm>
+          <a:off x="0" y="0"/>
+          <a:ext cx="0" cy="0"/>
+          <a:chOff x="0" y="0"/>
+          <a:chExt cx="0" cy="0"/>
+        </a:xfrm>
+      </p:grpSpPr>
+      <p:sp>
+        <p:nvSpPr>
+          <p:cNvPr id="2" name="Title 1">
+            <a:extLst>
+              <a:ext uri="{FF2B5EF4-FFF2-40B4-BE49-F238E27FC236}">
+                <a16:creationId xmlns:a16="http://schemas.microsoft.com/office/drawing/2014/main" id="{BCED22CF-8E78-BD57-6A0C-2BB3C2DDBD6E}"/>
+              </a:ext>
+            </a:extLst>
+          </p:cNvPr>
+          <p:cNvSpPr>
+            <a:spLocks noGrp="1"/>
+          </p:cNvSpPr>
+          <p:nvPr>
+            <p:ph type="title"/>
+          </p:nvPr>
+        </p:nvSpPr>
+        <p:spPr/>
+        <p:txBody>
+          <a:bodyPr/>
+          <a:lstStyle/>
+          <a:p>
+            <a:r>
+              <a:rPr lang="en-US" dirty="0"/>
+              <a:t>CSV/Spreadsheets are the Worlds Database</a:t>
+            </a:r>
+          </a:p>
+        </p:txBody>
+      </p:sp>
+      <p:sp>
+        <p:nvSpPr>
+          <p:cNvPr id="3" name="Content Placeholder 2">
+            <a:extLst>
+              <a:ext uri="{FF2B5EF4-FFF2-40B4-BE49-F238E27FC236}">
+                <a16:creationId xmlns:a16="http://schemas.microsoft.com/office/drawing/2014/main" id="{A54D3BF9-76F7-B819-193F-A20B43A15632}"/>
+              </a:ext>
+            </a:extLst>
+          </p:cNvPr>
+          <p:cNvSpPr>
+            <a:spLocks noGrp="1"/>
+          </p:cNvSpPr>
+          <p:nvPr>
+            <p:ph idx="1"/>
+          </p:nvPr>
+        </p:nvSpPr>
+        <p:spPr/>
+        <p:txBody>
+          <a:bodyPr/>
+          <a:lstStyle/>
+          <a:p>
+            <a:pPr marL="0" indent="0" algn="l">
+              <a:buNone/>
+            </a:pPr>
+            <a:r>
+              <a:rPr lang="en-US" b="1" i="0" dirty="0">
+                <a:solidFill>
+                  <a:srgbClr val="1F2328"/>
+                </a:solidFill>
+                <a:effectLst/>
+                <a:latin typeface="-apple-system"/>
+              </a:rPr>
+              <a:t>Me: </a:t>
+            </a:r>
+          </a:p>
+          <a:p>
+            <a:pPr marL="0" indent="0" algn="l">
+              <a:buNone/>
+            </a:pPr>
+            <a:r>
+              <a:rPr lang="en-US" b="1" i="0" dirty="0">
+                <a:solidFill>
+                  <a:srgbClr val="1F2328"/>
+                </a:solidFill>
+                <a:effectLst/>
+                <a:latin typeface="-apple-system"/>
+              </a:rPr>
+              <a:t>Please give me access the data in your database</a:t>
+            </a:r>
+          </a:p>
+          <a:p>
+            <a:pPr marL="0" indent="0" algn="l">
+              <a:buNone/>
+            </a:pPr>
+            <a:endParaRPr lang="en-US" b="1" i="0" dirty="0">
+              <a:solidFill>
+                <a:srgbClr val="1F2328"/>
+              </a:solidFill>
+              <a:effectLst/>
+              <a:latin typeface="-apple-system"/>
+            </a:endParaRPr>
+          </a:p>
+          <a:p>
+            <a:pPr marL="0" indent="0" algn="l">
+              <a:buNone/>
+            </a:pPr>
+            <a:r>
+              <a:rPr lang="en-US" b="1" i="0" dirty="0">
+                <a:solidFill>
+                  <a:srgbClr val="1F2328"/>
+                </a:solidFill>
+                <a:effectLst/>
+                <a:latin typeface="-apple-system"/>
+              </a:rPr>
+              <a:t>Them (email): </a:t>
+            </a:r>
+          </a:p>
+          <a:p>
+            <a:pPr marL="0" indent="0" algn="l">
+              <a:buNone/>
+            </a:pPr>
+            <a:r>
+              <a:rPr lang="en-US" b="1" i="0" dirty="0">
+                <a:solidFill>
+                  <a:srgbClr val="1F2328"/>
+                </a:solidFill>
+                <a:effectLst/>
+                <a:latin typeface="-apple-system"/>
+              </a:rPr>
+              <a:t>Of course! Please see the attached CSV file! </a:t>
+            </a:r>
+          </a:p>
+          <a:p>
+            <a:pPr marL="0" indent="0" algn="l">
+              <a:buNone/>
+            </a:pPr>
+            <a:r>
+              <a:rPr lang="en-US" b="1" i="0" dirty="0">
+                <a:solidFill>
+                  <a:srgbClr val="1F2328"/>
+                </a:solidFill>
+                <a:effectLst/>
+                <a:latin typeface="-apple-system"/>
+              </a:rPr>
+              <a:t>Party on! \m/</a:t>
+            </a:r>
+          </a:p>
+          <a:p>
+            <a:endParaRPr lang="en-US" dirty="0"/>
+          </a:p>
+        </p:txBody>
+      </p:sp>
+      <p:sp>
+        <p:nvSpPr>
+          <p:cNvPr id="4" name="Footer Placeholder 3">
+            <a:extLst>
+              <a:ext uri="{FF2B5EF4-FFF2-40B4-BE49-F238E27FC236}">
+                <a16:creationId xmlns:a16="http://schemas.microsoft.com/office/drawing/2014/main" id="{3C756369-D5A5-5F6E-E26D-45F6FA61B3FD}"/>
+              </a:ext>
+            </a:extLst>
+          </p:cNvPr>
+          <p:cNvSpPr>
+            <a:spLocks noGrp="1"/>
+          </p:cNvSpPr>
+          <p:nvPr>
+            <p:ph type="ftr" sz="quarter" idx="11"/>
+          </p:nvPr>
+        </p:nvSpPr>
+        <p:spPr/>
+        <p:txBody>
+          <a:bodyPr/>
+          <a:lstStyle/>
+          <a:p>
+            <a:r>
+              <a:rPr lang="en-US"/>
+              <a:t>https://github.com/jamesabel/spreadsheetdoeswhat</a:t>
+            </a:r>
+            <a:endParaRPr lang="en-US" dirty="0"/>
+          </a:p>
+        </p:txBody>
+      </p:sp>
+      <p:sp>
+        <p:nvSpPr>
+          <p:cNvPr id="5" name="Slide Number Placeholder 4">
+            <a:extLst>
+              <a:ext uri="{FF2B5EF4-FFF2-40B4-BE49-F238E27FC236}">
+                <a16:creationId xmlns:a16="http://schemas.microsoft.com/office/drawing/2014/main" id="{77EBB782-BBBE-C0EE-3135-8792B78438D6}"/>
+              </a:ext>
+            </a:extLst>
+          </p:cNvPr>
+          <p:cNvSpPr>
+            <a:spLocks noGrp="1"/>
+          </p:cNvSpPr>
+          <p:nvPr>
+            <p:ph type="sldNum" sz="quarter" idx="12"/>
+          </p:nvPr>
+        </p:nvSpPr>
+        <p:spPr/>
+        <p:txBody>
+          <a:bodyPr/>
+          <a:lstStyle/>
+          <a:p>
+            <a:fld id="{6480553B-0AA9-4774-8DA9-C49E531432C6}" type="slidenum">
+              <a:rPr lang="en-US" smtClean="0"/>
+              <a:t>2</a:t>
+            </a:fld>
+            <a:endParaRPr lang="en-US"/>
+          </a:p>
+        </p:txBody>
+      </p:sp>
+    </p:spTree>
+    <p:extLst>
+      <p:ext uri="{BB962C8B-B14F-4D97-AF65-F5344CB8AC3E}">
+        <p14:creationId xmlns:p14="http://schemas.microsoft.com/office/powerpoint/2010/main" val="3767329402"/>
+      </p:ext>
+    </p:extLst>
+  </p:cSld>
+  <p:clrMapOvr>
+    <a:masterClrMapping/>
+  </p:clrMapOvr>
+</p:sld>
+</file>
+
+<file path=ppt/slides/slide3.xml><?xml version="1.0" encoding="utf-8"?>
+<p:sld xmlns:a="http://schemas.openxmlformats.org/drawingml/2006/main" xmlns:r="http://schemas.openxmlformats.org/officeDocument/2006/relationships" xmlns:p="http://schemas.openxmlformats.org/presentationml/2006/main">
+  <p:cSld>
+    <p:spTree>
+      <p:nvGrpSpPr>
+        <p:cNvPr id="1" name=""/>
+        <p:cNvGrpSpPr/>
+        <p:nvPr/>
+      </p:nvGrpSpPr>
+      <p:grpSpPr>
+        <a:xfrm>
+          <a:off x="0" y="0"/>
+          <a:ext cx="0" cy="0"/>
+          <a:chOff x="0" y="0"/>
+          <a:chExt cx="0" cy="0"/>
+        </a:xfrm>
+      </p:grpSpPr>
+      <p:sp>
+        <p:nvSpPr>
+          <p:cNvPr id="6" name="Title 5">
+            <a:extLst>
+              <a:ext uri="{FF2B5EF4-FFF2-40B4-BE49-F238E27FC236}">
+                <a16:creationId xmlns:a16="http://schemas.microsoft.com/office/drawing/2014/main" id="{4391523D-B139-FDC2-7445-CAC920052AD5}"/>
+              </a:ext>
+            </a:extLst>
+          </p:cNvPr>
+          <p:cNvSpPr>
+            <a:spLocks noGrp="1"/>
+          </p:cNvSpPr>
+          <p:nvPr>
+            <p:ph type="title"/>
+          </p:nvPr>
+        </p:nvSpPr>
+        <p:spPr>
+          <a:xfrm>
+            <a:off x="381000" y="208470"/>
+            <a:ext cx="10515600" cy="1325563"/>
+          </a:xfrm>
+        </p:spPr>
+        <p:txBody>
+          <a:bodyPr/>
+          <a:lstStyle/>
+          <a:p>
+            <a:pPr algn="ctr"/>
+            <a:r>
+              <a:rPr lang="en-US" i="1" dirty="0"/>
+              <a:t>Survey</a:t>
+            </a:r>
+          </a:p>
+        </p:txBody>
+      </p:sp>
+      <p:sp>
+        <p:nvSpPr>
+          <p:cNvPr id="7" name="Content Placeholder 6">
+            <a:extLst>
+              <a:ext uri="{FF2B5EF4-FFF2-40B4-BE49-F238E27FC236}">
+                <a16:creationId xmlns:a16="http://schemas.microsoft.com/office/drawing/2014/main" id="{EA83418B-92EA-93A6-A7A2-388427AE6A21}"/>
+              </a:ext>
+            </a:extLst>
+          </p:cNvPr>
+          <p:cNvSpPr>
+            <a:spLocks noGrp="1"/>
+          </p:cNvSpPr>
+          <p:nvPr>
+            <p:ph idx="1"/>
+          </p:nvPr>
+        </p:nvSpPr>
+        <p:spPr>
+          <a:xfrm>
+            <a:off x="1258824" y="1690688"/>
+            <a:ext cx="1124712" cy="1447927"/>
+          </a:xfrm>
+        </p:spPr>
+        <p:txBody>
+          <a:bodyPr/>
+          <a:lstStyle/>
+          <a:p>
+            <a:pPr marL="0" indent="0">
+              <a:buNone/>
+            </a:pPr>
+            <a:r>
+              <a:rPr lang="en-US" sz="9600" b="1" dirty="0"/>
+              <a:t>I</a:t>
+            </a:r>
+            <a:r>
+              <a:rPr lang="en-US" b="1" dirty="0"/>
+              <a:t> </a:t>
+            </a:r>
+          </a:p>
+        </p:txBody>
+      </p:sp>
+      <p:sp>
+        <p:nvSpPr>
+          <p:cNvPr id="4" name="Footer Placeholder 3">
+            <a:extLst>
+              <a:ext uri="{FF2B5EF4-FFF2-40B4-BE49-F238E27FC236}">
+                <a16:creationId xmlns:a16="http://schemas.microsoft.com/office/drawing/2014/main" id="{170158D2-4F47-58E2-2B00-82249FD098B8}"/>
+              </a:ext>
+            </a:extLst>
+          </p:cNvPr>
+          <p:cNvSpPr>
+            <a:spLocks noGrp="1"/>
+          </p:cNvSpPr>
+          <p:nvPr>
+            <p:ph type="ftr" sz="quarter" idx="11"/>
+          </p:nvPr>
+        </p:nvSpPr>
+        <p:spPr/>
+        <p:txBody>
+          <a:bodyPr/>
+          <a:lstStyle/>
+          <a:p>
+            <a:r>
+              <a:rPr lang="en-US"/>
+              <a:t>https://github.com/jamesabel/spreadsheetdoeswhat</a:t>
+            </a:r>
+            <a:endParaRPr lang="en-US" dirty="0"/>
+          </a:p>
+        </p:txBody>
+      </p:sp>
+      <p:sp>
+        <p:nvSpPr>
+          <p:cNvPr id="5" name="Slide Number Placeholder 4">
+            <a:extLst>
+              <a:ext uri="{FF2B5EF4-FFF2-40B4-BE49-F238E27FC236}">
+                <a16:creationId xmlns:a16="http://schemas.microsoft.com/office/drawing/2014/main" id="{E4594D59-F9BF-5995-B3BA-C300FE4C6670}"/>
+              </a:ext>
+            </a:extLst>
+          </p:cNvPr>
+          <p:cNvSpPr>
+            <a:spLocks noGrp="1"/>
+          </p:cNvSpPr>
+          <p:nvPr>
+            <p:ph type="sldNum" sz="quarter" idx="12"/>
+          </p:nvPr>
+        </p:nvSpPr>
+        <p:spPr/>
+        <p:txBody>
+          <a:bodyPr/>
+          <a:lstStyle/>
+          <a:p>
+            <a:fld id="{6480553B-0AA9-4774-8DA9-C49E531432C6}" type="slidenum">
+              <a:rPr lang="en-US" smtClean="0"/>
+              <a:t>3</a:t>
+            </a:fld>
+            <a:endParaRPr lang="en-US"/>
+          </a:p>
+        </p:txBody>
+      </p:sp>
+      <p:pic>
+        <p:nvPicPr>
+          <p:cNvPr id="9" name="Graphic 8" descr="Heart with solid fill">
+            <a:extLst>
+              <a:ext uri="{FF2B5EF4-FFF2-40B4-BE49-F238E27FC236}">
+                <a16:creationId xmlns:a16="http://schemas.microsoft.com/office/drawing/2014/main" id="{DD357A72-9904-D432-E5C3-F3B509B393FC}"/>
+              </a:ext>
+            </a:extLst>
+          </p:cNvPr>
+          <p:cNvPicPr>
+            <a:picLocks noChangeAspect="1"/>
+          </p:cNvPicPr>
+          <p:nvPr/>
+        </p:nvPicPr>
+        <p:blipFill>
+          <a:blip r:embed="rId2">
+            <a:extLst>
+              <a:ext uri="{28A0092B-C50C-407E-A947-70E740481C1C}">
+                <a14:useLocalDpi xmlns:a14="http://schemas.microsoft.com/office/drawing/2010/main" val="0"/>
+              </a:ext>
+              <a:ext uri="{96DAC541-7B7A-43D3-8B79-37D633B846F1}">
+                <asvg:svgBlip xmlns:asvg="http://schemas.microsoft.com/office/drawing/2016/SVG/main" r:embed="rId3"/>
+              </a:ext>
+            </a:extLst>
+          </a:blip>
+          <a:stretch>
+            <a:fillRect/>
+          </a:stretch>
+        </p:blipFill>
+        <p:spPr>
+          <a:xfrm>
+            <a:off x="2130552" y="1258983"/>
+            <a:ext cx="2764536" cy="2764536"/>
+          </a:xfrm>
+          <a:prstGeom prst="rect">
+            <a:avLst/>
+          </a:prstGeom>
+        </p:spPr>
+      </p:pic>
+      <p:sp>
+        <p:nvSpPr>
+          <p:cNvPr id="10" name="Content Placeholder 6">
+            <a:extLst>
+              <a:ext uri="{FF2B5EF4-FFF2-40B4-BE49-F238E27FC236}">
+                <a16:creationId xmlns:a16="http://schemas.microsoft.com/office/drawing/2014/main" id="{D08B0818-94E9-8985-1BB8-896C4B245686}"/>
+              </a:ext>
+            </a:extLst>
+          </p:cNvPr>
+          <p:cNvSpPr txBox="1">
+            <a:spLocks/>
+          </p:cNvSpPr>
+          <p:nvPr/>
+        </p:nvSpPr>
+        <p:spPr>
+          <a:xfrm>
+            <a:off x="4989576" y="1981073"/>
+            <a:ext cx="6117336" cy="1447927"/>
+          </a:xfrm>
+          <a:prstGeom prst="rect">
+            <a:avLst/>
+          </a:prstGeom>
+        </p:spPr>
+        <p:txBody>
+          <a:bodyPr vert="horz" lIns="91440" tIns="45720" rIns="91440" bIns="45720" rtlCol="0">
+            <a:normAutofit fontScale="85000" lnSpcReduction="10000"/>
+          </a:bodyPr>
+          <a:lstStyle>
+            <a:lvl1pPr marL="228600" indent="-228600" algn="l" defTabSz="914400" rtl="0" eaLnBrk="1" latinLnBrk="0" hangingPunct="1">
+              <a:lnSpc>
+                <a:spcPct val="90000"/>
+              </a:lnSpc>
+              <a:spcBef>
+                <a:spcPts val="1000"/>
+              </a:spcBef>
+              <a:buFont typeface="Arial" panose="020B0604020202020204" pitchFamily="34" charset="0"/>
+              <a:buChar char="•"/>
+              <a:defRPr sz="2800" kern="1200">
+                <a:solidFill>
+                  <a:schemeClr val="tx1"/>
+                </a:solidFill>
+                <a:latin typeface="+mn-lt"/>
+                <a:ea typeface="+mn-ea"/>
+                <a:cs typeface="+mn-cs"/>
+              </a:defRPr>
+            </a:lvl1pPr>
+            <a:lvl2pPr marL="685800" indent="-228600" algn="l" defTabSz="914400" rtl="0" eaLnBrk="1" latinLnBrk="0" hangingPunct="1">
+              <a:lnSpc>
+                <a:spcPct val="90000"/>
+              </a:lnSpc>
+              <a:spcBef>
+                <a:spcPts val="500"/>
+              </a:spcBef>
+              <a:buFont typeface="Arial" panose="020B0604020202020204" pitchFamily="34" charset="0"/>
+              <a:buChar char="•"/>
+              <a:defRPr sz="2400" kern="1200">
+                <a:solidFill>
+                  <a:schemeClr val="tx1"/>
+                </a:solidFill>
+                <a:latin typeface="+mn-lt"/>
+                <a:ea typeface="+mn-ea"/>
+                <a:cs typeface="+mn-cs"/>
+              </a:defRPr>
+            </a:lvl2pPr>
+            <a:lvl3pPr marL="1143000" indent="-228600" algn="l" defTabSz="914400" rtl="0" eaLnBrk="1" latinLnBrk="0" hangingPunct="1">
+              <a:lnSpc>
+                <a:spcPct val="90000"/>
+              </a:lnSpc>
+              <a:spcBef>
+                <a:spcPts val="500"/>
+              </a:spcBef>
+              <a:buFont typeface="Arial" panose="020B0604020202020204" pitchFamily="34" charset="0"/>
+              <a:buChar char="•"/>
+              <a:defRPr sz="2000" kern="1200">
+                <a:solidFill>
+                  <a:schemeClr val="tx1"/>
+                </a:solidFill>
+                <a:latin typeface="+mn-lt"/>
+                <a:ea typeface="+mn-ea"/>
+                <a:cs typeface="+mn-cs"/>
+              </a:defRPr>
+            </a:lvl3pPr>
+            <a:lvl4pPr marL="1600200" indent="-228600" algn="l" defTabSz="914400" rtl="0" eaLnBrk="1" latinLnBrk="0" hangingPunct="1">
+              <a:lnSpc>
+                <a:spcPct val="90000"/>
+              </a:lnSpc>
+              <a:spcBef>
+                <a:spcPts val="500"/>
+              </a:spcBef>
+              <a:buFont typeface="Arial" panose="020B0604020202020204" pitchFamily="34" charset="0"/>
+              <a:buChar char="•"/>
+              <a:defRPr sz="1800" kern="1200">
+                <a:solidFill>
+                  <a:schemeClr val="tx1"/>
+                </a:solidFill>
+                <a:latin typeface="+mn-lt"/>
+                <a:ea typeface="+mn-ea"/>
+                <a:cs typeface="+mn-cs"/>
+              </a:defRPr>
+            </a:lvl4pPr>
+            <a:lvl5pPr marL="2057400" indent="-228600" algn="l" defTabSz="914400" rtl="0" eaLnBrk="1" latinLnBrk="0" hangingPunct="1">
+              <a:lnSpc>
+                <a:spcPct val="90000"/>
+              </a:lnSpc>
+              <a:spcBef>
+                <a:spcPts val="500"/>
+              </a:spcBef>
+              <a:buFont typeface="Arial" panose="020B0604020202020204" pitchFamily="34" charset="0"/>
+              <a:buChar char="•"/>
+              <a:defRPr sz="1800" kern="1200">
+                <a:solidFill>
+                  <a:schemeClr val="tx1"/>
+                </a:solidFill>
+                <a:latin typeface="+mn-lt"/>
+                <a:ea typeface="+mn-ea"/>
+                <a:cs typeface="+mn-cs"/>
+              </a:defRPr>
+            </a:lvl5pPr>
+            <a:lvl6pPr marL="2514600" indent="-228600" algn="l" defTabSz="914400" rtl="0" eaLnBrk="1" latinLnBrk="0" hangingPunct="1">
+              <a:lnSpc>
+                <a:spcPct val="90000"/>
+              </a:lnSpc>
+              <a:spcBef>
+                <a:spcPts val="500"/>
+              </a:spcBef>
+              <a:buFont typeface="Arial" panose="020B0604020202020204" pitchFamily="34" charset="0"/>
+              <a:buChar char="•"/>
+              <a:defRPr sz="1800" kern="1200">
+                <a:solidFill>
+                  <a:schemeClr val="tx1"/>
+                </a:solidFill>
+                <a:latin typeface="+mn-lt"/>
+                <a:ea typeface="+mn-ea"/>
+                <a:cs typeface="+mn-cs"/>
+              </a:defRPr>
+            </a:lvl6pPr>
+            <a:lvl7pPr marL="2971800" indent="-228600" algn="l" defTabSz="914400" rtl="0" eaLnBrk="1" latinLnBrk="0" hangingPunct="1">
+              <a:lnSpc>
+                <a:spcPct val="90000"/>
+              </a:lnSpc>
+              <a:spcBef>
+                <a:spcPts val="500"/>
+              </a:spcBef>
+              <a:buFont typeface="Arial" panose="020B0604020202020204" pitchFamily="34" charset="0"/>
+              <a:buChar char="•"/>
+              <a:defRPr sz="1800" kern="1200">
+                <a:solidFill>
+                  <a:schemeClr val="tx1"/>
+                </a:solidFill>
+                <a:latin typeface="+mn-lt"/>
+                <a:ea typeface="+mn-ea"/>
+                <a:cs typeface="+mn-cs"/>
+              </a:defRPr>
+            </a:lvl7pPr>
+            <a:lvl8pPr marL="3429000" indent="-228600" algn="l" defTabSz="914400" rtl="0" eaLnBrk="1" latinLnBrk="0" hangingPunct="1">
+              <a:lnSpc>
+                <a:spcPct val="90000"/>
+              </a:lnSpc>
+              <a:spcBef>
+                <a:spcPts val="500"/>
+              </a:spcBef>
+              <a:buFont typeface="Arial" panose="020B0604020202020204" pitchFamily="34" charset="0"/>
+              <a:buChar char="•"/>
+              <a:defRPr sz="1800" kern="1200">
+                <a:solidFill>
+                  <a:schemeClr val="tx1"/>
+                </a:solidFill>
+                <a:latin typeface="+mn-lt"/>
+                <a:ea typeface="+mn-ea"/>
+                <a:cs typeface="+mn-cs"/>
+              </a:defRPr>
+            </a:lvl8pPr>
+            <a:lvl9pPr marL="3886200" indent="-228600" algn="l" defTabSz="914400" rtl="0" eaLnBrk="1" latinLnBrk="0" hangingPunct="1">
+              <a:lnSpc>
+                <a:spcPct val="90000"/>
+              </a:lnSpc>
+              <a:spcBef>
+                <a:spcPts val="500"/>
+              </a:spcBef>
+              <a:buFont typeface="Arial" panose="020B0604020202020204" pitchFamily="34" charset="0"/>
+              <a:buChar char="•"/>
+              <a:defRPr sz="1800" kern="1200">
+                <a:solidFill>
+                  <a:schemeClr val="tx1"/>
+                </a:solidFill>
+                <a:latin typeface="+mn-lt"/>
+                <a:ea typeface="+mn-ea"/>
+                <a:cs typeface="+mn-cs"/>
+              </a:defRPr>
+            </a:lvl9pPr>
+          </a:lstStyle>
+          <a:p>
+            <a:pPr marL="0" indent="0">
+              <a:buFont typeface="Arial" panose="020B0604020202020204" pitchFamily="34" charset="0"/>
+              <a:buNone/>
+            </a:pPr>
+            <a:r>
+              <a:rPr lang="en-US" sz="9600" b="1" dirty="0"/>
+              <a:t>Spreadsheets</a:t>
+            </a:r>
+            <a:r>
+              <a:rPr lang="en-US" b="1" dirty="0"/>
+              <a:t> </a:t>
+            </a:r>
+          </a:p>
+        </p:txBody>
+      </p:sp>
+      <p:sp>
+        <p:nvSpPr>
+          <p:cNvPr id="11" name="Content Placeholder 6">
+            <a:extLst>
+              <a:ext uri="{FF2B5EF4-FFF2-40B4-BE49-F238E27FC236}">
+                <a16:creationId xmlns:a16="http://schemas.microsoft.com/office/drawing/2014/main" id="{01CE90B4-9FEB-1B0C-8CD4-8B80A03076D8}"/>
+              </a:ext>
+            </a:extLst>
+          </p:cNvPr>
+          <p:cNvSpPr txBox="1">
+            <a:spLocks/>
+          </p:cNvSpPr>
+          <p:nvPr/>
+        </p:nvSpPr>
+        <p:spPr>
+          <a:xfrm>
+            <a:off x="4611624" y="4132960"/>
+            <a:ext cx="1124712" cy="1447927"/>
+          </a:xfrm>
+          <a:prstGeom prst="rect">
+            <a:avLst/>
+          </a:prstGeom>
+        </p:spPr>
+        <p:txBody>
+          <a:bodyPr vert="horz" lIns="91440" tIns="45720" rIns="91440" bIns="45720" rtlCol="0">
+            <a:normAutofit/>
+          </a:bodyPr>
+          <a:lstStyle>
+            <a:lvl1pPr marL="228600" indent="-228600" algn="l" defTabSz="914400" rtl="0" eaLnBrk="1" latinLnBrk="0" hangingPunct="1">
+              <a:lnSpc>
+                <a:spcPct val="90000"/>
+              </a:lnSpc>
+              <a:spcBef>
+                <a:spcPts val="1000"/>
+              </a:spcBef>
+              <a:buFont typeface="Arial" panose="020B0604020202020204" pitchFamily="34" charset="0"/>
+              <a:buChar char="•"/>
+              <a:defRPr sz="2800" kern="1200">
+                <a:solidFill>
+                  <a:schemeClr val="tx1"/>
+                </a:solidFill>
+                <a:latin typeface="+mn-lt"/>
+                <a:ea typeface="+mn-ea"/>
+                <a:cs typeface="+mn-cs"/>
+              </a:defRPr>
+            </a:lvl1pPr>
+            <a:lvl2pPr marL="685800" indent="-228600" algn="l" defTabSz="914400" rtl="0" eaLnBrk="1" latinLnBrk="0" hangingPunct="1">
+              <a:lnSpc>
+                <a:spcPct val="90000"/>
+              </a:lnSpc>
+              <a:spcBef>
+                <a:spcPts val="500"/>
+              </a:spcBef>
+              <a:buFont typeface="Arial" panose="020B0604020202020204" pitchFamily="34" charset="0"/>
+              <a:buChar char="•"/>
+              <a:defRPr sz="2400" kern="1200">
+                <a:solidFill>
+                  <a:schemeClr val="tx1"/>
+                </a:solidFill>
+                <a:latin typeface="+mn-lt"/>
+                <a:ea typeface="+mn-ea"/>
+                <a:cs typeface="+mn-cs"/>
+              </a:defRPr>
+            </a:lvl2pPr>
+            <a:lvl3pPr marL="1143000" indent="-228600" algn="l" defTabSz="914400" rtl="0" eaLnBrk="1" latinLnBrk="0" hangingPunct="1">
+              <a:lnSpc>
+                <a:spcPct val="90000"/>
+              </a:lnSpc>
+              <a:spcBef>
+                <a:spcPts val="500"/>
+              </a:spcBef>
+              <a:buFont typeface="Arial" panose="020B0604020202020204" pitchFamily="34" charset="0"/>
+              <a:buChar char="•"/>
+              <a:defRPr sz="2000" kern="1200">
+                <a:solidFill>
+                  <a:schemeClr val="tx1"/>
+                </a:solidFill>
+                <a:latin typeface="+mn-lt"/>
+                <a:ea typeface="+mn-ea"/>
+                <a:cs typeface="+mn-cs"/>
+              </a:defRPr>
+            </a:lvl3pPr>
+            <a:lvl4pPr marL="1600200" indent="-228600" algn="l" defTabSz="914400" rtl="0" eaLnBrk="1" latinLnBrk="0" hangingPunct="1">
+              <a:lnSpc>
+                <a:spcPct val="90000"/>
+              </a:lnSpc>
+              <a:spcBef>
+                <a:spcPts val="500"/>
+              </a:spcBef>
+              <a:buFont typeface="Arial" panose="020B0604020202020204" pitchFamily="34" charset="0"/>
+              <a:buChar char="•"/>
+              <a:defRPr sz="1800" kern="1200">
+                <a:solidFill>
+                  <a:schemeClr val="tx1"/>
+                </a:solidFill>
+                <a:latin typeface="+mn-lt"/>
+                <a:ea typeface="+mn-ea"/>
+                <a:cs typeface="+mn-cs"/>
+              </a:defRPr>
+            </a:lvl4pPr>
+            <a:lvl5pPr marL="2057400" indent="-228600" algn="l" defTabSz="914400" rtl="0" eaLnBrk="1" latinLnBrk="0" hangingPunct="1">
+              <a:lnSpc>
+                <a:spcPct val="90000"/>
+              </a:lnSpc>
+              <a:spcBef>
+                <a:spcPts val="500"/>
+              </a:spcBef>
+              <a:buFont typeface="Arial" panose="020B0604020202020204" pitchFamily="34" charset="0"/>
+              <a:buChar char="•"/>
+              <a:defRPr sz="1800" kern="1200">
+                <a:solidFill>
+                  <a:schemeClr val="tx1"/>
+                </a:solidFill>
+                <a:latin typeface="+mn-lt"/>
+                <a:ea typeface="+mn-ea"/>
+                <a:cs typeface="+mn-cs"/>
+              </a:defRPr>
+            </a:lvl5pPr>
+            <a:lvl6pPr marL="2514600" indent="-228600" algn="l" defTabSz="914400" rtl="0" eaLnBrk="1" latinLnBrk="0" hangingPunct="1">
+              <a:lnSpc>
+                <a:spcPct val="90000"/>
+              </a:lnSpc>
+              <a:spcBef>
+                <a:spcPts val="500"/>
+              </a:spcBef>
+              <a:buFont typeface="Arial" panose="020B0604020202020204" pitchFamily="34" charset="0"/>
+              <a:buChar char="•"/>
+              <a:defRPr sz="1800" kern="1200">
+                <a:solidFill>
+                  <a:schemeClr val="tx1"/>
+                </a:solidFill>
+                <a:latin typeface="+mn-lt"/>
+                <a:ea typeface="+mn-ea"/>
+                <a:cs typeface="+mn-cs"/>
+              </a:defRPr>
+            </a:lvl6pPr>
+            <a:lvl7pPr marL="2971800" indent="-228600" algn="l" defTabSz="914400" rtl="0" eaLnBrk="1" latinLnBrk="0" hangingPunct="1">
+              <a:lnSpc>
+                <a:spcPct val="90000"/>
+              </a:lnSpc>
+              <a:spcBef>
+                <a:spcPts val="500"/>
+              </a:spcBef>
+              <a:buFont typeface="Arial" panose="020B0604020202020204" pitchFamily="34" charset="0"/>
+              <a:buChar char="•"/>
+              <a:defRPr sz="1800" kern="1200">
+                <a:solidFill>
+                  <a:schemeClr val="tx1"/>
+                </a:solidFill>
+                <a:latin typeface="+mn-lt"/>
+                <a:ea typeface="+mn-ea"/>
+                <a:cs typeface="+mn-cs"/>
+              </a:defRPr>
+            </a:lvl7pPr>
+            <a:lvl8pPr marL="3429000" indent="-228600" algn="l" defTabSz="914400" rtl="0" eaLnBrk="1" latinLnBrk="0" hangingPunct="1">
+              <a:lnSpc>
+                <a:spcPct val="90000"/>
+              </a:lnSpc>
+              <a:spcBef>
+                <a:spcPts val="500"/>
+              </a:spcBef>
+              <a:buFont typeface="Arial" panose="020B0604020202020204" pitchFamily="34" charset="0"/>
+              <a:buChar char="•"/>
+              <a:defRPr sz="1800" kern="1200">
+                <a:solidFill>
+                  <a:schemeClr val="tx1"/>
+                </a:solidFill>
+                <a:latin typeface="+mn-lt"/>
+                <a:ea typeface="+mn-ea"/>
+                <a:cs typeface="+mn-cs"/>
+              </a:defRPr>
+            </a:lvl8pPr>
+            <a:lvl9pPr marL="3886200" indent="-228600" algn="l" defTabSz="914400" rtl="0" eaLnBrk="1" latinLnBrk="0" hangingPunct="1">
+              <a:lnSpc>
+                <a:spcPct val="90000"/>
+              </a:lnSpc>
+              <a:spcBef>
+                <a:spcPts val="500"/>
+              </a:spcBef>
+              <a:buFont typeface="Arial" panose="020B0604020202020204" pitchFamily="34" charset="0"/>
+              <a:buChar char="•"/>
+              <a:defRPr sz="1800" kern="1200">
+                <a:solidFill>
+                  <a:schemeClr val="tx1"/>
+                </a:solidFill>
+                <a:latin typeface="+mn-lt"/>
+                <a:ea typeface="+mn-ea"/>
+                <a:cs typeface="+mn-cs"/>
+              </a:defRPr>
+            </a:lvl9pPr>
+          </a:lstStyle>
+          <a:p>
+            <a:pPr marL="0" indent="0">
+              <a:buFont typeface="Arial" panose="020B0604020202020204" pitchFamily="34" charset="0"/>
+              <a:buNone/>
+            </a:pPr>
+            <a:r>
+              <a:rPr lang="en-US" sz="9600" b="1" dirty="0"/>
+              <a:t>?</a:t>
+            </a:r>
+            <a:r>
+              <a:rPr lang="en-US" b="1" dirty="0"/>
+              <a:t> </a:t>
+            </a:r>
+          </a:p>
+        </p:txBody>
+      </p:sp>
+    </p:spTree>
+    <p:extLst>
+      <p:ext uri="{BB962C8B-B14F-4D97-AF65-F5344CB8AC3E}">
+        <p14:creationId xmlns:p14="http://schemas.microsoft.com/office/powerpoint/2010/main" val="3224246091"/>
+      </p:ext>
+    </p:extLst>
+  </p:cSld>
+  <p:clrMapOvr>
+    <a:masterClrMapping/>
+  </p:clrMapOvr>
+</p:sld>
+</file>
+
+<file path=ppt/slides/slide4.xml><?xml version="1.0" encoding="utf-8"?>
+<p:sld xmlns:a="http://schemas.openxmlformats.org/drawingml/2006/main" xmlns:r="http://schemas.openxmlformats.org/officeDocument/2006/relationships" xmlns:p="http://schemas.openxmlformats.org/presentationml/2006/main">
+  <p:cSld>
+    <p:spTree>
+      <p:nvGrpSpPr>
+        <p:cNvPr id="1" name=""/>
+        <p:cNvGrpSpPr/>
+        <p:nvPr/>
+      </p:nvGrpSpPr>
+      <p:grpSpPr>
+        <a:xfrm>
+          <a:off x="0" y="0"/>
+          <a:ext cx="0" cy="0"/>
+          <a:chOff x="0" y="0"/>
+          <a:chExt cx="0" cy="0"/>
+        </a:xfrm>
+      </p:grpSpPr>
+      <p:sp>
+        <p:nvSpPr>
+          <p:cNvPr id="6" name="Title 5">
+            <a:extLst>
+              <a:ext uri="{FF2B5EF4-FFF2-40B4-BE49-F238E27FC236}">
+                <a16:creationId xmlns:a16="http://schemas.microsoft.com/office/drawing/2014/main" id="{4391523D-B139-FDC2-7445-CAC920052AD5}"/>
+              </a:ext>
+            </a:extLst>
+          </p:cNvPr>
+          <p:cNvSpPr>
+            <a:spLocks noGrp="1"/>
+          </p:cNvSpPr>
+          <p:nvPr>
+            <p:ph type="title"/>
+          </p:nvPr>
+        </p:nvSpPr>
+        <p:spPr>
+          <a:xfrm>
+            <a:off x="381000" y="208470"/>
+            <a:ext cx="10515600" cy="1325563"/>
+          </a:xfrm>
+        </p:spPr>
+        <p:txBody>
+          <a:bodyPr/>
+          <a:lstStyle/>
+          <a:p>
+            <a:pPr algn="ctr"/>
+            <a:r>
+              <a:rPr lang="en-US" i="1" dirty="0"/>
+              <a:t>Survey</a:t>
+            </a:r>
+          </a:p>
+        </p:txBody>
+      </p:sp>
+      <p:sp>
+        <p:nvSpPr>
+          <p:cNvPr id="7" name="Content Placeholder 6">
+            <a:extLst>
+              <a:ext uri="{FF2B5EF4-FFF2-40B4-BE49-F238E27FC236}">
+                <a16:creationId xmlns:a16="http://schemas.microsoft.com/office/drawing/2014/main" id="{EA83418B-92EA-93A6-A7A2-388427AE6A21}"/>
+              </a:ext>
+            </a:extLst>
+          </p:cNvPr>
+          <p:cNvSpPr>
+            <a:spLocks noGrp="1"/>
+          </p:cNvSpPr>
+          <p:nvPr>
+            <p:ph idx="1"/>
+          </p:nvPr>
+        </p:nvSpPr>
+        <p:spPr>
+          <a:xfrm>
+            <a:off x="1258824" y="1690688"/>
+            <a:ext cx="1124712" cy="1447927"/>
+          </a:xfrm>
+        </p:spPr>
+        <p:txBody>
+          <a:bodyPr/>
+          <a:lstStyle/>
+          <a:p>
+            <a:pPr marL="0" indent="0">
+              <a:buNone/>
+            </a:pPr>
+            <a:r>
+              <a:rPr lang="en-US" sz="9600" b="1" dirty="0"/>
+              <a:t>I</a:t>
+            </a:r>
+            <a:r>
+              <a:rPr lang="en-US" b="1" dirty="0"/>
+              <a:t> </a:t>
+            </a:r>
+          </a:p>
+        </p:txBody>
+      </p:sp>
+      <p:sp>
+        <p:nvSpPr>
+          <p:cNvPr id="4" name="Footer Placeholder 3">
+            <a:extLst>
+              <a:ext uri="{FF2B5EF4-FFF2-40B4-BE49-F238E27FC236}">
+                <a16:creationId xmlns:a16="http://schemas.microsoft.com/office/drawing/2014/main" id="{170158D2-4F47-58E2-2B00-82249FD098B8}"/>
+              </a:ext>
+            </a:extLst>
+          </p:cNvPr>
+          <p:cNvSpPr>
+            <a:spLocks noGrp="1"/>
+          </p:cNvSpPr>
+          <p:nvPr>
+            <p:ph type="ftr" sz="quarter" idx="11"/>
+          </p:nvPr>
+        </p:nvSpPr>
+        <p:spPr/>
+        <p:txBody>
+          <a:bodyPr/>
+          <a:lstStyle/>
+          <a:p>
+            <a:r>
+              <a:rPr lang="en-US"/>
+              <a:t>https://github.com/jamesabel/spreadsheetdoeswhat</a:t>
+            </a:r>
+            <a:endParaRPr lang="en-US" dirty="0"/>
+          </a:p>
+        </p:txBody>
+      </p:sp>
+      <p:sp>
+        <p:nvSpPr>
+          <p:cNvPr id="5" name="Slide Number Placeholder 4">
+            <a:extLst>
+              <a:ext uri="{FF2B5EF4-FFF2-40B4-BE49-F238E27FC236}">
+                <a16:creationId xmlns:a16="http://schemas.microsoft.com/office/drawing/2014/main" id="{E4594D59-F9BF-5995-B3BA-C300FE4C6670}"/>
+              </a:ext>
+            </a:extLst>
+          </p:cNvPr>
+          <p:cNvSpPr>
+            <a:spLocks noGrp="1"/>
+          </p:cNvSpPr>
+          <p:nvPr>
+            <p:ph type="sldNum" sz="quarter" idx="12"/>
+          </p:nvPr>
+        </p:nvSpPr>
+        <p:spPr/>
+        <p:txBody>
+          <a:bodyPr/>
+          <a:lstStyle/>
+          <a:p>
+            <a:fld id="{6480553B-0AA9-4774-8DA9-C49E531432C6}" type="slidenum">
+              <a:rPr lang="en-US" smtClean="0"/>
+              <a:t>4</a:t>
+            </a:fld>
+            <a:endParaRPr lang="en-US"/>
+          </a:p>
+        </p:txBody>
+      </p:sp>
+      <p:sp>
+        <p:nvSpPr>
+          <p:cNvPr id="10" name="Content Placeholder 6">
+            <a:extLst>
+              <a:ext uri="{FF2B5EF4-FFF2-40B4-BE49-F238E27FC236}">
+                <a16:creationId xmlns:a16="http://schemas.microsoft.com/office/drawing/2014/main" id="{D08B0818-94E9-8985-1BB8-896C4B245686}"/>
+              </a:ext>
+            </a:extLst>
+          </p:cNvPr>
+          <p:cNvSpPr txBox="1">
+            <a:spLocks/>
+          </p:cNvSpPr>
+          <p:nvPr/>
+        </p:nvSpPr>
+        <p:spPr>
+          <a:xfrm>
+            <a:off x="4989576" y="1981073"/>
+            <a:ext cx="6117336" cy="1447927"/>
+          </a:xfrm>
+          <a:prstGeom prst="rect">
+            <a:avLst/>
+          </a:prstGeom>
+        </p:spPr>
+        <p:txBody>
+          <a:bodyPr vert="horz" lIns="91440" tIns="45720" rIns="91440" bIns="45720" rtlCol="0">
+            <a:normAutofit fontScale="85000" lnSpcReduction="10000"/>
+          </a:bodyPr>
+          <a:lstStyle>
+            <a:lvl1pPr marL="228600" indent="-228600" algn="l" defTabSz="914400" rtl="0" eaLnBrk="1" latinLnBrk="0" hangingPunct="1">
+              <a:lnSpc>
+                <a:spcPct val="90000"/>
+              </a:lnSpc>
+              <a:spcBef>
+                <a:spcPts val="1000"/>
+              </a:spcBef>
+              <a:buFont typeface="Arial" panose="020B0604020202020204" pitchFamily="34" charset="0"/>
+              <a:buChar char="•"/>
+              <a:defRPr sz="2800" kern="1200">
+                <a:solidFill>
+                  <a:schemeClr val="tx1"/>
+                </a:solidFill>
+                <a:latin typeface="+mn-lt"/>
+                <a:ea typeface="+mn-ea"/>
+                <a:cs typeface="+mn-cs"/>
+              </a:defRPr>
+            </a:lvl1pPr>
+            <a:lvl2pPr marL="685800" indent="-228600" algn="l" defTabSz="914400" rtl="0" eaLnBrk="1" latinLnBrk="0" hangingPunct="1">
+              <a:lnSpc>
+                <a:spcPct val="90000"/>
+              </a:lnSpc>
+              <a:spcBef>
+                <a:spcPts val="500"/>
+              </a:spcBef>
+              <a:buFont typeface="Arial" panose="020B0604020202020204" pitchFamily="34" charset="0"/>
+              <a:buChar char="•"/>
+              <a:defRPr sz="2400" kern="1200">
+                <a:solidFill>
+                  <a:schemeClr val="tx1"/>
+                </a:solidFill>
+                <a:latin typeface="+mn-lt"/>
+                <a:ea typeface="+mn-ea"/>
+                <a:cs typeface="+mn-cs"/>
+              </a:defRPr>
+            </a:lvl2pPr>
+            <a:lvl3pPr marL="1143000" indent="-228600" algn="l" defTabSz="914400" rtl="0" eaLnBrk="1" latinLnBrk="0" hangingPunct="1">
+              <a:lnSpc>
+                <a:spcPct val="90000"/>
+              </a:lnSpc>
+              <a:spcBef>
+                <a:spcPts val="500"/>
+              </a:spcBef>
+              <a:buFont typeface="Arial" panose="020B0604020202020204" pitchFamily="34" charset="0"/>
+              <a:buChar char="•"/>
+              <a:defRPr sz="2000" kern="1200">
+                <a:solidFill>
+                  <a:schemeClr val="tx1"/>
+                </a:solidFill>
+                <a:latin typeface="+mn-lt"/>
+                <a:ea typeface="+mn-ea"/>
+                <a:cs typeface="+mn-cs"/>
+              </a:defRPr>
+            </a:lvl3pPr>
+            <a:lvl4pPr marL="1600200" indent="-228600" algn="l" defTabSz="914400" rtl="0" eaLnBrk="1" latinLnBrk="0" hangingPunct="1">
+              <a:lnSpc>
+                <a:spcPct val="90000"/>
+              </a:lnSpc>
+              <a:spcBef>
+                <a:spcPts val="500"/>
+              </a:spcBef>
+              <a:buFont typeface="Arial" panose="020B0604020202020204" pitchFamily="34" charset="0"/>
+              <a:buChar char="•"/>
+              <a:defRPr sz="1800" kern="1200">
+                <a:solidFill>
+                  <a:schemeClr val="tx1"/>
+                </a:solidFill>
+                <a:latin typeface="+mn-lt"/>
+                <a:ea typeface="+mn-ea"/>
+                <a:cs typeface="+mn-cs"/>
+              </a:defRPr>
+            </a:lvl4pPr>
+            <a:lvl5pPr marL="2057400" indent="-228600" algn="l" defTabSz="914400" rtl="0" eaLnBrk="1" latinLnBrk="0" hangingPunct="1">
+              <a:lnSpc>
+                <a:spcPct val="90000"/>
+              </a:lnSpc>
+              <a:spcBef>
+                <a:spcPts val="500"/>
+              </a:spcBef>
+              <a:buFont typeface="Arial" panose="020B0604020202020204" pitchFamily="34" charset="0"/>
+              <a:buChar char="•"/>
+              <a:defRPr sz="1800" kern="1200">
+                <a:solidFill>
+                  <a:schemeClr val="tx1"/>
+                </a:solidFill>
+                <a:latin typeface="+mn-lt"/>
+                <a:ea typeface="+mn-ea"/>
+                <a:cs typeface="+mn-cs"/>
+              </a:defRPr>
+            </a:lvl5pPr>
+            <a:lvl6pPr marL="2514600" indent="-228600" algn="l" defTabSz="914400" rtl="0" eaLnBrk="1" latinLnBrk="0" hangingPunct="1">
+              <a:lnSpc>
+                <a:spcPct val="90000"/>
+              </a:lnSpc>
+              <a:spcBef>
+                <a:spcPts val="500"/>
+              </a:spcBef>
+              <a:buFont typeface="Arial" panose="020B0604020202020204" pitchFamily="34" charset="0"/>
+              <a:buChar char="•"/>
+              <a:defRPr sz="1800" kern="1200">
+                <a:solidFill>
+                  <a:schemeClr val="tx1"/>
+                </a:solidFill>
+                <a:latin typeface="+mn-lt"/>
+                <a:ea typeface="+mn-ea"/>
+                <a:cs typeface="+mn-cs"/>
+              </a:defRPr>
+            </a:lvl6pPr>
+            <a:lvl7pPr marL="2971800" indent="-228600" algn="l" defTabSz="914400" rtl="0" eaLnBrk="1" latinLnBrk="0" hangingPunct="1">
+              <a:lnSpc>
+                <a:spcPct val="90000"/>
+              </a:lnSpc>
+              <a:spcBef>
+                <a:spcPts val="500"/>
+              </a:spcBef>
+              <a:buFont typeface="Arial" panose="020B0604020202020204" pitchFamily="34" charset="0"/>
+              <a:buChar char="•"/>
+              <a:defRPr sz="1800" kern="1200">
+                <a:solidFill>
+                  <a:schemeClr val="tx1"/>
+                </a:solidFill>
+                <a:latin typeface="+mn-lt"/>
+                <a:ea typeface="+mn-ea"/>
+                <a:cs typeface="+mn-cs"/>
+              </a:defRPr>
+            </a:lvl7pPr>
+            <a:lvl8pPr marL="3429000" indent="-228600" algn="l" defTabSz="914400" rtl="0" eaLnBrk="1" latinLnBrk="0" hangingPunct="1">
+              <a:lnSpc>
+                <a:spcPct val="90000"/>
+              </a:lnSpc>
+              <a:spcBef>
+                <a:spcPts val="500"/>
+              </a:spcBef>
+              <a:buFont typeface="Arial" panose="020B0604020202020204" pitchFamily="34" charset="0"/>
+              <a:buChar char="•"/>
+              <a:defRPr sz="1800" kern="1200">
+                <a:solidFill>
+                  <a:schemeClr val="tx1"/>
+                </a:solidFill>
+                <a:latin typeface="+mn-lt"/>
+                <a:ea typeface="+mn-ea"/>
+                <a:cs typeface="+mn-cs"/>
+              </a:defRPr>
+            </a:lvl8pPr>
+            <a:lvl9pPr marL="3886200" indent="-228600" algn="l" defTabSz="914400" rtl="0" eaLnBrk="1" latinLnBrk="0" hangingPunct="1">
+              <a:lnSpc>
+                <a:spcPct val="90000"/>
+              </a:lnSpc>
+              <a:spcBef>
+                <a:spcPts val="500"/>
+              </a:spcBef>
+              <a:buFont typeface="Arial" panose="020B0604020202020204" pitchFamily="34" charset="0"/>
+              <a:buChar char="•"/>
+              <a:defRPr sz="1800" kern="1200">
+                <a:solidFill>
+                  <a:schemeClr val="tx1"/>
+                </a:solidFill>
+                <a:latin typeface="+mn-lt"/>
+                <a:ea typeface="+mn-ea"/>
+                <a:cs typeface="+mn-cs"/>
+              </a:defRPr>
+            </a:lvl9pPr>
+          </a:lstStyle>
+          <a:p>
+            <a:pPr marL="0" indent="0">
+              <a:buFont typeface="Arial" panose="020B0604020202020204" pitchFamily="34" charset="0"/>
+              <a:buNone/>
+            </a:pPr>
+            <a:r>
+              <a:rPr lang="en-US" sz="9600" b="1" dirty="0"/>
+              <a:t>Spreadsheets</a:t>
+            </a:r>
+            <a:r>
+              <a:rPr lang="en-US" b="1" dirty="0"/>
+              <a:t> </a:t>
+            </a:r>
+          </a:p>
+        </p:txBody>
+      </p:sp>
+      <p:sp>
+        <p:nvSpPr>
+          <p:cNvPr id="11" name="Content Placeholder 6">
+            <a:extLst>
+              <a:ext uri="{FF2B5EF4-FFF2-40B4-BE49-F238E27FC236}">
+                <a16:creationId xmlns:a16="http://schemas.microsoft.com/office/drawing/2014/main" id="{01CE90B4-9FEB-1B0C-8CD4-8B80A03076D8}"/>
+              </a:ext>
+            </a:extLst>
+          </p:cNvPr>
+          <p:cNvSpPr txBox="1">
+            <a:spLocks/>
+          </p:cNvSpPr>
+          <p:nvPr/>
+        </p:nvSpPr>
+        <p:spPr>
+          <a:xfrm>
+            <a:off x="4611624" y="4132960"/>
+            <a:ext cx="1124712" cy="1447927"/>
+          </a:xfrm>
+          <a:prstGeom prst="rect">
+            <a:avLst/>
+          </a:prstGeom>
+        </p:spPr>
+        <p:txBody>
+          <a:bodyPr vert="horz" lIns="91440" tIns="45720" rIns="91440" bIns="45720" rtlCol="0">
+            <a:normAutofit/>
+          </a:bodyPr>
+          <a:lstStyle>
+            <a:lvl1pPr marL="228600" indent="-228600" algn="l" defTabSz="914400" rtl="0" eaLnBrk="1" latinLnBrk="0" hangingPunct="1">
+              <a:lnSpc>
+                <a:spcPct val="90000"/>
+              </a:lnSpc>
+              <a:spcBef>
+                <a:spcPts val="1000"/>
+              </a:spcBef>
+              <a:buFont typeface="Arial" panose="020B0604020202020204" pitchFamily="34" charset="0"/>
+              <a:buChar char="•"/>
+              <a:defRPr sz="2800" kern="1200">
+                <a:solidFill>
+                  <a:schemeClr val="tx1"/>
+                </a:solidFill>
+                <a:latin typeface="+mn-lt"/>
+                <a:ea typeface="+mn-ea"/>
+                <a:cs typeface="+mn-cs"/>
+              </a:defRPr>
+            </a:lvl1pPr>
+            <a:lvl2pPr marL="685800" indent="-228600" algn="l" defTabSz="914400" rtl="0" eaLnBrk="1" latinLnBrk="0" hangingPunct="1">
+              <a:lnSpc>
+                <a:spcPct val="90000"/>
+              </a:lnSpc>
+              <a:spcBef>
+                <a:spcPts val="500"/>
+              </a:spcBef>
+              <a:buFont typeface="Arial" panose="020B0604020202020204" pitchFamily="34" charset="0"/>
+              <a:buChar char="•"/>
+              <a:defRPr sz="2400" kern="1200">
+                <a:solidFill>
+                  <a:schemeClr val="tx1"/>
+                </a:solidFill>
+                <a:latin typeface="+mn-lt"/>
+                <a:ea typeface="+mn-ea"/>
+                <a:cs typeface="+mn-cs"/>
+              </a:defRPr>
+            </a:lvl2pPr>
+            <a:lvl3pPr marL="1143000" indent="-228600" algn="l" defTabSz="914400" rtl="0" eaLnBrk="1" latinLnBrk="0" hangingPunct="1">
+              <a:lnSpc>
+                <a:spcPct val="90000"/>
+              </a:lnSpc>
+              <a:spcBef>
+                <a:spcPts val="500"/>
+              </a:spcBef>
+              <a:buFont typeface="Arial" panose="020B0604020202020204" pitchFamily="34" charset="0"/>
+              <a:buChar char="•"/>
+              <a:defRPr sz="2000" kern="1200">
+                <a:solidFill>
+                  <a:schemeClr val="tx1"/>
+                </a:solidFill>
+                <a:latin typeface="+mn-lt"/>
+                <a:ea typeface="+mn-ea"/>
+                <a:cs typeface="+mn-cs"/>
+              </a:defRPr>
+            </a:lvl3pPr>
+            <a:lvl4pPr marL="1600200" indent="-228600" algn="l" defTabSz="914400" rtl="0" eaLnBrk="1" latinLnBrk="0" hangingPunct="1">
+              <a:lnSpc>
+                <a:spcPct val="90000"/>
+              </a:lnSpc>
+              <a:spcBef>
+                <a:spcPts val="500"/>
+              </a:spcBef>
+              <a:buFont typeface="Arial" panose="020B0604020202020204" pitchFamily="34" charset="0"/>
+              <a:buChar char="•"/>
+              <a:defRPr sz="1800" kern="1200">
+                <a:solidFill>
+                  <a:schemeClr val="tx1"/>
+                </a:solidFill>
+                <a:latin typeface="+mn-lt"/>
+                <a:ea typeface="+mn-ea"/>
+                <a:cs typeface="+mn-cs"/>
+              </a:defRPr>
+            </a:lvl4pPr>
+            <a:lvl5pPr marL="2057400" indent="-228600" algn="l" defTabSz="914400" rtl="0" eaLnBrk="1" latinLnBrk="0" hangingPunct="1">
+              <a:lnSpc>
+                <a:spcPct val="90000"/>
+              </a:lnSpc>
+              <a:spcBef>
+                <a:spcPts val="500"/>
+              </a:spcBef>
+              <a:buFont typeface="Arial" panose="020B0604020202020204" pitchFamily="34" charset="0"/>
+              <a:buChar char="•"/>
+              <a:defRPr sz="1800" kern="1200">
+                <a:solidFill>
+                  <a:schemeClr val="tx1"/>
+                </a:solidFill>
+                <a:latin typeface="+mn-lt"/>
+                <a:ea typeface="+mn-ea"/>
+                <a:cs typeface="+mn-cs"/>
+              </a:defRPr>
+            </a:lvl5pPr>
+            <a:lvl6pPr marL="2514600" indent="-228600" algn="l" defTabSz="914400" rtl="0" eaLnBrk="1" latinLnBrk="0" hangingPunct="1">
+              <a:lnSpc>
+                <a:spcPct val="90000"/>
+              </a:lnSpc>
+              <a:spcBef>
+                <a:spcPts val="500"/>
+              </a:spcBef>
+              <a:buFont typeface="Arial" panose="020B0604020202020204" pitchFamily="34" charset="0"/>
+              <a:buChar char="•"/>
+              <a:defRPr sz="1800" kern="1200">
+                <a:solidFill>
+                  <a:schemeClr val="tx1"/>
+                </a:solidFill>
+                <a:latin typeface="+mn-lt"/>
+                <a:ea typeface="+mn-ea"/>
+                <a:cs typeface="+mn-cs"/>
+              </a:defRPr>
+            </a:lvl6pPr>
+            <a:lvl7pPr marL="2971800" indent="-228600" algn="l" defTabSz="914400" rtl="0" eaLnBrk="1" latinLnBrk="0" hangingPunct="1">
+              <a:lnSpc>
+                <a:spcPct val="90000"/>
+              </a:lnSpc>
+              <a:spcBef>
+                <a:spcPts val="500"/>
+              </a:spcBef>
+              <a:buFont typeface="Arial" panose="020B0604020202020204" pitchFamily="34" charset="0"/>
+              <a:buChar char="•"/>
+              <a:defRPr sz="1800" kern="1200">
+                <a:solidFill>
+                  <a:schemeClr val="tx1"/>
+                </a:solidFill>
+                <a:latin typeface="+mn-lt"/>
+                <a:ea typeface="+mn-ea"/>
+                <a:cs typeface="+mn-cs"/>
+              </a:defRPr>
+            </a:lvl7pPr>
+            <a:lvl8pPr marL="3429000" indent="-228600" algn="l" defTabSz="914400" rtl="0" eaLnBrk="1" latinLnBrk="0" hangingPunct="1">
+              <a:lnSpc>
+                <a:spcPct val="90000"/>
+              </a:lnSpc>
+              <a:spcBef>
+                <a:spcPts val="500"/>
+              </a:spcBef>
+              <a:buFont typeface="Arial" panose="020B0604020202020204" pitchFamily="34" charset="0"/>
+              <a:buChar char="•"/>
+              <a:defRPr sz="1800" kern="1200">
+                <a:solidFill>
+                  <a:schemeClr val="tx1"/>
+                </a:solidFill>
+                <a:latin typeface="+mn-lt"/>
+                <a:ea typeface="+mn-ea"/>
+                <a:cs typeface="+mn-cs"/>
+              </a:defRPr>
+            </a:lvl8pPr>
+            <a:lvl9pPr marL="3886200" indent="-228600" algn="l" defTabSz="914400" rtl="0" eaLnBrk="1" latinLnBrk="0" hangingPunct="1">
+              <a:lnSpc>
+                <a:spcPct val="90000"/>
+              </a:lnSpc>
+              <a:spcBef>
+                <a:spcPts val="500"/>
+              </a:spcBef>
+              <a:buFont typeface="Arial" panose="020B0604020202020204" pitchFamily="34" charset="0"/>
+              <a:buChar char="•"/>
+              <a:defRPr sz="1800" kern="1200">
+                <a:solidFill>
+                  <a:schemeClr val="tx1"/>
+                </a:solidFill>
+                <a:latin typeface="+mn-lt"/>
+                <a:ea typeface="+mn-ea"/>
+                <a:cs typeface="+mn-cs"/>
+              </a:defRPr>
+            </a:lvl9pPr>
+          </a:lstStyle>
+          <a:p>
+            <a:pPr marL="0" indent="0">
+              <a:buFont typeface="Arial" panose="020B0604020202020204" pitchFamily="34" charset="0"/>
+              <a:buNone/>
+            </a:pPr>
+            <a:r>
+              <a:rPr lang="en-US" sz="9600" b="1" dirty="0"/>
+              <a:t>?</a:t>
+            </a:r>
+            <a:r>
+              <a:rPr lang="en-US" b="1" dirty="0"/>
+              <a:t> </a:t>
+            </a:r>
+          </a:p>
+        </p:txBody>
+      </p:sp>
+      <p:pic>
+        <p:nvPicPr>
+          <p:cNvPr id="3" name="Graphic 2" descr="Angry face with solid fill with solid fill">
+            <a:extLst>
+              <a:ext uri="{FF2B5EF4-FFF2-40B4-BE49-F238E27FC236}">
+                <a16:creationId xmlns:a16="http://schemas.microsoft.com/office/drawing/2014/main" id="{8920460A-8261-4A88-0041-90D575D2EF1B}"/>
+              </a:ext>
+            </a:extLst>
+          </p:cNvPr>
+          <p:cNvPicPr>
+            <a:picLocks noChangeAspect="1"/>
+          </p:cNvPicPr>
+          <p:nvPr/>
+        </p:nvPicPr>
+        <p:blipFill>
+          <a:blip r:embed="rId2">
+            <a:extLst>
+              <a:ext uri="{28A0092B-C50C-407E-A947-70E740481C1C}">
+                <a14:useLocalDpi xmlns:a14="http://schemas.microsoft.com/office/drawing/2010/main" val="0"/>
+              </a:ext>
+              <a:ext uri="{96DAC541-7B7A-43D3-8B79-37D633B846F1}">
+                <asvg:svgBlip xmlns:asvg="http://schemas.microsoft.com/office/drawing/2016/SVG/main" r:embed="rId3"/>
+              </a:ext>
+            </a:extLst>
+          </a:blip>
+          <a:stretch>
+            <a:fillRect/>
+          </a:stretch>
+        </p:blipFill>
+        <p:spPr>
+          <a:xfrm>
+            <a:off x="2031337" y="1119652"/>
+            <a:ext cx="2630050" cy="2630050"/>
+          </a:xfrm>
+          <a:prstGeom prst="rect">
+            <a:avLst/>
+          </a:prstGeom>
+        </p:spPr>
+      </p:pic>
+    </p:spTree>
+    <p:extLst>
+      <p:ext uri="{BB962C8B-B14F-4D97-AF65-F5344CB8AC3E}">
+        <p14:creationId xmlns:p14="http://schemas.microsoft.com/office/powerpoint/2010/main" val="3293545930"/>
+      </p:ext>
+    </p:extLst>
+  </p:cSld>
+  <p:clrMapOvr>
+    <a:masterClrMapping/>
+  </p:clrMapOvr>
+</p:sld>
+</file>
+
+<file path=ppt/slides/slide5.xml><?xml version="1.0" encoding="utf-8"?>
+<p:sld xmlns:a="http://schemas.openxmlformats.org/drawingml/2006/main" xmlns:r="http://schemas.openxmlformats.org/officeDocument/2006/relationships" xmlns:p="http://schemas.openxmlformats.org/presentationml/2006/main">
+  <p:cSld>
+    <p:spTree>
+      <p:nvGrpSpPr>
+        <p:cNvPr id="1" name=""/>
+        <p:cNvGrpSpPr/>
+        <p:nvPr/>
+      </p:nvGrpSpPr>
+      <p:grpSpPr>
+        <a:xfrm>
+          <a:off x="0" y="0"/>
+          <a:ext cx="0" cy="0"/>
+          <a:chOff x="0" y="0"/>
+          <a:chExt cx="0" cy="0"/>
+        </a:xfrm>
+      </p:grpSpPr>
+      <p:sp>
+        <p:nvSpPr>
+          <p:cNvPr id="4" name="Footer Placeholder 3">
+            <a:extLst>
+              <a:ext uri="{FF2B5EF4-FFF2-40B4-BE49-F238E27FC236}">
+                <a16:creationId xmlns:a16="http://schemas.microsoft.com/office/drawing/2014/main" id="{857C4D14-5EAD-324D-D6ED-D00A47DB9AF9}"/>
+              </a:ext>
+            </a:extLst>
+          </p:cNvPr>
+          <p:cNvSpPr>
+            <a:spLocks noGrp="1"/>
+          </p:cNvSpPr>
+          <p:nvPr>
+            <p:ph type="ftr" sz="quarter" idx="11"/>
+          </p:nvPr>
+        </p:nvSpPr>
+        <p:spPr/>
+        <p:txBody>
+          <a:bodyPr/>
+          <a:lstStyle/>
+          <a:p>
+            <a:r>
+              <a:rPr lang="en-US"/>
+              <a:t>https://github.com/jamesabel/spreadsheetdoeswhat</a:t>
+            </a:r>
+            <a:endParaRPr lang="en-US" dirty="0"/>
+          </a:p>
+        </p:txBody>
+      </p:sp>
+      <p:sp>
+        <p:nvSpPr>
+          <p:cNvPr id="5" name="Slide Number Placeholder 4">
+            <a:extLst>
+              <a:ext uri="{FF2B5EF4-FFF2-40B4-BE49-F238E27FC236}">
+                <a16:creationId xmlns:a16="http://schemas.microsoft.com/office/drawing/2014/main" id="{D8F5CA86-EDF4-5D10-4A9E-779B704FC706}"/>
+              </a:ext>
+            </a:extLst>
+          </p:cNvPr>
+          <p:cNvSpPr>
+            <a:spLocks noGrp="1"/>
+          </p:cNvSpPr>
+          <p:nvPr>
+            <p:ph type="sldNum" sz="quarter" idx="12"/>
+          </p:nvPr>
+        </p:nvSpPr>
+        <p:spPr/>
+        <p:txBody>
+          <a:bodyPr/>
+          <a:lstStyle/>
+          <a:p>
+            <a:fld id="{6480553B-0AA9-4774-8DA9-C49E531432C6}" type="slidenum">
+              <a:rPr lang="en-US" smtClean="0"/>
+              <a:t>5</a:t>
+            </a:fld>
+            <a:endParaRPr lang="en-US"/>
+          </a:p>
+        </p:txBody>
+      </p:sp>
+      <p:pic>
+        <p:nvPicPr>
+          <p:cNvPr id="1026" name="Picture 2" descr="pin — react0rﾟ✧ | Pam the office, Reaction pictures, Picture">
+            <a:extLst>
+              <a:ext uri="{FF2B5EF4-FFF2-40B4-BE49-F238E27FC236}">
+                <a16:creationId xmlns:a16="http://schemas.microsoft.com/office/drawing/2014/main" id="{1CB87F3D-660A-71BA-1177-D7B675F00DA0}"/>
+              </a:ext>
+            </a:extLst>
+          </p:cNvPr>
+          <p:cNvPicPr>
+            <a:picLocks noChangeAspect="1" noChangeArrowheads="1"/>
+          </p:cNvPicPr>
+          <p:nvPr/>
+        </p:nvPicPr>
+        <p:blipFill>
+          <a:blip r:embed="rId2">
+            <a:extLst>
+              <a:ext uri="{28A0092B-C50C-407E-A947-70E740481C1C}">
+                <a14:useLocalDpi xmlns:a14="http://schemas.microsoft.com/office/drawing/2010/main" val="0"/>
+              </a:ext>
+            </a:extLst>
+          </a:blip>
+          <a:srcRect/>
+          <a:stretch>
+            <a:fillRect/>
+          </a:stretch>
+        </p:blipFill>
+        <p:spPr bwMode="auto">
+          <a:xfrm>
+            <a:off x="1219200" y="719138"/>
+            <a:ext cx="9753600" cy="5419725"/>
+          </a:xfrm>
+          <a:prstGeom prst="rect">
+            <a:avLst/>
+          </a:prstGeom>
+          <a:noFill/>
+          <a:extLst>
+            <a:ext uri="{909E8E84-426E-40DD-AFC4-6F175D3DCCD1}">
+              <a14:hiddenFill xmlns:a14="http://schemas.microsoft.com/office/drawing/2010/main">
+                <a:solidFill>
+                  <a:srgbClr val="FFFFFF"/>
+                </a:solidFill>
+              </a14:hiddenFill>
+            </a:ext>
+          </a:extLst>
+        </p:spPr>
+      </p:pic>
+    </p:spTree>
+    <p:extLst>
+      <p:ext uri="{BB962C8B-B14F-4D97-AF65-F5344CB8AC3E}">
+        <p14:creationId xmlns:p14="http://schemas.microsoft.com/office/powerpoint/2010/main" val="792658386"/>
+      </p:ext>
+    </p:extLst>
+  </p:cSld>
+  <p:clrMapOvr>
+    <a:masterClrMapping/>
+  </p:clrMapOvr>
+</p:sld>
+</file>
+
+<file path=ppt/slides/slide6.xml><?xml version="1.0" encoding="utf-8"?>
+<p:sld xmlns:a="http://schemas.openxmlformats.org/drawingml/2006/main" xmlns:r="http://schemas.openxmlformats.org/officeDocument/2006/relationships" xmlns:p="http://schemas.openxmlformats.org/presentationml/2006/main">
+  <p:cSld>
+    <p:spTree>
+      <p:nvGrpSpPr>
+        <p:cNvPr id="1" name=""/>
+        <p:cNvGrpSpPr/>
+        <p:nvPr/>
+      </p:nvGrpSpPr>
+      <p:grpSpPr>
+        <a:xfrm>
+          <a:off x="0" y="0"/>
+          <a:ext cx="0" cy="0"/>
+          <a:chOff x="0" y="0"/>
+          <a:chExt cx="0" cy="0"/>
+        </a:xfrm>
+      </p:grpSpPr>
+      <p:sp>
+        <p:nvSpPr>
+          <p:cNvPr id="3" name="Content Placeholder 2">
+            <a:extLst>
+              <a:ext uri="{FF2B5EF4-FFF2-40B4-BE49-F238E27FC236}">
+                <a16:creationId xmlns:a16="http://schemas.microsoft.com/office/drawing/2014/main" id="{A54D3BF9-76F7-B819-193F-A20B43A15632}"/>
+              </a:ext>
+            </a:extLst>
+          </p:cNvPr>
+          <p:cNvSpPr>
+            <a:spLocks noGrp="1"/>
+          </p:cNvSpPr>
+          <p:nvPr>
+            <p:ph idx="1"/>
+          </p:nvPr>
+        </p:nvSpPr>
+        <p:spPr>
+          <a:xfrm>
+            <a:off x="838200" y="1825625"/>
+            <a:ext cx="5625464" cy="4351338"/>
+          </a:xfrm>
+        </p:spPr>
+        <p:txBody>
+          <a:bodyPr/>
+          <a:lstStyle/>
+          <a:p>
+            <a:r>
+              <a:rPr lang="en-US" dirty="0"/>
+              <a:t>CSVs - 1972</a:t>
+            </a:r>
+          </a:p>
+          <a:p>
+            <a:endParaRPr lang="en-US" dirty="0"/>
+          </a:p>
+          <a:p>
+            <a:r>
+              <a:rPr lang="en-US" dirty="0"/>
+              <a:t>VisiCalc (Apple II) - 1979</a:t>
+            </a:r>
+          </a:p>
+          <a:p>
+            <a:endParaRPr lang="en-US" dirty="0"/>
+          </a:p>
+          <a:p>
+            <a:r>
+              <a:rPr lang="en-US" dirty="0"/>
+              <a:t>Excel - Mac 1985, Windows 1987</a:t>
+            </a:r>
+          </a:p>
+          <a:p>
+            <a:pPr lvl="1"/>
+            <a:r>
+              <a:rPr lang="en-US" dirty="0"/>
+              <a:t>Python support - 2023</a:t>
+            </a:r>
+          </a:p>
+          <a:p>
+            <a:endParaRPr lang="en-US" dirty="0"/>
+          </a:p>
+          <a:p>
+            <a:r>
+              <a:rPr lang="en-US" dirty="0"/>
+              <a:t>CSV RFC 4180 - 2005</a:t>
+            </a:r>
+          </a:p>
+        </p:txBody>
+      </p:sp>
+      <p:sp>
+        <p:nvSpPr>
+          <p:cNvPr id="4" name="Footer Placeholder 3">
+            <a:extLst>
+              <a:ext uri="{FF2B5EF4-FFF2-40B4-BE49-F238E27FC236}">
+                <a16:creationId xmlns:a16="http://schemas.microsoft.com/office/drawing/2014/main" id="{3C756369-D5A5-5F6E-E26D-45F6FA61B3FD}"/>
+              </a:ext>
+            </a:extLst>
+          </p:cNvPr>
+          <p:cNvSpPr>
+            <a:spLocks noGrp="1"/>
+          </p:cNvSpPr>
+          <p:nvPr>
+            <p:ph type="ftr" sz="quarter" idx="11"/>
+          </p:nvPr>
+        </p:nvSpPr>
+        <p:spPr/>
+        <p:txBody>
+          <a:bodyPr/>
+          <a:lstStyle/>
+          <a:p>
+            <a:r>
+              <a:rPr lang="en-US"/>
+              <a:t>https://github.com/jamesabel/spreadsheetdoeswhat</a:t>
+            </a:r>
+            <a:endParaRPr lang="en-US" dirty="0"/>
+          </a:p>
+        </p:txBody>
+      </p:sp>
+      <p:sp>
+        <p:nvSpPr>
+          <p:cNvPr id="5" name="Slide Number Placeholder 4">
+            <a:extLst>
+              <a:ext uri="{FF2B5EF4-FFF2-40B4-BE49-F238E27FC236}">
+                <a16:creationId xmlns:a16="http://schemas.microsoft.com/office/drawing/2014/main" id="{77EBB782-BBBE-C0EE-3135-8792B78438D6}"/>
+              </a:ext>
+            </a:extLst>
+          </p:cNvPr>
+          <p:cNvSpPr>
+            <a:spLocks noGrp="1"/>
+          </p:cNvSpPr>
+          <p:nvPr>
+            <p:ph type="sldNum" sz="quarter" idx="12"/>
+          </p:nvPr>
+        </p:nvSpPr>
+        <p:spPr/>
+        <p:txBody>
+          <a:bodyPr/>
+          <a:lstStyle/>
+          <a:p>
+            <a:fld id="{6480553B-0AA9-4774-8DA9-C49E531432C6}" type="slidenum">
+              <a:rPr lang="en-US" smtClean="0"/>
+              <a:t>6</a:t>
+            </a:fld>
+            <a:endParaRPr lang="en-US"/>
+          </a:p>
+        </p:txBody>
+      </p:sp>
+      <p:sp>
+        <p:nvSpPr>
+          <p:cNvPr id="2" name="Title 1">
+            <a:extLst>
+              <a:ext uri="{FF2B5EF4-FFF2-40B4-BE49-F238E27FC236}">
+                <a16:creationId xmlns:a16="http://schemas.microsoft.com/office/drawing/2014/main" id="{BCED22CF-8E78-BD57-6A0C-2BB3C2DDBD6E}"/>
+              </a:ext>
+            </a:extLst>
+          </p:cNvPr>
+          <p:cNvSpPr>
+            <a:spLocks noGrp="1"/>
+          </p:cNvSpPr>
+          <p:nvPr>
+            <p:ph type="title"/>
+          </p:nvPr>
+        </p:nvSpPr>
+        <p:spPr>
+          <a:xfrm>
+            <a:off x="309465" y="187584"/>
+            <a:ext cx="10515600" cy="1325563"/>
+          </a:xfrm>
+        </p:spPr>
+        <p:txBody>
+          <a:bodyPr/>
+          <a:lstStyle/>
+          <a:p>
+            <a:r>
+              <a:rPr lang="en-US" dirty="0"/>
+              <a:t>A Little History</a:t>
+            </a:r>
+          </a:p>
+        </p:txBody>
+      </p:sp>
+      <p:pic>
+        <p:nvPicPr>
+          <p:cNvPr id="2050" name="Picture 2">
+            <a:extLst>
+              <a:ext uri="{FF2B5EF4-FFF2-40B4-BE49-F238E27FC236}">
+                <a16:creationId xmlns:a16="http://schemas.microsoft.com/office/drawing/2014/main" id="{457E288B-72F9-0767-C0E3-085755F0BA6C}"/>
+              </a:ext>
+            </a:extLst>
+          </p:cNvPr>
+          <p:cNvPicPr>
+            <a:picLocks noChangeAspect="1" noChangeArrowheads="1"/>
+          </p:cNvPicPr>
+          <p:nvPr/>
+        </p:nvPicPr>
+        <p:blipFill>
+          <a:blip r:embed="rId2">
+            <a:extLst>
+              <a:ext uri="{28A0092B-C50C-407E-A947-70E740481C1C}">
+                <a14:useLocalDpi xmlns:a14="http://schemas.microsoft.com/office/drawing/2010/main" val="0"/>
+              </a:ext>
+            </a:extLst>
+          </a:blip>
+          <a:srcRect/>
+          <a:stretch>
+            <a:fillRect/>
+          </a:stretch>
+        </p:blipFill>
+        <p:spPr bwMode="auto">
+          <a:xfrm>
+            <a:off x="6414521" y="359021"/>
+            <a:ext cx="3779527" cy="2591676"/>
+          </a:xfrm>
+          <a:prstGeom prst="rect">
+            <a:avLst/>
+          </a:prstGeom>
+          <a:noFill/>
+          <a:extLst>
+            <a:ext uri="{909E8E84-426E-40DD-AFC4-6F175D3DCCD1}">
+              <a14:hiddenFill xmlns:a14="http://schemas.microsoft.com/office/drawing/2010/main">
+                <a:solidFill>
+                  <a:srgbClr val="FFFFFF"/>
+                </a:solidFill>
+              </a14:hiddenFill>
+            </a:ext>
+          </a:extLst>
+        </p:spPr>
+      </p:pic>
+      <p:pic>
+        <p:nvPicPr>
+          <p:cNvPr id="2052" name="Picture 4" descr="undefined">
+            <a:extLst>
+              <a:ext uri="{FF2B5EF4-FFF2-40B4-BE49-F238E27FC236}">
+                <a16:creationId xmlns:a16="http://schemas.microsoft.com/office/drawing/2014/main" id="{EEE6C4C8-D680-3890-5459-2D029685825E}"/>
+              </a:ext>
+            </a:extLst>
+          </p:cNvPr>
+          <p:cNvPicPr>
+            <a:picLocks noChangeAspect="1" noChangeArrowheads="1"/>
+          </p:cNvPicPr>
+          <p:nvPr/>
+        </p:nvPicPr>
+        <p:blipFill>
+          <a:blip r:embed="rId3">
+            <a:extLst>
+              <a:ext uri="{28A0092B-C50C-407E-A947-70E740481C1C}">
+                <a14:useLocalDpi xmlns:a14="http://schemas.microsoft.com/office/drawing/2010/main" val="0"/>
+              </a:ext>
+            </a:extLst>
+          </a:blip>
+          <a:srcRect/>
+          <a:stretch>
+            <a:fillRect/>
+          </a:stretch>
+        </p:blipFill>
+        <p:spPr bwMode="auto">
+          <a:xfrm>
+            <a:off x="6482663" y="3456945"/>
+            <a:ext cx="4677984" cy="2350686"/>
+          </a:xfrm>
+          <a:prstGeom prst="rect">
+            <a:avLst/>
+          </a:prstGeom>
+          <a:noFill/>
+          <a:extLst>
+            <a:ext uri="{909E8E84-426E-40DD-AFC4-6F175D3DCCD1}">
+              <a14:hiddenFill xmlns:a14="http://schemas.microsoft.com/office/drawing/2010/main">
+                <a:solidFill>
+                  <a:srgbClr val="FFFFFF"/>
+                </a:solidFill>
+              </a14:hiddenFill>
+            </a:ext>
+          </a:extLst>
+        </p:spPr>
+      </p:pic>
+      <p:sp>
+        <p:nvSpPr>
+          <p:cNvPr id="6" name="TextBox 5">
+            <a:extLst>
+              <a:ext uri="{FF2B5EF4-FFF2-40B4-BE49-F238E27FC236}">
+                <a16:creationId xmlns:a16="http://schemas.microsoft.com/office/drawing/2014/main" id="{0D7B0C9B-4A98-C2D0-89EC-46306BB4B061}"/>
+              </a:ext>
+            </a:extLst>
+          </p:cNvPr>
+          <p:cNvSpPr txBox="1"/>
+          <p:nvPr/>
+        </p:nvSpPr>
+        <p:spPr>
+          <a:xfrm>
+            <a:off x="6330973" y="2864789"/>
+            <a:ext cx="896399" cy="369332"/>
+          </a:xfrm>
+          <a:prstGeom prst="rect">
+            <a:avLst/>
+          </a:prstGeom>
+          <a:noFill/>
+        </p:spPr>
+        <p:txBody>
+          <a:bodyPr wrap="none" rtlCol="0">
+            <a:spAutoFit/>
+          </a:bodyPr>
+          <a:lstStyle/>
+          <a:p>
+            <a:r>
+              <a:rPr lang="en-US" dirty="0"/>
+              <a:t>VisiCalc</a:t>
+            </a:r>
+          </a:p>
+        </p:txBody>
+      </p:sp>
+      <p:sp>
+        <p:nvSpPr>
+          <p:cNvPr id="7" name="TextBox 6">
+            <a:extLst>
+              <a:ext uri="{FF2B5EF4-FFF2-40B4-BE49-F238E27FC236}">
+                <a16:creationId xmlns:a16="http://schemas.microsoft.com/office/drawing/2014/main" id="{A009D553-C48F-E20D-D20F-BC74960846C4}"/>
+              </a:ext>
+            </a:extLst>
+          </p:cNvPr>
+          <p:cNvSpPr txBox="1"/>
+          <p:nvPr/>
+        </p:nvSpPr>
+        <p:spPr>
+          <a:xfrm>
+            <a:off x="6358678" y="5703594"/>
+            <a:ext cx="657168" cy="369332"/>
+          </a:xfrm>
+          <a:prstGeom prst="rect">
+            <a:avLst/>
+          </a:prstGeom>
+          <a:noFill/>
+        </p:spPr>
+        <p:txBody>
+          <a:bodyPr wrap="none" rtlCol="0">
+            <a:spAutoFit/>
+          </a:bodyPr>
+          <a:lstStyle/>
+          <a:p>
+            <a:r>
+              <a:rPr lang="en-US" dirty="0"/>
+              <a:t>Excel</a:t>
+            </a:r>
+          </a:p>
+        </p:txBody>
+      </p:sp>
+    </p:spTree>
+    <p:extLst>
+      <p:ext uri="{BB962C8B-B14F-4D97-AF65-F5344CB8AC3E}">
+        <p14:creationId xmlns:p14="http://schemas.microsoft.com/office/powerpoint/2010/main" val="1450804264"/>
+      </p:ext>
+    </p:extLst>
+  </p:cSld>
+  <p:clrMapOvr>
+    <a:masterClrMapping/>
+  </p:clrMapOvr>
+</p:sld>
+</file>
+
+<file path=ppt/slides/slide7.xml><?xml version="1.0" encoding="utf-8"?>
+<p:sld xmlns:a="http://schemas.openxmlformats.org/drawingml/2006/main" xmlns:r="http://schemas.openxmlformats.org/officeDocument/2006/relationships" xmlns:p="http://schemas.openxmlformats.org/presentationml/2006/main">
+  <p:cSld>
+    <p:spTree>
+      <p:nvGrpSpPr>
+        <p:cNvPr id="1" name=""/>
+        <p:cNvGrpSpPr/>
+        <p:nvPr/>
+      </p:nvGrpSpPr>
+      <p:grpSpPr>
+        <a:xfrm>
+          <a:off x="0" y="0"/>
+          <a:ext cx="0" cy="0"/>
+          <a:chOff x="0" y="0"/>
+          <a:chExt cx="0" cy="0"/>
+        </a:xfrm>
+      </p:grpSpPr>
+      <p:sp>
+        <p:nvSpPr>
+          <p:cNvPr id="4" name="Title 3">
+            <a:extLst>
+              <a:ext uri="{FF2B5EF4-FFF2-40B4-BE49-F238E27FC236}">
+                <a16:creationId xmlns:a16="http://schemas.microsoft.com/office/drawing/2014/main" id="{2FEF55BC-DC27-AFFB-4021-0B4573307F86}"/>
+              </a:ext>
+            </a:extLst>
+          </p:cNvPr>
+          <p:cNvSpPr>
+            <a:spLocks noGrp="1"/>
+          </p:cNvSpPr>
+          <p:nvPr>
+            <p:ph type="title"/>
+          </p:nvPr>
+        </p:nvSpPr>
+        <p:spPr/>
+        <p:txBody>
+          <a:bodyPr/>
+          <a:lstStyle/>
+          <a:p>
+            <a:r>
+              <a:rPr lang="en-US" dirty="0"/>
+              <a:t>Python and Spreadsheet/Excel</a:t>
+            </a:r>
+          </a:p>
+        </p:txBody>
+      </p:sp>
+      <p:sp>
+        <p:nvSpPr>
+          <p:cNvPr id="5" name="Content Placeholder 4">
+            <a:extLst>
+              <a:ext uri="{FF2B5EF4-FFF2-40B4-BE49-F238E27FC236}">
+                <a16:creationId xmlns:a16="http://schemas.microsoft.com/office/drawing/2014/main" id="{BCDA83CA-5949-1A20-EE61-810C6646D664}"/>
+              </a:ext>
+            </a:extLst>
+          </p:cNvPr>
+          <p:cNvSpPr>
+            <a:spLocks noGrp="1"/>
+          </p:cNvSpPr>
+          <p:nvPr>
+            <p:ph idx="1"/>
+          </p:nvPr>
+        </p:nvSpPr>
+        <p:spPr/>
+        <p:txBody>
+          <a:bodyPr/>
+          <a:lstStyle/>
+          <a:p>
+            <a:r>
+              <a:rPr lang="en-US" dirty="0"/>
+              <a:t>Python </a:t>
+            </a:r>
+            <a:r>
+              <a:rPr lang="en-US" dirty="0">
+                <a:hlinkClick r:id="rId2"/>
+              </a:rPr>
+              <a:t>csv</a:t>
+            </a:r>
+            <a:r>
+              <a:rPr lang="en-US" dirty="0"/>
+              <a:t> module (built-in)</a:t>
+            </a:r>
+          </a:p>
+          <a:p>
+            <a:r>
+              <a:rPr lang="en-US" dirty="0"/>
+              <a:t>Packages include:</a:t>
+            </a:r>
+          </a:p>
+          <a:p>
+            <a:pPr lvl="1"/>
+            <a:r>
+              <a:rPr lang="en-US" dirty="0" err="1"/>
+              <a:t>openpyxl</a:t>
+            </a:r>
+            <a:endParaRPr lang="en-US" dirty="0"/>
+          </a:p>
+          <a:p>
+            <a:pPr lvl="1"/>
+            <a:r>
+              <a:rPr lang="en-US" dirty="0"/>
+              <a:t>Pandas (</a:t>
+            </a:r>
+            <a:r>
+              <a:rPr lang="en-US" dirty="0" err="1"/>
+              <a:t>openpyxl</a:t>
+            </a:r>
+            <a:r>
+              <a:rPr lang="en-US" dirty="0"/>
+              <a:t> default engine)</a:t>
+            </a:r>
+          </a:p>
+          <a:p>
+            <a:pPr lvl="1"/>
+            <a:r>
+              <a:rPr lang="en-US" dirty="0" err="1"/>
+              <a:t>xlrd</a:t>
+            </a:r>
+            <a:endParaRPr lang="en-US" dirty="0"/>
+          </a:p>
+          <a:p>
+            <a:pPr lvl="1"/>
+            <a:endParaRPr lang="en-US" dirty="0"/>
+          </a:p>
+        </p:txBody>
+      </p:sp>
+      <p:sp>
+        <p:nvSpPr>
+          <p:cNvPr id="2" name="Footer Placeholder 1">
+            <a:extLst>
+              <a:ext uri="{FF2B5EF4-FFF2-40B4-BE49-F238E27FC236}">
+                <a16:creationId xmlns:a16="http://schemas.microsoft.com/office/drawing/2014/main" id="{6A86CCE3-48BB-1181-0AE2-D5A326C7A87E}"/>
+              </a:ext>
+            </a:extLst>
+          </p:cNvPr>
+          <p:cNvSpPr>
+            <a:spLocks noGrp="1"/>
+          </p:cNvSpPr>
+          <p:nvPr>
+            <p:ph type="ftr" sz="quarter" idx="11"/>
+          </p:nvPr>
+        </p:nvSpPr>
+        <p:spPr/>
+        <p:txBody>
+          <a:bodyPr/>
+          <a:lstStyle/>
+          <a:p>
+            <a:r>
+              <a:rPr lang="en-US"/>
+              <a:t>https://github.com/jamesabel/spreadsheetdoeswhat</a:t>
+            </a:r>
+          </a:p>
+        </p:txBody>
+      </p:sp>
+      <p:sp>
+        <p:nvSpPr>
+          <p:cNvPr id="3" name="Slide Number Placeholder 2">
+            <a:extLst>
+              <a:ext uri="{FF2B5EF4-FFF2-40B4-BE49-F238E27FC236}">
+                <a16:creationId xmlns:a16="http://schemas.microsoft.com/office/drawing/2014/main" id="{29094476-3B53-D254-5FBB-72C8A8861594}"/>
+              </a:ext>
+            </a:extLst>
+          </p:cNvPr>
+          <p:cNvSpPr>
+            <a:spLocks noGrp="1"/>
+          </p:cNvSpPr>
+          <p:nvPr>
+            <p:ph type="sldNum" sz="quarter" idx="12"/>
+          </p:nvPr>
+        </p:nvSpPr>
+        <p:spPr/>
+        <p:txBody>
+          <a:bodyPr/>
+          <a:lstStyle/>
+          <a:p>
+            <a:fld id="{6480553B-0AA9-4774-8DA9-C49E531432C6}" type="slidenum">
+              <a:rPr lang="en-US" smtClean="0"/>
+              <a:t>7</a:t>
+            </a:fld>
+            <a:endParaRPr lang="en-US"/>
+          </a:p>
+        </p:txBody>
+      </p:sp>
+    </p:spTree>
+    <p:extLst>
+      <p:ext uri="{BB962C8B-B14F-4D97-AF65-F5344CB8AC3E}">
+        <p14:creationId xmlns:p14="http://schemas.microsoft.com/office/powerpoint/2010/main" val="3461908748"/>
+      </p:ext>
+    </p:extLst>
+  </p:cSld>
+  <p:clrMapOvr>
+    <a:masterClrMapping/>
+  </p:clrMapOvr>
+</p:sld>
+</file>
+
+<file path=ppt/slides/slide8.xml><?xml version="1.0" encoding="utf-8"?>
+<p:sld xmlns:a="http://schemas.openxmlformats.org/drawingml/2006/main" xmlns:r="http://schemas.openxmlformats.org/officeDocument/2006/relationships" xmlns:p="http://schemas.openxmlformats.org/presentationml/2006/main">
+  <p:cSld>
+    <p:spTree>
+      <p:nvGrpSpPr>
+        <p:cNvPr id="1" name=""/>
+        <p:cNvGrpSpPr/>
+        <p:nvPr/>
+      </p:nvGrpSpPr>
+      <p:grpSpPr>
+        <a:xfrm>
+          <a:off x="0" y="0"/>
+          <a:ext cx="0" cy="0"/>
+          <a:chOff x="0" y="0"/>
+          <a:chExt cx="0" cy="0"/>
+        </a:xfrm>
+      </p:grpSpPr>
+      <p:sp>
+        <p:nvSpPr>
+          <p:cNvPr id="4" name="Title 3">
+            <a:extLst>
+              <a:ext uri="{FF2B5EF4-FFF2-40B4-BE49-F238E27FC236}">
+                <a16:creationId xmlns:a16="http://schemas.microsoft.com/office/drawing/2014/main" id="{4B3CECE8-1535-9618-76DA-475ECCD0D538}"/>
+              </a:ext>
+            </a:extLst>
+          </p:cNvPr>
+          <p:cNvSpPr>
+            <a:spLocks noGrp="1"/>
+          </p:cNvSpPr>
+          <p:nvPr>
+            <p:ph type="title"/>
+          </p:nvPr>
+        </p:nvSpPr>
+        <p:spPr>
+          <a:xfrm>
+            <a:off x="420624" y="365125"/>
+            <a:ext cx="10933176" cy="1325563"/>
+          </a:xfrm>
+        </p:spPr>
+        <p:txBody>
+          <a:bodyPr>
+            <a:normAutofit fontScale="90000"/>
+          </a:bodyPr>
+          <a:lstStyle/>
+          <a:p>
+            <a:r>
+              <a:rPr lang="en-US" dirty="0"/>
+              <a:t>Tales From The Field </a:t>
+            </a:r>
+            <a:br>
+              <a:rPr lang="en-US" dirty="0"/>
+            </a:br>
+            <a:r>
+              <a:rPr lang="en-US" dirty="0"/>
+              <a:t>	or </a:t>
+            </a:r>
+            <a:br>
+              <a:rPr lang="en-US" dirty="0"/>
+            </a:br>
+            <a:r>
+              <a:rPr lang="en-US" dirty="0"/>
+              <a:t>Do I Really Need to Validate My Data?</a:t>
+            </a:r>
+          </a:p>
+        </p:txBody>
+      </p:sp>
+      <p:sp>
+        <p:nvSpPr>
+          <p:cNvPr id="2" name="Footer Placeholder 1">
+            <a:extLst>
+              <a:ext uri="{FF2B5EF4-FFF2-40B4-BE49-F238E27FC236}">
+                <a16:creationId xmlns:a16="http://schemas.microsoft.com/office/drawing/2014/main" id="{D93BA966-ACDA-3899-0E45-92C15EE5CE0B}"/>
+              </a:ext>
+            </a:extLst>
+          </p:cNvPr>
+          <p:cNvSpPr>
+            <a:spLocks noGrp="1"/>
+          </p:cNvSpPr>
+          <p:nvPr>
+            <p:ph type="ftr" sz="quarter" idx="11"/>
+          </p:nvPr>
+        </p:nvSpPr>
+        <p:spPr/>
+        <p:txBody>
+          <a:bodyPr/>
+          <a:lstStyle/>
+          <a:p>
+            <a:r>
+              <a:rPr lang="en-US"/>
+              <a:t>https://github.com/jamesabel/spreadsheetdoeswhat</a:t>
+            </a:r>
+          </a:p>
+        </p:txBody>
+      </p:sp>
+      <p:sp>
+        <p:nvSpPr>
+          <p:cNvPr id="3" name="Slide Number Placeholder 2">
+            <a:extLst>
+              <a:ext uri="{FF2B5EF4-FFF2-40B4-BE49-F238E27FC236}">
+                <a16:creationId xmlns:a16="http://schemas.microsoft.com/office/drawing/2014/main" id="{1682614E-21B2-2974-AAD4-959DD8A1C716}"/>
+              </a:ext>
+            </a:extLst>
+          </p:cNvPr>
+          <p:cNvSpPr>
+            <a:spLocks noGrp="1"/>
+          </p:cNvSpPr>
+          <p:nvPr>
+            <p:ph type="sldNum" sz="quarter" idx="12"/>
+          </p:nvPr>
+        </p:nvSpPr>
+        <p:spPr/>
+        <p:txBody>
+          <a:bodyPr/>
+          <a:lstStyle/>
+          <a:p>
+            <a:fld id="{6480553B-0AA9-4774-8DA9-C49E531432C6}" type="slidenum">
+              <a:rPr lang="en-US" smtClean="0"/>
+              <a:t>8</a:t>
+            </a:fld>
+            <a:endParaRPr lang="en-US"/>
+          </a:p>
+        </p:txBody>
+      </p:sp>
+      <p:sp>
+        <p:nvSpPr>
+          <p:cNvPr id="9" name="Content Placeholder 8">
+            <a:extLst>
+              <a:ext uri="{FF2B5EF4-FFF2-40B4-BE49-F238E27FC236}">
+                <a16:creationId xmlns:a16="http://schemas.microsoft.com/office/drawing/2014/main" id="{BD5DC427-9584-4B79-9436-CA3EEB264B5C}"/>
+              </a:ext>
+            </a:extLst>
+          </p:cNvPr>
+          <p:cNvSpPr>
+            <a:spLocks noGrp="1"/>
+          </p:cNvSpPr>
+          <p:nvPr>
+            <p:ph idx="1"/>
+          </p:nvPr>
+        </p:nvSpPr>
+        <p:spPr>
+          <a:xfrm>
+            <a:off x="420624" y="2176272"/>
+            <a:ext cx="11256264" cy="4022916"/>
+          </a:xfrm>
+        </p:spPr>
+        <p:txBody>
+          <a:bodyPr>
+            <a:normAutofit lnSpcReduction="10000"/>
+          </a:bodyPr>
+          <a:lstStyle/>
+          <a:p>
+            <a:pPr marL="0" indent="0">
+              <a:buNone/>
+            </a:pPr>
+            <a:r>
+              <a:rPr lang="en-US" sz="1800" dirty="0" err="1">
+                <a:latin typeface="Courier New" panose="02070309020205020404" pitchFamily="49" charset="0"/>
+                <a:cs typeface="Courier New" panose="02070309020205020404" pitchFamily="49" charset="0"/>
+              </a:rPr>
+              <a:t>wb</a:t>
+            </a:r>
+            <a:r>
+              <a:rPr lang="en-US" sz="1800" dirty="0">
+                <a:latin typeface="Courier New" panose="02070309020205020404" pitchFamily="49" charset="0"/>
+                <a:cs typeface="Courier New" panose="02070309020205020404" pitchFamily="49" charset="0"/>
+              </a:rPr>
+              <a:t> = </a:t>
+            </a:r>
+            <a:r>
+              <a:rPr lang="en-US" sz="1800" dirty="0" err="1">
+                <a:latin typeface="Courier New" panose="02070309020205020404" pitchFamily="49" charset="0"/>
+                <a:cs typeface="Courier New" panose="02070309020205020404" pitchFamily="49" charset="0"/>
+              </a:rPr>
+              <a:t>open_workbook</a:t>
+            </a:r>
+            <a:r>
+              <a:rPr lang="en-US" sz="1800" dirty="0">
+                <a:latin typeface="Courier New" panose="02070309020205020404" pitchFamily="49" charset="0"/>
+                <a:cs typeface="Courier New" panose="02070309020205020404" pitchFamily="49" charset="0"/>
+              </a:rPr>
+              <a:t>('totally_normal_spreadsheet.xls')</a:t>
+            </a:r>
+          </a:p>
+          <a:p>
+            <a:pPr marL="0" indent="0">
+              <a:buNone/>
+            </a:pPr>
+            <a:r>
+              <a:rPr lang="en-US" sz="1800" dirty="0" err="1">
+                <a:latin typeface="Courier New" panose="02070309020205020404" pitchFamily="49" charset="0"/>
+                <a:cs typeface="Courier New" panose="02070309020205020404" pitchFamily="49" charset="0"/>
+              </a:rPr>
+              <a:t>ws</a:t>
+            </a:r>
+            <a:r>
+              <a:rPr lang="en-US" sz="1800" dirty="0">
+                <a:latin typeface="Courier New" panose="02070309020205020404" pitchFamily="49" charset="0"/>
+                <a:cs typeface="Courier New" panose="02070309020205020404" pitchFamily="49" charset="0"/>
+              </a:rPr>
+              <a:t> = </a:t>
+            </a:r>
+            <a:r>
+              <a:rPr lang="en-US" sz="1800" dirty="0" err="1">
+                <a:latin typeface="Courier New" panose="02070309020205020404" pitchFamily="49" charset="0"/>
+                <a:cs typeface="Courier New" panose="02070309020205020404" pitchFamily="49" charset="0"/>
+              </a:rPr>
+              <a:t>wb.sheet_by_index</a:t>
+            </a:r>
+            <a:r>
+              <a:rPr lang="en-US" sz="1800" dirty="0">
+                <a:latin typeface="Courier New" panose="02070309020205020404" pitchFamily="49" charset="0"/>
+                <a:cs typeface="Courier New" panose="02070309020205020404" pitchFamily="49" charset="0"/>
+              </a:rPr>
+              <a:t>(0)</a:t>
+            </a:r>
+          </a:p>
+          <a:p>
+            <a:pPr marL="0" indent="0">
+              <a:buNone/>
+            </a:pPr>
+            <a:r>
+              <a:rPr lang="en-US" sz="1800" dirty="0">
+                <a:latin typeface="Courier New" panose="02070309020205020404" pitchFamily="49" charset="0"/>
+                <a:cs typeface="Courier New" panose="02070309020205020404" pitchFamily="49" charset="0"/>
+              </a:rPr>
+              <a:t>print("</a:t>
+            </a:r>
+            <a:r>
+              <a:rPr lang="en-US" sz="1800" dirty="0" err="1">
+                <a:latin typeface="Courier New" panose="02070309020205020404" pitchFamily="49" charset="0"/>
+                <a:cs typeface="Courier New" panose="02070309020205020404" pitchFamily="49" charset="0"/>
+              </a:rPr>
+              <a:t>xlrd</a:t>
+            </a:r>
+            <a:r>
+              <a:rPr lang="en-US" sz="1800" dirty="0">
+                <a:latin typeface="Courier New" panose="02070309020205020404" pitchFamily="49" charset="0"/>
+                <a:cs typeface="Courier New" panose="02070309020205020404" pitchFamily="49" charset="0"/>
+              </a:rPr>
+              <a:t>:")</a:t>
+            </a:r>
+          </a:p>
+          <a:p>
+            <a:pPr marL="0" indent="0">
+              <a:buNone/>
+            </a:pPr>
+            <a:r>
+              <a:rPr lang="en-US" sz="1800" dirty="0">
+                <a:latin typeface="Courier New" panose="02070309020205020404" pitchFamily="49" charset="0"/>
+                <a:cs typeface="Courier New" panose="02070309020205020404" pitchFamily="49" charset="0"/>
+              </a:rPr>
+              <a:t>for column in (0, 1, 2):</a:t>
+            </a:r>
+          </a:p>
+          <a:p>
+            <a:pPr marL="0" indent="0">
+              <a:buNone/>
+            </a:pPr>
+            <a:r>
+              <a:rPr lang="en-US" sz="1800" dirty="0">
+                <a:latin typeface="Courier New" panose="02070309020205020404" pitchFamily="49" charset="0"/>
+                <a:cs typeface="Courier New" panose="02070309020205020404" pitchFamily="49" charset="0"/>
+              </a:rPr>
+              <a:t>    value = </a:t>
+            </a:r>
+            <a:r>
+              <a:rPr lang="en-US" sz="1800" dirty="0" err="1">
+                <a:latin typeface="Courier New" panose="02070309020205020404" pitchFamily="49" charset="0"/>
+                <a:cs typeface="Courier New" panose="02070309020205020404" pitchFamily="49" charset="0"/>
+              </a:rPr>
+              <a:t>ws.cell</a:t>
+            </a:r>
+            <a:r>
+              <a:rPr lang="en-US" sz="1800" dirty="0">
+                <a:latin typeface="Courier New" panose="02070309020205020404" pitchFamily="49" charset="0"/>
+                <a:cs typeface="Courier New" panose="02070309020205020404" pitchFamily="49" charset="0"/>
+              </a:rPr>
+              <a:t>(1, column).value</a:t>
+            </a:r>
+          </a:p>
+          <a:p>
+            <a:pPr marL="0" indent="0">
+              <a:buNone/>
+            </a:pPr>
+            <a:r>
+              <a:rPr lang="en-US" sz="1800" dirty="0">
+                <a:latin typeface="Courier New" panose="02070309020205020404" pitchFamily="49" charset="0"/>
+                <a:cs typeface="Courier New" panose="02070309020205020404" pitchFamily="49" charset="0"/>
+              </a:rPr>
+              <a:t>    print(value, type(value))</a:t>
+            </a:r>
+          </a:p>
+          <a:p>
+            <a:pPr marL="0" indent="0">
+              <a:buNone/>
+            </a:pPr>
+            <a:endParaRPr lang="en-US" sz="1800" dirty="0">
+              <a:latin typeface="Courier New" panose="02070309020205020404" pitchFamily="49" charset="0"/>
+              <a:cs typeface="Courier New" panose="02070309020205020404" pitchFamily="49" charset="0"/>
+            </a:endParaRPr>
+          </a:p>
+          <a:p>
+            <a:pPr marL="0" indent="0">
+              <a:buNone/>
+            </a:pPr>
+            <a:r>
+              <a:rPr lang="en-US" sz="1800" dirty="0" err="1">
+                <a:latin typeface="Courier New" panose="02070309020205020404" pitchFamily="49" charset="0"/>
+                <a:cs typeface="Courier New" panose="02070309020205020404" pitchFamily="49" charset="0"/>
+              </a:rPr>
+              <a:t>xlrd</a:t>
+            </a:r>
+            <a:r>
+              <a:rPr lang="en-US" sz="1800" dirty="0">
+                <a:latin typeface="Courier New" panose="02070309020205020404" pitchFamily="49" charset="0"/>
+                <a:cs typeface="Courier New" panose="02070309020205020404" pitchFamily="49" charset="0"/>
+              </a:rPr>
+              <a:t>:</a:t>
+            </a:r>
+          </a:p>
+          <a:p>
+            <a:pPr marL="0" indent="0">
+              <a:buNone/>
+            </a:pPr>
+            <a:r>
+              <a:rPr lang="en-US" sz="1800" dirty="0">
+                <a:latin typeface="Courier New" panose="02070309020205020404" pitchFamily="49" charset="0"/>
+                <a:cs typeface="Courier New" panose="02070309020205020404" pitchFamily="49" charset="0"/>
+              </a:rPr>
+              <a:t>2.0 &lt;class 'float'&gt;</a:t>
+            </a:r>
+          </a:p>
+          <a:p>
+            <a:pPr marL="0" indent="0">
+              <a:buNone/>
+            </a:pPr>
+            <a:r>
+              <a:rPr lang="en-US" sz="1800" dirty="0">
+                <a:latin typeface="Courier New" panose="02070309020205020404" pitchFamily="49" charset="0"/>
+                <a:cs typeface="Courier New" panose="02070309020205020404" pitchFamily="49" charset="0"/>
+              </a:rPr>
+              <a:t>0.0 &lt;class 'float'&gt;</a:t>
+            </a:r>
+          </a:p>
+          <a:p>
+            <a:pPr marL="0" indent="0">
+              <a:buNone/>
+            </a:pPr>
+            <a:r>
+              <a:rPr lang="en-US" sz="1800" dirty="0">
+                <a:highlight>
+                  <a:srgbClr val="FFFF00"/>
+                </a:highlight>
+                <a:latin typeface="Courier New" panose="02070309020205020404" pitchFamily="49" charset="0"/>
+                <a:cs typeface="Courier New" panose="02070309020205020404" pitchFamily="49" charset="0"/>
+              </a:rPr>
+              <a:t>7 &lt;class 'int'&gt;</a:t>
+            </a:r>
+          </a:p>
+        </p:txBody>
+      </p:sp>
+      <p:pic>
+        <p:nvPicPr>
+          <p:cNvPr id="13" name="Picture 12">
+            <a:extLst>
+              <a:ext uri="{FF2B5EF4-FFF2-40B4-BE49-F238E27FC236}">
+                <a16:creationId xmlns:a16="http://schemas.microsoft.com/office/drawing/2014/main" id="{1159FF55-3FE6-BADF-5FCE-A26637A26A77}"/>
+              </a:ext>
+            </a:extLst>
+          </p:cNvPr>
+          <p:cNvPicPr>
+            <a:picLocks noChangeAspect="1"/>
+          </p:cNvPicPr>
+          <p:nvPr/>
+        </p:nvPicPr>
+        <p:blipFill>
+          <a:blip r:embed="rId2"/>
+          <a:stretch>
+            <a:fillRect/>
+          </a:stretch>
+        </p:blipFill>
+        <p:spPr>
+          <a:xfrm>
+            <a:off x="6222492" y="2988945"/>
+            <a:ext cx="5326380" cy="1953006"/>
+          </a:xfrm>
+          <a:prstGeom prst="rect">
+            <a:avLst/>
+          </a:prstGeom>
+        </p:spPr>
+      </p:pic>
+      <p:sp>
+        <p:nvSpPr>
+          <p:cNvPr id="14" name="TextBox 13">
+            <a:extLst>
+              <a:ext uri="{FF2B5EF4-FFF2-40B4-BE49-F238E27FC236}">
+                <a16:creationId xmlns:a16="http://schemas.microsoft.com/office/drawing/2014/main" id="{8A276F27-9B39-0083-DEC9-F6E76E0ED961}"/>
+              </a:ext>
+            </a:extLst>
+          </p:cNvPr>
+          <p:cNvSpPr txBox="1"/>
+          <p:nvPr/>
+        </p:nvSpPr>
+        <p:spPr>
+          <a:xfrm>
+            <a:off x="3748507" y="4645199"/>
+            <a:ext cx="3079689" cy="1200329"/>
+          </a:xfrm>
+          <a:prstGeom prst="rect">
+            <a:avLst/>
+          </a:prstGeom>
+          <a:noFill/>
+        </p:spPr>
+        <p:txBody>
+          <a:bodyPr wrap="none" rtlCol="0">
+            <a:spAutoFit/>
+          </a:bodyPr>
+          <a:lstStyle/>
+          <a:p>
+            <a:r>
+              <a:rPr lang="en-US" dirty="0" err="1">
+                <a:latin typeface="Courier New" panose="02070309020205020404" pitchFamily="49" charset="0"/>
+                <a:cs typeface="Courier New" panose="02070309020205020404" pitchFamily="49" charset="0"/>
+              </a:rPr>
+              <a:t>openpyxl</a:t>
+            </a:r>
+            <a:r>
+              <a:rPr lang="en-US" dirty="0">
+                <a:latin typeface="Courier New" panose="02070309020205020404" pitchFamily="49" charset="0"/>
+                <a:cs typeface="Courier New" panose="02070309020205020404" pitchFamily="49" charset="0"/>
+              </a:rPr>
+              <a:t>:</a:t>
+            </a:r>
+          </a:p>
+          <a:p>
+            <a:r>
+              <a:rPr lang="en-US" dirty="0">
+                <a:latin typeface="Courier New" panose="02070309020205020404" pitchFamily="49" charset="0"/>
+                <a:cs typeface="Courier New" panose="02070309020205020404" pitchFamily="49" charset="0"/>
+              </a:rPr>
+              <a:t>2 &lt;class 'int'&gt;</a:t>
+            </a:r>
+          </a:p>
+          <a:p>
+            <a:r>
+              <a:rPr lang="en-US" dirty="0">
+                <a:latin typeface="Courier New" panose="02070309020205020404" pitchFamily="49" charset="0"/>
+                <a:cs typeface="Courier New" panose="02070309020205020404" pitchFamily="49" charset="0"/>
+              </a:rPr>
+              <a:t>0 &lt;class 'int'&gt;</a:t>
+            </a:r>
+          </a:p>
+          <a:p>
+            <a:r>
+              <a:rPr lang="en-US" dirty="0">
+                <a:latin typeface="Courier New" panose="02070309020205020404" pitchFamily="49" charset="0"/>
+                <a:cs typeface="Courier New" panose="02070309020205020404" pitchFamily="49" charset="0"/>
+              </a:rPr>
+              <a:t>#DIV/0! &lt;class 'str'&gt;</a:t>
+            </a:r>
+          </a:p>
+        </p:txBody>
+      </p:sp>
+    </p:spTree>
+    <p:extLst>
+      <p:ext uri="{BB962C8B-B14F-4D97-AF65-F5344CB8AC3E}">
+        <p14:creationId xmlns:p14="http://schemas.microsoft.com/office/powerpoint/2010/main" val="3537526014"/>
+      </p:ext>
+    </p:extLst>
+  </p:cSld>
+  <p:clrMapOvr>
+    <a:masterClrMapping/>
+  </p:clrMapOvr>
+</p:sld>
+</file>
+
+<file path=ppt/slides/slide9.xml><?xml version="1.0" encoding="utf-8"?>
+<p:sld xmlns:a="http://schemas.openxmlformats.org/drawingml/2006/main" xmlns:r="http://schemas.openxmlformats.org/officeDocument/2006/relationships" xmlns:p="http://schemas.openxmlformats.org/presentationml/2006/main">
+  <p:cSld>
+    <p:spTree>
+      <p:nvGrpSpPr>
+        <p:cNvPr id="1" name=""/>
+        <p:cNvGrpSpPr/>
+        <p:nvPr/>
+      </p:nvGrpSpPr>
+      <p:grpSpPr>
+        <a:xfrm>
+          <a:off x="0" y="0"/>
+          <a:ext cx="0" cy="0"/>
+          <a:chOff x="0" y="0"/>
+          <a:chExt cx="0" cy="0"/>
+        </a:xfrm>
+      </p:grpSpPr>
+      <p:sp>
+        <p:nvSpPr>
+          <p:cNvPr id="4" name="Title 3">
+            <a:extLst>
+              <a:ext uri="{FF2B5EF4-FFF2-40B4-BE49-F238E27FC236}">
+                <a16:creationId xmlns:a16="http://schemas.microsoft.com/office/drawing/2014/main" id="{4B3CECE8-1535-9618-76DA-475ECCD0D538}"/>
+              </a:ext>
+            </a:extLst>
+          </p:cNvPr>
+          <p:cNvSpPr>
+            <a:spLocks noGrp="1"/>
+          </p:cNvSpPr>
+          <p:nvPr>
+            <p:ph type="title"/>
+          </p:nvPr>
+        </p:nvSpPr>
+        <p:spPr>
+          <a:xfrm>
+            <a:off x="351109" y="185006"/>
+            <a:ext cx="10933176" cy="1325563"/>
+          </a:xfrm>
+        </p:spPr>
+        <p:txBody>
+          <a:bodyPr>
+            <a:normAutofit/>
+          </a:bodyPr>
+          <a:lstStyle/>
+          <a:p>
+            <a:r>
+              <a:rPr lang="en-US" dirty="0"/>
+              <a:t>Tales From The Field </a:t>
+            </a:r>
+          </a:p>
+        </p:txBody>
+      </p:sp>
+      <p:sp>
+        <p:nvSpPr>
+          <p:cNvPr id="2" name="Footer Placeholder 1">
+            <a:extLst>
+              <a:ext uri="{FF2B5EF4-FFF2-40B4-BE49-F238E27FC236}">
+                <a16:creationId xmlns:a16="http://schemas.microsoft.com/office/drawing/2014/main" id="{D93BA966-ACDA-3899-0E45-92C15EE5CE0B}"/>
+              </a:ext>
+            </a:extLst>
+          </p:cNvPr>
+          <p:cNvSpPr>
+            <a:spLocks noGrp="1"/>
+          </p:cNvSpPr>
+          <p:nvPr>
+            <p:ph type="ftr" sz="quarter" idx="11"/>
+          </p:nvPr>
+        </p:nvSpPr>
+        <p:spPr/>
+        <p:txBody>
+          <a:bodyPr/>
+          <a:lstStyle/>
+          <a:p>
+            <a:r>
+              <a:rPr lang="en-US"/>
+              <a:t>https://github.com/jamesabel/spreadsheetdoeswhat</a:t>
+            </a:r>
+          </a:p>
+        </p:txBody>
+      </p:sp>
+      <p:sp>
+        <p:nvSpPr>
+          <p:cNvPr id="3" name="Slide Number Placeholder 2">
+            <a:extLst>
+              <a:ext uri="{FF2B5EF4-FFF2-40B4-BE49-F238E27FC236}">
+                <a16:creationId xmlns:a16="http://schemas.microsoft.com/office/drawing/2014/main" id="{1682614E-21B2-2974-AAD4-959DD8A1C716}"/>
+              </a:ext>
+            </a:extLst>
+          </p:cNvPr>
+          <p:cNvSpPr>
+            <a:spLocks noGrp="1"/>
+          </p:cNvSpPr>
+          <p:nvPr>
+            <p:ph type="sldNum" sz="quarter" idx="12"/>
+          </p:nvPr>
+        </p:nvSpPr>
+        <p:spPr/>
+        <p:txBody>
+          <a:bodyPr/>
+          <a:lstStyle/>
+          <a:p>
+            <a:fld id="{6480553B-0AA9-4774-8DA9-C49E531432C6}" type="slidenum">
+              <a:rPr lang="en-US" smtClean="0"/>
+              <a:t>9</a:t>
+            </a:fld>
+            <a:endParaRPr lang="en-US"/>
+          </a:p>
+        </p:txBody>
+      </p:sp>
+      <p:sp>
+        <p:nvSpPr>
+          <p:cNvPr id="9" name="Content Placeholder 8">
+            <a:extLst>
+              <a:ext uri="{FF2B5EF4-FFF2-40B4-BE49-F238E27FC236}">
+                <a16:creationId xmlns:a16="http://schemas.microsoft.com/office/drawing/2014/main" id="{BD5DC427-9584-4B79-9436-CA3EEB264B5C}"/>
+              </a:ext>
+            </a:extLst>
+          </p:cNvPr>
+          <p:cNvSpPr>
+            <a:spLocks noGrp="1"/>
+          </p:cNvSpPr>
+          <p:nvPr>
+            <p:ph idx="1"/>
+          </p:nvPr>
+        </p:nvSpPr>
+        <p:spPr>
+          <a:xfrm>
+            <a:off x="650561" y="1737787"/>
+            <a:ext cx="11256264" cy="4022916"/>
+          </a:xfrm>
+        </p:spPr>
+        <p:txBody>
+          <a:bodyPr>
+            <a:normAutofit fontScale="92500" lnSpcReduction="20000"/>
+          </a:bodyPr>
+          <a:lstStyle/>
+          <a:p>
+            <a:pPr marL="0" indent="0">
+              <a:buNone/>
+            </a:pPr>
+            <a:r>
+              <a:rPr lang="en-US" sz="1800" dirty="0" err="1">
+                <a:latin typeface="Courier New" panose="02070309020205020404" pitchFamily="49" charset="0"/>
+                <a:cs typeface="Courier New" panose="02070309020205020404" pitchFamily="49" charset="0"/>
+              </a:rPr>
+              <a:t>wb</a:t>
+            </a:r>
+            <a:r>
+              <a:rPr lang="en-US" sz="1800" dirty="0">
+                <a:latin typeface="Courier New" panose="02070309020205020404" pitchFamily="49" charset="0"/>
+                <a:cs typeface="Courier New" panose="02070309020205020404" pitchFamily="49" charset="0"/>
+              </a:rPr>
+              <a:t> = </a:t>
+            </a:r>
+            <a:r>
+              <a:rPr lang="en-US" sz="1800" dirty="0" err="1">
+                <a:latin typeface="Courier New" panose="02070309020205020404" pitchFamily="49" charset="0"/>
+                <a:cs typeface="Courier New" panose="02070309020205020404" pitchFamily="49" charset="0"/>
+              </a:rPr>
+              <a:t>load_workbook</a:t>
+            </a:r>
+            <a:r>
+              <a:rPr lang="en-US" sz="1800" dirty="0">
+                <a:latin typeface="Courier New" panose="02070309020205020404" pitchFamily="49" charset="0"/>
+                <a:cs typeface="Courier New" panose="02070309020205020404" pitchFamily="49" charset="0"/>
+              </a:rPr>
+              <a:t>('o_no.xlsx', </a:t>
+            </a:r>
+            <a:r>
+              <a:rPr lang="en-US" sz="1800" dirty="0" err="1">
+                <a:latin typeface="Courier New" panose="02070309020205020404" pitchFamily="49" charset="0"/>
+                <a:cs typeface="Courier New" panose="02070309020205020404" pitchFamily="49" charset="0"/>
+              </a:rPr>
+              <a:t>data_only</a:t>
+            </a:r>
+            <a:r>
+              <a:rPr lang="en-US" sz="1800" dirty="0">
+                <a:latin typeface="Courier New" panose="02070309020205020404" pitchFamily="49" charset="0"/>
+                <a:cs typeface="Courier New" panose="02070309020205020404" pitchFamily="49" charset="0"/>
+              </a:rPr>
+              <a:t>=True)</a:t>
+            </a:r>
+          </a:p>
+          <a:p>
+            <a:pPr marL="0" indent="0">
+              <a:buNone/>
+            </a:pPr>
+            <a:r>
+              <a:rPr lang="en-US" sz="1800" dirty="0" err="1">
+                <a:latin typeface="Courier New" panose="02070309020205020404" pitchFamily="49" charset="0"/>
+                <a:cs typeface="Courier New" panose="02070309020205020404" pitchFamily="49" charset="0"/>
+              </a:rPr>
+              <a:t>ws</a:t>
+            </a:r>
+            <a:r>
+              <a:rPr lang="en-US" sz="1800" dirty="0">
+                <a:latin typeface="Courier New" panose="02070309020205020404" pitchFamily="49" charset="0"/>
+                <a:cs typeface="Courier New" panose="02070309020205020404" pitchFamily="49" charset="0"/>
+              </a:rPr>
+              <a:t> = </a:t>
+            </a:r>
+            <a:r>
+              <a:rPr lang="en-US" sz="1800" dirty="0" err="1">
+                <a:latin typeface="Courier New" panose="02070309020205020404" pitchFamily="49" charset="0"/>
+                <a:cs typeface="Courier New" panose="02070309020205020404" pitchFamily="49" charset="0"/>
+              </a:rPr>
+              <a:t>wb.active</a:t>
+            </a:r>
+            <a:endParaRPr lang="en-US" sz="1800" dirty="0">
+              <a:latin typeface="Courier New" panose="02070309020205020404" pitchFamily="49" charset="0"/>
+              <a:cs typeface="Courier New" panose="02070309020205020404" pitchFamily="49" charset="0"/>
+            </a:endParaRPr>
+          </a:p>
+          <a:p>
+            <a:pPr marL="0" indent="0">
+              <a:buNone/>
+            </a:pPr>
+            <a:r>
+              <a:rPr lang="en-US" sz="1800" dirty="0">
+                <a:latin typeface="Courier New" panose="02070309020205020404" pitchFamily="49" charset="0"/>
+                <a:cs typeface="Courier New" panose="02070309020205020404" pitchFamily="49" charset="0"/>
+              </a:rPr>
+              <a:t>a = </a:t>
+            </a:r>
+            <a:r>
+              <a:rPr lang="en-US" sz="1800" dirty="0" err="1">
+                <a:latin typeface="Courier New" panose="02070309020205020404" pitchFamily="49" charset="0"/>
+                <a:cs typeface="Courier New" panose="02070309020205020404" pitchFamily="49" charset="0"/>
+              </a:rPr>
+              <a:t>ws</a:t>
+            </a:r>
+            <a:r>
+              <a:rPr lang="en-US" sz="1800" dirty="0">
+                <a:latin typeface="Courier New" panose="02070309020205020404" pitchFamily="49" charset="0"/>
+                <a:cs typeface="Courier New" panose="02070309020205020404" pitchFamily="49" charset="0"/>
+              </a:rPr>
+              <a:t>["A2"].value</a:t>
+            </a:r>
+          </a:p>
+          <a:p>
+            <a:pPr marL="0" indent="0">
+              <a:buNone/>
+            </a:pPr>
+            <a:r>
+              <a:rPr lang="en-US" sz="1800" dirty="0">
+                <a:latin typeface="Courier New" panose="02070309020205020404" pitchFamily="49" charset="0"/>
+                <a:cs typeface="Courier New" panose="02070309020205020404" pitchFamily="49" charset="0"/>
+              </a:rPr>
+              <a:t>b = </a:t>
+            </a:r>
+            <a:r>
+              <a:rPr lang="en-US" sz="1800" dirty="0" err="1">
+                <a:latin typeface="Courier New" panose="02070309020205020404" pitchFamily="49" charset="0"/>
+                <a:cs typeface="Courier New" panose="02070309020205020404" pitchFamily="49" charset="0"/>
+              </a:rPr>
+              <a:t>ws</a:t>
+            </a:r>
+            <a:r>
+              <a:rPr lang="en-US" sz="1800" dirty="0">
+                <a:latin typeface="Courier New" panose="02070309020205020404" pitchFamily="49" charset="0"/>
+                <a:cs typeface="Courier New" panose="02070309020205020404" pitchFamily="49" charset="0"/>
+              </a:rPr>
+              <a:t>["A3"].value</a:t>
+            </a:r>
+          </a:p>
+          <a:p>
+            <a:pPr marL="0" indent="0">
+              <a:buNone/>
+            </a:pPr>
+            <a:r>
+              <a:rPr lang="en-US" sz="1800" dirty="0" err="1">
+                <a:latin typeface="Courier New" panose="02070309020205020404" pitchFamily="49" charset="0"/>
+                <a:cs typeface="Courier New" panose="02070309020205020404" pitchFamily="49" charset="0"/>
+              </a:rPr>
+              <a:t>a_bool</a:t>
+            </a:r>
+            <a:r>
+              <a:rPr lang="en-US" sz="1800" dirty="0">
+                <a:latin typeface="Courier New" panose="02070309020205020404" pitchFamily="49" charset="0"/>
+                <a:cs typeface="Courier New" panose="02070309020205020404" pitchFamily="49" charset="0"/>
+              </a:rPr>
+              <a:t> = bool(a)</a:t>
+            </a:r>
+          </a:p>
+          <a:p>
+            <a:pPr marL="0" indent="0">
+              <a:buNone/>
+            </a:pPr>
+            <a:r>
+              <a:rPr lang="en-US" sz="1800" dirty="0" err="1">
+                <a:latin typeface="Courier New" panose="02070309020205020404" pitchFamily="49" charset="0"/>
+                <a:cs typeface="Courier New" panose="02070309020205020404" pitchFamily="49" charset="0"/>
+              </a:rPr>
+              <a:t>b_bool</a:t>
+            </a:r>
+            <a:r>
+              <a:rPr lang="en-US" sz="1800" dirty="0">
+                <a:latin typeface="Courier New" panose="02070309020205020404" pitchFamily="49" charset="0"/>
+                <a:cs typeface="Courier New" panose="02070309020205020404" pitchFamily="49" charset="0"/>
+              </a:rPr>
+              <a:t> = </a:t>
+            </a:r>
+            <a:r>
+              <a:rPr lang="en-US" sz="1800" dirty="0">
+                <a:highlight>
+                  <a:srgbClr val="FFFF00"/>
+                </a:highlight>
+                <a:latin typeface="Courier New" panose="02070309020205020404" pitchFamily="49" charset="0"/>
+                <a:cs typeface="Courier New" panose="02070309020205020404" pitchFamily="49" charset="0"/>
+              </a:rPr>
+              <a:t>bool(b)</a:t>
+            </a:r>
+          </a:p>
+          <a:p>
+            <a:pPr marL="0" indent="0">
+              <a:buNone/>
+            </a:pPr>
+            <a:r>
+              <a:rPr lang="en-US" sz="1800" dirty="0">
+                <a:latin typeface="Courier New" panose="02070309020205020404" pitchFamily="49" charset="0"/>
+                <a:cs typeface="Courier New" panose="02070309020205020404" pitchFamily="49" charset="0"/>
+              </a:rPr>
+              <a:t>print("</a:t>
+            </a:r>
+            <a:r>
+              <a:rPr lang="en-US" sz="1800" dirty="0" err="1">
+                <a:latin typeface="Courier New" panose="02070309020205020404" pitchFamily="49" charset="0"/>
+                <a:cs typeface="Courier New" panose="02070309020205020404" pitchFamily="49" charset="0"/>
+              </a:rPr>
+              <a:t>openpyxl</a:t>
+            </a:r>
+            <a:r>
+              <a:rPr lang="en-US" sz="1800" dirty="0">
+                <a:latin typeface="Courier New" panose="02070309020205020404" pitchFamily="49" charset="0"/>
+                <a:cs typeface="Courier New" panose="02070309020205020404" pitchFamily="49" charset="0"/>
+              </a:rPr>
+              <a:t>")</a:t>
+            </a:r>
+          </a:p>
+          <a:p>
+            <a:pPr marL="0" indent="0">
+              <a:buNone/>
+            </a:pPr>
+            <a:r>
+              <a:rPr lang="en-US" sz="1800" dirty="0">
+                <a:latin typeface="Courier New" panose="02070309020205020404" pitchFamily="49" charset="0"/>
+                <a:cs typeface="Courier New" panose="02070309020205020404" pitchFamily="49" charset="0"/>
+              </a:rPr>
+              <a:t>print("a", a, type(a), </a:t>
+            </a:r>
+            <a:r>
+              <a:rPr lang="en-US" sz="1800" dirty="0" err="1">
+                <a:latin typeface="Courier New" panose="02070309020205020404" pitchFamily="49" charset="0"/>
+                <a:cs typeface="Courier New" panose="02070309020205020404" pitchFamily="49" charset="0"/>
+              </a:rPr>
+              <a:t>a_bool</a:t>
+            </a:r>
+            <a:r>
+              <a:rPr lang="en-US" sz="1800" dirty="0">
+                <a:latin typeface="Courier New" panose="02070309020205020404" pitchFamily="49" charset="0"/>
+                <a:cs typeface="Courier New" panose="02070309020205020404" pitchFamily="49" charset="0"/>
+              </a:rPr>
+              <a:t>)</a:t>
+            </a:r>
+          </a:p>
+          <a:p>
+            <a:pPr marL="0" indent="0">
+              <a:buNone/>
+            </a:pPr>
+            <a:r>
+              <a:rPr lang="en-US" sz="1800" dirty="0">
+                <a:latin typeface="Courier New" panose="02070309020205020404" pitchFamily="49" charset="0"/>
+                <a:cs typeface="Courier New" panose="02070309020205020404" pitchFamily="49" charset="0"/>
+              </a:rPr>
+              <a:t>print("b", b, type(b), </a:t>
+            </a:r>
+            <a:r>
+              <a:rPr lang="en-US" sz="1800" dirty="0" err="1">
+                <a:latin typeface="Courier New" panose="02070309020205020404" pitchFamily="49" charset="0"/>
+                <a:cs typeface="Courier New" panose="02070309020205020404" pitchFamily="49" charset="0"/>
+              </a:rPr>
+              <a:t>b_bool</a:t>
+            </a:r>
+            <a:r>
+              <a:rPr lang="en-US" sz="1800" dirty="0">
+                <a:latin typeface="Courier New" panose="02070309020205020404" pitchFamily="49" charset="0"/>
+                <a:cs typeface="Courier New" panose="02070309020205020404" pitchFamily="49" charset="0"/>
+              </a:rPr>
+              <a:t>)</a:t>
+            </a:r>
+          </a:p>
+          <a:p>
+            <a:pPr marL="0" indent="0">
+              <a:buNone/>
+            </a:pPr>
+            <a:endParaRPr lang="en-US" sz="1800" dirty="0">
+              <a:latin typeface="Courier New" panose="02070309020205020404" pitchFamily="49" charset="0"/>
+              <a:cs typeface="Courier New" panose="02070309020205020404" pitchFamily="49" charset="0"/>
+            </a:endParaRPr>
+          </a:p>
+          <a:p>
+            <a:pPr marL="0" indent="0">
+              <a:buNone/>
+            </a:pPr>
+            <a:r>
+              <a:rPr lang="en-US" sz="1800" dirty="0" err="1">
+                <a:latin typeface="Courier New" panose="02070309020205020404" pitchFamily="49" charset="0"/>
+                <a:cs typeface="Courier New" panose="02070309020205020404" pitchFamily="49" charset="0"/>
+              </a:rPr>
+              <a:t>openpyxl</a:t>
+            </a:r>
+            <a:endParaRPr lang="en-US" sz="1800" dirty="0">
+              <a:latin typeface="Courier New" panose="02070309020205020404" pitchFamily="49" charset="0"/>
+              <a:cs typeface="Courier New" panose="02070309020205020404" pitchFamily="49" charset="0"/>
+            </a:endParaRPr>
+          </a:p>
+          <a:p>
+            <a:pPr marL="0" indent="0">
+              <a:buNone/>
+            </a:pPr>
+            <a:r>
+              <a:rPr lang="en-US" sz="1800" dirty="0">
+                <a:latin typeface="Courier New" panose="02070309020205020404" pitchFamily="49" charset="0"/>
+                <a:cs typeface="Courier New" panose="02070309020205020404" pitchFamily="49" charset="0"/>
+              </a:rPr>
+              <a:t>a 0 &lt;class 'int'&gt; </a:t>
+            </a:r>
+            <a:r>
+              <a:rPr lang="en-US" sz="1800" b="1" dirty="0">
+                <a:latin typeface="Courier New" panose="02070309020205020404" pitchFamily="49" charset="0"/>
+                <a:cs typeface="Courier New" panose="02070309020205020404" pitchFamily="49" charset="0"/>
+              </a:rPr>
+              <a:t>False</a:t>
+            </a:r>
+          </a:p>
+          <a:p>
+            <a:pPr marL="0" indent="0">
+              <a:buNone/>
+            </a:pPr>
+            <a:r>
+              <a:rPr lang="en-US" sz="1800" dirty="0">
+                <a:latin typeface="Courier New" panose="02070309020205020404" pitchFamily="49" charset="0"/>
+                <a:cs typeface="Courier New" panose="02070309020205020404" pitchFamily="49" charset="0"/>
+              </a:rPr>
+              <a:t>b O &lt;class 'str'&gt; </a:t>
+            </a:r>
+            <a:r>
+              <a:rPr lang="en-US" sz="1800" b="1" dirty="0">
+                <a:highlight>
+                  <a:srgbClr val="FFFF00"/>
+                </a:highlight>
+                <a:latin typeface="Courier New" panose="02070309020205020404" pitchFamily="49" charset="0"/>
+                <a:cs typeface="Courier New" panose="02070309020205020404" pitchFamily="49" charset="0"/>
+              </a:rPr>
+              <a:t>True</a:t>
+            </a:r>
+          </a:p>
+        </p:txBody>
+      </p:sp>
+      <p:pic>
+        <p:nvPicPr>
+          <p:cNvPr id="6" name="Picture 5">
+            <a:extLst>
+              <a:ext uri="{FF2B5EF4-FFF2-40B4-BE49-F238E27FC236}">
+                <a16:creationId xmlns:a16="http://schemas.microsoft.com/office/drawing/2014/main" id="{35E25D88-EDE9-5D26-E781-6275E5F75FFA}"/>
+              </a:ext>
+            </a:extLst>
+          </p:cNvPr>
+          <p:cNvPicPr>
+            <a:picLocks noChangeAspect="1"/>
+          </p:cNvPicPr>
+          <p:nvPr/>
+        </p:nvPicPr>
+        <p:blipFill>
+          <a:blip r:embed="rId2"/>
+          <a:stretch>
+            <a:fillRect/>
+          </a:stretch>
+        </p:blipFill>
+        <p:spPr>
+          <a:xfrm>
+            <a:off x="6459093" y="2704338"/>
+            <a:ext cx="4437556" cy="2166366"/>
+          </a:xfrm>
+          <a:prstGeom prst="rect">
+            <a:avLst/>
+          </a:prstGeom>
+        </p:spPr>
+      </p:pic>
+      <p:sp>
+        <p:nvSpPr>
+          <p:cNvPr id="7" name="TextBox 6">
+            <a:extLst>
+              <a:ext uri="{FF2B5EF4-FFF2-40B4-BE49-F238E27FC236}">
+                <a16:creationId xmlns:a16="http://schemas.microsoft.com/office/drawing/2014/main" id="{8F24AC1C-9010-1FE2-2E2B-12F70166AA2B}"/>
+              </a:ext>
+            </a:extLst>
+          </p:cNvPr>
+          <p:cNvSpPr txBox="1"/>
+          <p:nvPr/>
+        </p:nvSpPr>
+        <p:spPr>
+          <a:xfrm>
+            <a:off x="6459093" y="5031874"/>
+            <a:ext cx="2423549" cy="646331"/>
+          </a:xfrm>
+          <a:prstGeom prst="rect">
+            <a:avLst/>
+          </a:prstGeom>
+          <a:noFill/>
+        </p:spPr>
+        <p:txBody>
+          <a:bodyPr wrap="none" rtlCol="0">
+            <a:spAutoFit/>
+          </a:bodyPr>
+          <a:lstStyle/>
+          <a:p>
+            <a:r>
+              <a:rPr lang="en-US" dirty="0"/>
+              <a:t>A2 is a number (proper)</a:t>
+            </a:r>
+          </a:p>
+          <a:p>
+            <a:r>
+              <a:rPr lang="en-US" dirty="0"/>
+              <a:t>A3 is a string (improper)</a:t>
+            </a:r>
+          </a:p>
+        </p:txBody>
+      </p:sp>
+    </p:spTree>
+    <p:extLst>
+      <p:ext uri="{BB962C8B-B14F-4D97-AF65-F5344CB8AC3E}">
+        <p14:creationId xmlns:p14="http://schemas.microsoft.com/office/powerpoint/2010/main" val="86582861"/>
       </p:ext>
     </p:extLst>
   </p:cSld>
@@ -3713,4 +8358,319 @@
     </a:ext>
   </a:extLst>
 </a:theme>
+</file>
+
+<file path=ppt/theme/theme2.xml><?xml version="1.0" encoding="utf-8"?>
+<a:theme xmlns:a="http://schemas.openxmlformats.org/drawingml/2006/main" name="Office Theme">
+  <a:themeElements>
+    <a:clrScheme name="Office">
+      <a:dk1>
+        <a:sysClr val="windowText" lastClr="000000"/>
+      </a:dk1>
+      <a:lt1>
+        <a:sysClr val="window" lastClr="FFFFFF"/>
+      </a:lt1>
+      <a:dk2>
+        <a:srgbClr val="0E2841"/>
+      </a:dk2>
+      <a:lt2>
+        <a:srgbClr val="E8E8E8"/>
+      </a:lt2>
+      <a:accent1>
+        <a:srgbClr val="156082"/>
+      </a:accent1>
+      <a:accent2>
+        <a:srgbClr val="E97132"/>
+      </a:accent2>
+      <a:accent3>
+        <a:srgbClr val="196B24"/>
+      </a:accent3>
+      <a:accent4>
+        <a:srgbClr val="0F9ED5"/>
+      </a:accent4>
+      <a:accent5>
+        <a:srgbClr val="A02B93"/>
+      </a:accent5>
+      <a:accent6>
+        <a:srgbClr val="4EA72E"/>
+      </a:accent6>
+      <a:hlink>
+        <a:srgbClr val="467886"/>
+      </a:hlink>
+      <a:folHlink>
+        <a:srgbClr val="96607D"/>
+      </a:folHlink>
+    </a:clrScheme>
+    <a:fontScheme name="Office">
+      <a:majorFont>
+        <a:latin typeface="Aptos Display" panose="02110004020202020204"/>
+        <a:ea typeface=""/>
+        <a:cs typeface=""/>
+        <a:font script="Jpan" typeface="游ゴシック Light"/>
+        <a:font script="Hang" typeface="맑은 고딕"/>
+        <a:font script="Hans" typeface="等线 Light"/>
+        <a:font script="Hant" typeface="新細明體"/>
+        <a:font script="Arab" typeface="Times New Roman"/>
+        <a:font script="Hebr" typeface="Times New Roman"/>
+        <a:font script="Thai" typeface="Angsana New"/>
+        <a:font script="Ethi" typeface="Nyala"/>
+        <a:font script="Beng" typeface="Vrinda"/>
+        <a:font script="Gujr" typeface="Shruti"/>
+        <a:font script="Khmr" typeface="MoolBoran"/>
+        <a:font script="Knda" typeface="Tunga"/>
+        <a:font script="Guru" typeface="Raavi"/>
+        <a:font script="Cans" typeface="Euphemia"/>
+        <a:font script="Cher" typeface="Plantagenet Cherokee"/>
+        <a:font script="Yiii" typeface="Microsoft Yi Baiti"/>
+        <a:font script="Tibt" typeface="Microsoft Himalaya"/>
+        <a:font script="Thaa" typeface="MV Boli"/>
+        <a:font script="Deva" typeface="Mangal"/>
+        <a:font script="Telu" typeface="Gautami"/>
+        <a:font script="Taml" typeface="Latha"/>
+        <a:font script="Syrc" typeface="Estrangelo Edessa"/>
+        <a:font script="Orya" typeface="Kalinga"/>
+        <a:font script="Mlym" typeface="Kartika"/>
+        <a:font script="Laoo" typeface="DokChampa"/>
+        <a:font script="Sinh" typeface="Iskoola Pota"/>
+        <a:font script="Mong" typeface="Mongolian Baiti"/>
+        <a:font script="Viet" typeface="Times New Roman"/>
+        <a:font script="Uigh" typeface="Microsoft Uighur"/>
+        <a:font script="Geor" typeface="Sylfaen"/>
+        <a:font script="Armn" typeface="Arial"/>
+        <a:font script="Bugi" typeface="Leelawadee UI"/>
+        <a:font script="Bopo" typeface="Microsoft JhengHei"/>
+        <a:font script="Java" typeface="Javanese Text"/>
+        <a:font script="Lisu" typeface="Segoe UI"/>
+        <a:font script="Mymr" typeface="Myanmar Text"/>
+        <a:font script="Nkoo" typeface="Ebrima"/>
+        <a:font script="Olck" typeface="Nirmala UI"/>
+        <a:font script="Osma" typeface="Ebrima"/>
+        <a:font script="Phag" typeface="Phagspa"/>
+        <a:font script="Syrn" typeface="Estrangelo Edessa"/>
+        <a:font script="Syrj" typeface="Estrangelo Edessa"/>
+        <a:font script="Syre" typeface="Estrangelo Edessa"/>
+        <a:font script="Sora" typeface="Nirmala UI"/>
+        <a:font script="Tale" typeface="Microsoft Tai Le"/>
+        <a:font script="Talu" typeface="Microsoft New Tai Lue"/>
+        <a:font script="Tfng" typeface="Ebrima"/>
+      </a:majorFont>
+      <a:minorFont>
+        <a:latin typeface="Aptos" panose="02110004020202020204"/>
+        <a:ea typeface=""/>
+        <a:cs typeface=""/>
+        <a:font script="Jpan" typeface="游ゴシック"/>
+        <a:font script="Hang" typeface="맑은 고딕"/>
+        <a:font script="Hans" typeface="等线"/>
+        <a:font script="Hant" typeface="新細明體"/>
+        <a:font script="Arab" typeface="Arial"/>
+        <a:font script="Hebr" typeface="Arial"/>
+        <a:font script="Thai" typeface="Cordia New"/>
+        <a:font script="Ethi" typeface="Nyala"/>
+        <a:font script="Beng" typeface="Vrinda"/>
+        <a:font script="Gujr" typeface="Shruti"/>
+        <a:font script="Khmr" typeface="DaunPenh"/>
+        <a:font script="Knda" typeface="Tunga"/>
+        <a:font script="Guru" typeface="Raavi"/>
+        <a:font script="Cans" typeface="Euphemia"/>
+        <a:font script="Cher" typeface="Plantagenet Cherokee"/>
+        <a:font script="Yiii" typeface="Microsoft Yi Baiti"/>
+        <a:font script="Tibt" typeface="Microsoft Himalaya"/>
+        <a:font script="Thaa" typeface="MV Boli"/>
+        <a:font script="Deva" typeface="Mangal"/>
+        <a:font script="Telu" typeface="Gautami"/>
+        <a:font script="Taml" typeface="Latha"/>
+        <a:font script="Syrc" typeface="Estrangelo Edessa"/>
+        <a:font script="Orya" typeface="Kalinga"/>
+        <a:font script="Mlym" typeface="Kartika"/>
+        <a:font script="Laoo" typeface="DokChampa"/>
+        <a:font script="Sinh" typeface="Iskoola Pota"/>
+        <a:font script="Mong" typeface="Mongolian Baiti"/>
+        <a:font script="Viet" typeface="Arial"/>
+        <a:font script="Uigh" typeface="Microsoft Uighur"/>
+        <a:font script="Geor" typeface="Sylfaen"/>
+        <a:font script="Armn" typeface="Arial"/>
+        <a:font script="Bugi" typeface="Leelawadee UI"/>
+        <a:font script="Bopo" typeface="Microsoft JhengHei"/>
+        <a:font script="Java" typeface="Javanese Text"/>
+        <a:font script="Lisu" typeface="Segoe UI"/>
+        <a:font script="Mymr" typeface="Myanmar Text"/>
+        <a:font script="Nkoo" typeface="Ebrima"/>
+        <a:font script="Olck" typeface="Nirmala UI"/>
+        <a:font script="Osma" typeface="Ebrima"/>
+        <a:font script="Phag" typeface="Phagspa"/>
+        <a:font script="Syrn" typeface="Estrangelo Edessa"/>
+        <a:font script="Syrj" typeface="Estrangelo Edessa"/>
+        <a:font script="Syre" typeface="Estrangelo Edessa"/>
+        <a:font script="Sora" typeface="Nirmala UI"/>
+        <a:font script="Tale" typeface="Microsoft Tai Le"/>
+        <a:font script="Talu" typeface="Microsoft New Tai Lue"/>
+        <a:font script="Tfng" typeface="Ebrima"/>
+      </a:minorFont>
+    </a:fontScheme>
+    <a:fmtScheme name="Office">
+      <a:fillStyleLst>
+        <a:solidFill>
+          <a:schemeClr val="phClr"/>
+        </a:solidFill>
+        <a:gradFill rotWithShape="1">
+          <a:gsLst>
+            <a:gs pos="0">
+              <a:schemeClr val="phClr">
+                <a:lumMod val="110000"/>
+                <a:satMod val="105000"/>
+                <a:tint val="67000"/>
+              </a:schemeClr>
+            </a:gs>
+            <a:gs pos="50000">
+              <a:schemeClr val="phClr">
+                <a:lumMod val="105000"/>
+                <a:satMod val="103000"/>
+                <a:tint val="73000"/>
+              </a:schemeClr>
+            </a:gs>
+            <a:gs pos="100000">
+              <a:schemeClr val="phClr">
+                <a:lumMod val="105000"/>
+                <a:satMod val="109000"/>
+                <a:tint val="81000"/>
+              </a:schemeClr>
+            </a:gs>
+          </a:gsLst>
+          <a:lin ang="5400000" scaled="0"/>
+        </a:gradFill>
+        <a:gradFill rotWithShape="1">
+          <a:gsLst>
+            <a:gs pos="0">
+              <a:schemeClr val="phClr">
+                <a:satMod val="103000"/>
+                <a:lumMod val="102000"/>
+                <a:tint val="94000"/>
+              </a:schemeClr>
+            </a:gs>
+            <a:gs pos="50000">
+              <a:schemeClr val="phClr">
+                <a:satMod val="110000"/>
+                <a:lumMod val="100000"/>
+                <a:shade val="100000"/>
+              </a:schemeClr>
+            </a:gs>
+            <a:gs pos="100000">
+              <a:schemeClr val="phClr">
+                <a:lumMod val="99000"/>
+                <a:satMod val="120000"/>
+                <a:shade val="78000"/>
+              </a:schemeClr>
+            </a:gs>
+          </a:gsLst>
+          <a:lin ang="5400000" scaled="0"/>
+        </a:gradFill>
+      </a:fillStyleLst>
+      <a:lnStyleLst>
+        <a:ln w="12700" cap="flat" cmpd="sng" algn="ctr">
+          <a:solidFill>
+            <a:schemeClr val="phClr"/>
+          </a:solidFill>
+          <a:prstDash val="solid"/>
+          <a:miter lim="800000"/>
+        </a:ln>
+        <a:ln w="19050" cap="flat" cmpd="sng" algn="ctr">
+          <a:solidFill>
+            <a:schemeClr val="phClr"/>
+          </a:solidFill>
+          <a:prstDash val="solid"/>
+          <a:miter lim="800000"/>
+        </a:ln>
+        <a:ln w="25400" cap="flat" cmpd="sng" algn="ctr">
+          <a:solidFill>
+            <a:schemeClr val="phClr"/>
+          </a:solidFill>
+          <a:prstDash val="solid"/>
+          <a:miter lim="800000"/>
+        </a:ln>
+      </a:lnStyleLst>
+      <a:effectStyleLst>
+        <a:effectStyle>
+          <a:effectLst/>
+        </a:effectStyle>
+        <a:effectStyle>
+          <a:effectLst/>
+        </a:effectStyle>
+        <a:effectStyle>
+          <a:effectLst>
+            <a:outerShdw blurRad="57150" dist="19050" dir="5400000" algn="ctr" rotWithShape="0">
+              <a:srgbClr val="000000">
+                <a:alpha val="63000"/>
+              </a:srgbClr>
+            </a:outerShdw>
+          </a:effectLst>
+        </a:effectStyle>
+      </a:effectStyleLst>
+      <a:bgFillStyleLst>
+        <a:solidFill>
+          <a:schemeClr val="phClr"/>
+        </a:solidFill>
+        <a:solidFill>
+          <a:schemeClr val="phClr">
+            <a:tint val="95000"/>
+            <a:satMod val="170000"/>
+          </a:schemeClr>
+        </a:solidFill>
+        <a:gradFill rotWithShape="1">
+          <a:gsLst>
+            <a:gs pos="0">
+              <a:schemeClr val="phClr">
+                <a:tint val="93000"/>
+                <a:satMod val="150000"/>
+                <a:shade val="98000"/>
+                <a:lumMod val="102000"/>
+              </a:schemeClr>
+            </a:gs>
+            <a:gs pos="50000">
+              <a:schemeClr val="phClr">
+                <a:tint val="98000"/>
+                <a:satMod val="130000"/>
+                <a:shade val="90000"/>
+                <a:lumMod val="103000"/>
+              </a:schemeClr>
+            </a:gs>
+            <a:gs pos="100000">
+              <a:schemeClr val="phClr">
+                <a:shade val="63000"/>
+                <a:satMod val="120000"/>
+              </a:schemeClr>
+            </a:gs>
+          </a:gsLst>
+          <a:lin ang="5400000" scaled="0"/>
+        </a:gradFill>
+      </a:bgFillStyleLst>
+    </a:fmtScheme>
+  </a:themeElements>
+  <a:objectDefaults>
+    <a:lnDef>
+      <a:spPr/>
+      <a:bodyPr/>
+      <a:lstStyle/>
+      <a:style>
+        <a:lnRef idx="2">
+          <a:schemeClr val="accent1"/>
+        </a:lnRef>
+        <a:fillRef idx="0">
+          <a:schemeClr val="accent1"/>
+        </a:fillRef>
+        <a:effectRef idx="1">
+          <a:schemeClr val="accent1"/>
+        </a:effectRef>
+        <a:fontRef idx="minor">
+          <a:schemeClr val="tx1"/>
+        </a:fontRef>
+      </a:style>
+    </a:lnDef>
+  </a:objectDefaults>
+  <a:extraClrSchemeLst/>
+  <a:extLst>
+    <a:ext uri="{05A4C25C-085E-4340-85A3-A5531E510DB2}">
+      <thm15:themeFamily xmlns:thm15="http://schemas.microsoft.com/office/thememl/2012/main" name="Office Theme" id="{2E142A2C-CD16-42D6-873A-C26D2A0506FA}" vid="{1BDDFF52-6CD6-40A5-AB3C-68EB2F1E4D0A}"/>
+    </a:ext>
+  </a:extLst>
+</a:theme>
 </file>
--- a/SF Python SpreadsheetDoesWhat.pptx
+++ b/SF Python SpreadsheetDoesWhat.pptx
@@ -4539,6 +4539,41 @@
           </a:prstGeom>
         </p:spPr>
       </p:pic>
+      <p:sp>
+        <p:nvSpPr>
+          <p:cNvPr id="6" name="TextBox 5">
+            <a:extLst>
+              <a:ext uri="{FF2B5EF4-FFF2-40B4-BE49-F238E27FC236}">
+                <a16:creationId xmlns:a16="http://schemas.microsoft.com/office/drawing/2014/main" id="{EDC2B77F-AC62-6875-EB29-A39BFEDFBEFD}"/>
+              </a:ext>
+            </a:extLst>
+          </p:cNvPr>
+          <p:cNvSpPr txBox="1"/>
+          <p:nvPr/>
+        </p:nvSpPr>
+        <p:spPr>
+          <a:xfrm>
+            <a:off x="4364175" y="5897325"/>
+            <a:ext cx="2741135" cy="369332"/>
+          </a:xfrm>
+          <a:prstGeom prst="rect">
+            <a:avLst/>
+          </a:prstGeom>
+          <a:noFill/>
+        </p:spPr>
+        <p:txBody>
+          <a:bodyPr wrap="none" rtlCol="0">
+            <a:spAutoFit/>
+          </a:bodyPr>
+          <a:lstStyle/>
+          <a:p>
+            <a:r>
+              <a:rPr lang="en-US" dirty="0"/>
+              <a:t>(apparently a header issue)</a:t>
+            </a:r>
+          </a:p>
+        </p:txBody>
+      </p:sp>
     </p:spTree>
     <p:extLst>
       <p:ext uri="{BB962C8B-B14F-4D97-AF65-F5344CB8AC3E}">
@@ -4630,7 +4665,22 @@
           <a:p>
             <a:r>
               <a:rPr lang="en-US" dirty="0"/>
-              <a:t>Always check data formats</a:t>
+              <a:t>Always check data formats and types</a:t>
+            </a:r>
+          </a:p>
+          <a:p>
+            <a:pPr lvl="1"/>
+            <a:r>
+              <a:rPr lang="en-US" dirty="0"/>
+              <a:t>Example: </a:t>
+            </a:r>
+            <a:r>
+              <a:rPr lang="en-US" dirty="0" err="1"/>
+              <a:t>pydantic</a:t>
+            </a:r>
+            <a:r>
+              <a:rPr lang="en-US" dirty="0"/>
+              <a:t> </a:t>
             </a:r>
           </a:p>
           <a:p>
@@ -4970,14 +5020,16 @@
         </p:nvSpPr>
         <p:spPr/>
         <p:txBody>
-          <a:bodyPr/>
+          <a:bodyPr>
+            <a:normAutofit/>
+          </a:bodyPr>
           <a:lstStyle/>
           <a:p>
             <a:pPr marL="0" indent="0" algn="l">
               <a:buNone/>
             </a:pPr>
             <a:r>
-              <a:rPr lang="en-US" b="1" i="0" dirty="0">
+              <a:rPr lang="en-US" sz="3600" b="1" i="0" dirty="0">
                 <a:solidFill>
                   <a:srgbClr val="1F2328"/>
                 </a:solidFill>
@@ -4992,7 +5044,7 @@
               <a:buNone/>
             </a:pPr>
             <a:r>
-              <a:rPr lang="en-US" b="1" i="0" dirty="0">
+              <a:rPr lang="en-US" sz="3600" b="1" i="0" dirty="0">
                 <a:solidFill>
                   <a:srgbClr val="1F2328"/>
                 </a:solidFill>
@@ -5006,7 +5058,7 @@
             <a:pPr marL="0" indent="0" algn="l">
               <a:buNone/>
             </a:pPr>
-            <a:endParaRPr lang="en-US" b="1" i="0" dirty="0">
+            <a:endParaRPr lang="en-US" sz="3600" b="1" i="0" dirty="0">
               <a:solidFill>
                 <a:srgbClr val="1F2328"/>
               </a:solidFill>
@@ -5019,7 +5071,7 @@
               <a:buNone/>
             </a:pPr>
             <a:r>
-              <a:rPr lang="en-US" b="1" i="0" dirty="0">
+              <a:rPr lang="en-US" sz="3600" b="1" i="0" dirty="0">
                 <a:solidFill>
                   <a:srgbClr val="1F2328"/>
                 </a:solidFill>
@@ -5034,7 +5086,7 @@
               <a:buNone/>
             </a:pPr>
             <a:r>
-              <a:rPr lang="en-US" b="1" i="0" dirty="0">
+              <a:rPr lang="en-US" sz="3600" b="1" i="0" dirty="0">
                 <a:solidFill>
                   <a:srgbClr val="1F2328"/>
                 </a:solidFill>
@@ -5049,7 +5101,7 @@
               <a:buNone/>
             </a:pPr>
             <a:r>
-              <a:rPr lang="en-US" b="1" i="0" dirty="0">
+              <a:rPr lang="en-US" sz="3600" b="1" i="0" dirty="0">
                 <a:solidFill>
                   <a:srgbClr val="1F2328"/>
                 </a:solidFill>
@@ -5060,7 +5112,7 @@
             </a:r>
           </a:p>
           <a:p>
-            <a:endParaRPr lang="en-US" dirty="0"/>
+            <a:endParaRPr lang="en-US" sz="3600" dirty="0"/>
           </a:p>
         </p:txBody>
       </p:sp>

--- a/SF Python SpreadsheetDoesWhat.pptx
+++ b/SF Python SpreadsheetDoesWhat.pptx
@@ -208,7 +208,7 @@
           <a:p>
             <a:fld id="{325C3803-6E2E-477E-8D2A-62949CA41793}" type="datetimeFigureOut">
               <a:rPr lang="en-US" smtClean="0"/>
-              <a:t>3/13/2024</a:t>
+              <a:t>3/14/2024</a:t>
             </a:fld>
             <a:endParaRPr lang="en-US"/>
           </a:p>
@@ -622,7 +622,7 @@
           <a:p>
             <a:fld id="{4C112D99-EDAD-4515-BF08-B11898039F69}" type="datetime1">
               <a:rPr lang="en-US" smtClean="0"/>
-              <a:t>3/13/2024</a:t>
+              <a:t>3/14/2024</a:t>
             </a:fld>
             <a:endParaRPr lang="en-US"/>
           </a:p>
@@ -823,7 +823,7 @@
           <a:p>
             <a:fld id="{A7409926-455E-4E91-B058-F5306706F6D7}" type="datetime1">
               <a:rPr lang="en-US" smtClean="0"/>
-              <a:t>3/13/2024</a:t>
+              <a:t>3/14/2024</a:t>
             </a:fld>
             <a:endParaRPr lang="en-US"/>
           </a:p>
@@ -1034,7 +1034,7 @@
           <a:p>
             <a:fld id="{DBB94F9B-ADF7-40FD-874E-981E204D9F34}" type="datetime1">
               <a:rPr lang="en-US" smtClean="0"/>
-              <a:t>3/13/2024</a:t>
+              <a:t>3/14/2024</a:t>
             </a:fld>
             <a:endParaRPr lang="en-US"/>
           </a:p>
@@ -1235,7 +1235,7 @@
           <a:p>
             <a:fld id="{BF67D747-3B82-48FF-89EE-85E62773D70C}" type="datetime1">
               <a:rPr lang="en-US" smtClean="0"/>
-              <a:t>3/13/2024</a:t>
+              <a:t>3/14/2024</a:t>
             </a:fld>
             <a:endParaRPr lang="en-US"/>
           </a:p>
@@ -1513,7 +1513,7 @@
           <a:p>
             <a:fld id="{BACF2F1E-FB40-4010-9BCF-32270B34FA08}" type="datetime1">
               <a:rPr lang="en-US" smtClean="0"/>
-              <a:t>3/13/2024</a:t>
+              <a:t>3/14/2024</a:t>
             </a:fld>
             <a:endParaRPr lang="en-US"/>
           </a:p>
@@ -1781,7 +1781,7 @@
           <a:p>
             <a:fld id="{47EB57BE-D287-4FCE-9155-E8A15B323FE1}" type="datetime1">
               <a:rPr lang="en-US" smtClean="0"/>
-              <a:t>3/13/2024</a:t>
+              <a:t>3/14/2024</a:t>
             </a:fld>
             <a:endParaRPr lang="en-US"/>
           </a:p>
@@ -2196,7 +2196,7 @@
           <a:p>
             <a:fld id="{E16BE111-6505-441E-832D-B2E869773FBE}" type="datetime1">
               <a:rPr lang="en-US" smtClean="0"/>
-              <a:t>3/13/2024</a:t>
+              <a:t>3/14/2024</a:t>
             </a:fld>
             <a:endParaRPr lang="en-US"/>
           </a:p>
@@ -2340,7 +2340,7 @@
           <a:p>
             <a:fld id="{79825AD2-5AC5-44F8-B2A7-AE4928440BB0}" type="datetime1">
               <a:rPr lang="en-US" smtClean="0"/>
-              <a:t>3/13/2024</a:t>
+              <a:t>3/14/2024</a:t>
             </a:fld>
             <a:endParaRPr lang="en-US"/>
           </a:p>
@@ -2456,7 +2456,7 @@
           <a:p>
             <a:fld id="{464DE74A-B0EA-4ABF-8CB5-5DE5A6C2DD85}" type="datetime1">
               <a:rPr lang="en-US" smtClean="0"/>
-              <a:t>3/13/2024</a:t>
+              <a:t>3/14/2024</a:t>
             </a:fld>
             <a:endParaRPr lang="en-US"/>
           </a:p>
@@ -2770,7 +2770,7 @@
           <a:p>
             <a:fld id="{59628684-E1C6-45A3-94D2-987C3635ECD3}" type="datetime1">
               <a:rPr lang="en-US" smtClean="0"/>
-              <a:t>3/13/2024</a:t>
+              <a:t>3/14/2024</a:t>
             </a:fld>
             <a:endParaRPr lang="en-US"/>
           </a:p>
@@ -3061,7 +3061,7 @@
           <a:p>
             <a:fld id="{F0FFE4C3-DA64-4EC9-A25E-FF9E54D7C62D}" type="datetime1">
               <a:rPr lang="en-US" smtClean="0"/>
-              <a:t>3/13/2024</a:t>
+              <a:t>3/14/2024</a:t>
             </a:fld>
             <a:endParaRPr lang="en-US"/>
           </a:p>
@@ -3305,7 +3305,7 @@
           <a:p>
             <a:fld id="{275AE8B8-10BA-4F69-BEA9-77201285FCD0}" type="datetime1">
               <a:rPr lang="en-US" smtClean="0"/>
-              <a:t>3/13/2024</a:t>
+              <a:t>3/14/2024</a:t>
             </a:fld>
             <a:endParaRPr lang="en-US"/>
           </a:p>
@@ -4220,6 +4220,47 @@
           </a:p>
         </p:txBody>
       </p:sp>
+      <p:sp>
+        <p:nvSpPr>
+          <p:cNvPr id="6" name="TextBox 5">
+            <a:extLst>
+              <a:ext uri="{FF2B5EF4-FFF2-40B4-BE49-F238E27FC236}">
+                <a16:creationId xmlns:a16="http://schemas.microsoft.com/office/drawing/2014/main" id="{522A66A9-635E-C2FC-87C8-40B83B8448E5}"/>
+              </a:ext>
+            </a:extLst>
+          </p:cNvPr>
+          <p:cNvSpPr txBox="1"/>
+          <p:nvPr/>
+        </p:nvSpPr>
+        <p:spPr>
+          <a:xfrm>
+            <a:off x="838200" y="6031831"/>
+            <a:ext cx="3770328" cy="369332"/>
+          </a:xfrm>
+          <a:prstGeom prst="rect">
+            <a:avLst/>
+          </a:prstGeom>
+          <a:noFill/>
+        </p:spPr>
+        <p:txBody>
+          <a:bodyPr wrap="none" rtlCol="0">
+            <a:spAutoFit/>
+          </a:bodyPr>
+          <a:lstStyle/>
+          <a:p>
+            <a:r>
+              <a:rPr lang="en-US" dirty="0">
+                <a:hlinkClick r:id="rId2"/>
+              </a:rPr>
+              <a:t>https://github.com/jamesabel/tobool</a:t>
+            </a:r>
+            <a:r>
+              <a:rPr lang="en-US" dirty="0"/>
+              <a:t> </a:t>
+            </a:r>
+          </a:p>
+        </p:txBody>
+      </p:sp>
     </p:spTree>
     <p:extLst>
       <p:ext uri="{BB962C8B-B14F-4D97-AF65-F5344CB8AC3E}">
@@ -4553,8 +4594,8 @@
         </p:nvSpPr>
         <p:spPr>
           <a:xfrm>
-            <a:off x="4364175" y="5897325"/>
-            <a:ext cx="2741135" cy="369332"/>
+            <a:off x="3213578" y="5894685"/>
+            <a:ext cx="6269665" cy="461665"/>
           </a:xfrm>
           <a:prstGeom prst="rect">
             <a:avLst/>
@@ -4568,8 +4609,22 @@
           <a:lstStyle/>
           <a:p>
             <a:r>
-              <a:rPr lang="en-US" dirty="0"/>
-              <a:t>(apparently a header issue)</a:t>
+              <a:rPr lang="en-US" sz="2400" dirty="0"/>
+              <a:t>should be </a:t>
+            </a:r>
+            <a:r>
+              <a:rPr lang="en-US" sz="2400" dirty="0" err="1">
+                <a:latin typeface="Courier New" panose="02070309020205020404" pitchFamily="49" charset="0"/>
+                <a:cs typeface="Courier New" panose="02070309020205020404" pitchFamily="49" charset="0"/>
+              </a:rPr>
+              <a:t>read_excel</a:t>
+            </a:r>
+            <a:r>
+              <a:rPr lang="en-US" sz="2400" dirty="0">
+                <a:latin typeface="Courier New" panose="02070309020205020404" pitchFamily="49" charset="0"/>
+                <a:cs typeface="Courier New" panose="02070309020205020404" pitchFamily="49" charset="0"/>
+              </a:rPr>
+              <a:t>(…, header=None)</a:t>
             </a:r>
           </a:p>
         </p:txBody>
@@ -4992,11 +5047,13 @@
         </p:nvSpPr>
         <p:spPr/>
         <p:txBody>
-          <a:bodyPr/>
-          <a:lstStyle/>
-          <a:p>
-            <a:r>
-              <a:rPr lang="en-US" dirty="0"/>
+          <a:bodyPr>
+            <a:normAutofit/>
+          </a:bodyPr>
+          <a:lstStyle/>
+          <a:p>
+            <a:r>
+              <a:rPr lang="en-US" b="1" dirty="0"/>
               <a:t>CSV/Spreadsheets are the Worlds Database</a:t>
             </a:r>
           </a:p>
